--- a/Presentación/NPLV3.pptx
+++ b/Presentación/NPLV3.pptx
@@ -5,7 +5,7 @@
     <p:sldMasterId id="2147483648" r:id="rId1"/>
   </p:sldMasterIdLst>
   <p:notesMasterIdLst>
-    <p:notesMasterId r:id="rId45"/>
+    <p:notesMasterId r:id="rId46"/>
   </p:notesMasterIdLst>
   <p:sldIdLst>
     <p:sldId id="256" r:id="rId2"/>
@@ -28,29 +28,30 @@
     <p:sldId id="288" r:id="rId19"/>
     <p:sldId id="295" r:id="rId20"/>
     <p:sldId id="296" r:id="rId21"/>
-    <p:sldId id="289" r:id="rId22"/>
-    <p:sldId id="301" r:id="rId23"/>
-    <p:sldId id="302" r:id="rId24"/>
-    <p:sldId id="304" r:id="rId25"/>
-    <p:sldId id="272" r:id="rId26"/>
-    <p:sldId id="273" r:id="rId27"/>
-    <p:sldId id="274" r:id="rId28"/>
-    <p:sldId id="287" r:id="rId29"/>
-    <p:sldId id="286" r:id="rId30"/>
-    <p:sldId id="290" r:id="rId31"/>
-    <p:sldId id="275" r:id="rId32"/>
-    <p:sldId id="276" r:id="rId33"/>
-    <p:sldId id="277" r:id="rId34"/>
-    <p:sldId id="278" r:id="rId35"/>
-    <p:sldId id="279" r:id="rId36"/>
-    <p:sldId id="281" r:id="rId37"/>
-    <p:sldId id="292" r:id="rId38"/>
-    <p:sldId id="280" r:id="rId39"/>
-    <p:sldId id="291" r:id="rId40"/>
-    <p:sldId id="297" r:id="rId41"/>
-    <p:sldId id="298" r:id="rId42"/>
-    <p:sldId id="299" r:id="rId43"/>
-    <p:sldId id="300" r:id="rId44"/>
+    <p:sldId id="305" r:id="rId22"/>
+    <p:sldId id="289" r:id="rId23"/>
+    <p:sldId id="301" r:id="rId24"/>
+    <p:sldId id="302" r:id="rId25"/>
+    <p:sldId id="304" r:id="rId26"/>
+    <p:sldId id="272" r:id="rId27"/>
+    <p:sldId id="273" r:id="rId28"/>
+    <p:sldId id="274" r:id="rId29"/>
+    <p:sldId id="287" r:id="rId30"/>
+    <p:sldId id="286" r:id="rId31"/>
+    <p:sldId id="290" r:id="rId32"/>
+    <p:sldId id="275" r:id="rId33"/>
+    <p:sldId id="276" r:id="rId34"/>
+    <p:sldId id="277" r:id="rId35"/>
+    <p:sldId id="278" r:id="rId36"/>
+    <p:sldId id="279" r:id="rId37"/>
+    <p:sldId id="281" r:id="rId38"/>
+    <p:sldId id="292" r:id="rId39"/>
+    <p:sldId id="280" r:id="rId40"/>
+    <p:sldId id="291" r:id="rId41"/>
+    <p:sldId id="297" r:id="rId42"/>
+    <p:sldId id="298" r:id="rId43"/>
+    <p:sldId id="299" r:id="rId44"/>
+    <p:sldId id="300" r:id="rId45"/>
   </p:sldIdLst>
   <p:sldSz cx="9144000" cy="6858000" type="screen4x3"/>
   <p:notesSz cx="6735763" cy="9866313"/>
@@ -181,7 +182,7 @@
   </p:defaultTextStyle>
   <p:extLst>
     <p:ext uri="{EFAFB233-063F-42B5-8137-9DF3F51BA10A}">
-      <p15:sldGuideLst xmlns:p15="http://schemas.microsoft.com/office/powerpoint/2012/main">
+      <p15:sldGuideLst xmlns:p15="http://schemas.microsoft.com/office/powerpoint/2012/main" xmlns="">
         <p15:guide id="1" orient="horz" pos="2160">
           <p15:clr>
             <a:srgbClr val="A4A3A4"/>
@@ -281,7 +282,7 @@
             <a:fld id="{9F66CC13-4A76-4266-9282-341FB5DDEC79}" type="datetimeFigureOut">
               <a:rPr lang="es-ES" smtClean="0"/>
               <a:pPr/>
-              <a:t>10/05/2017</a:t>
+              <a:t>12/05/2017</a:t>
             </a:fld>
             <a:endParaRPr lang="es-ES" dirty="0"/>
           </a:p>
@@ -452,7 +453,7 @@
     </p:spTree>
     <p:extLst>
       <p:ext uri="{BB962C8B-B14F-4D97-AF65-F5344CB8AC3E}">
-        <p14:creationId xmlns:p14="http://schemas.microsoft.com/office/powerpoint/2010/main" val="3051533748"/>
+        <p14:creationId xmlns:p14="http://schemas.microsoft.com/office/powerpoint/2010/main" xmlns="" val="3051533748"/>
       </p:ext>
     </p:extLst>
   </p:cSld>
@@ -746,7 +747,7 @@
               <a:pPr>
                 <a:defRPr/>
               </a:pPr>
-              <a:t>10/05/2017</a:t>
+              <a:t>12/05/2017</a:t>
             </a:fld>
             <a:endParaRPr lang="es-ES" dirty="0"/>
           </a:p>
@@ -950,7 +951,7 @@
               <a:pPr>
                 <a:defRPr/>
               </a:pPr>
-              <a:t>10/05/2017</a:t>
+              <a:t>12/05/2017</a:t>
             </a:fld>
             <a:endParaRPr lang="es-ES" dirty="0"/>
           </a:p>
@@ -1159,7 +1160,7 @@
               <a:pPr>
                 <a:defRPr/>
               </a:pPr>
-              <a:t>10/05/2017</a:t>
+              <a:t>12/05/2017</a:t>
             </a:fld>
             <a:endParaRPr lang="es-ES" dirty="0"/>
           </a:p>
@@ -1332,7 +1333,7 @@
               <a:pPr>
                 <a:defRPr/>
               </a:pPr>
-              <a:t>10/05/2017</a:t>
+              <a:t>12/05/2017</a:t>
             </a:fld>
             <a:endParaRPr lang="es-ES" dirty="0"/>
           </a:p>
@@ -1607,7 +1608,7 @@
               <a:pPr>
                 <a:defRPr/>
               </a:pPr>
-              <a:t>10/05/2017</a:t>
+              <a:t>12/05/2017</a:t>
             </a:fld>
             <a:endParaRPr lang="es-ES" dirty="0"/>
           </a:p>
@@ -1929,7 +1930,7 @@
               <a:pPr>
                 <a:defRPr/>
               </a:pPr>
-              <a:t>10/05/2017</a:t>
+              <a:t>12/05/2017</a:t>
             </a:fld>
             <a:endParaRPr lang="es-ES" dirty="0"/>
           </a:p>
@@ -2385,7 +2386,7 @@
               <a:pPr>
                 <a:defRPr/>
               </a:pPr>
-              <a:t>10/05/2017</a:t>
+              <a:t>12/05/2017</a:t>
             </a:fld>
             <a:endParaRPr lang="es-ES" dirty="0"/>
           </a:p>
@@ -2654,7 +2655,7 @@
               <a:pPr>
                 <a:defRPr/>
               </a:pPr>
-              <a:t>10/05/2017</a:t>
+              <a:t>12/05/2017</a:t>
             </a:fld>
             <a:endParaRPr lang="es-ES" dirty="0"/>
           </a:p>
@@ -2775,7 +2776,7 @@
               <a:pPr>
                 <a:defRPr/>
               </a:pPr>
-              <a:t>10/05/2017</a:t>
+              <a:t>12/05/2017</a:t>
             </a:fld>
             <a:endParaRPr lang="es-ES" dirty="0"/>
           </a:p>
@@ -3081,7 +3082,7 @@
               <a:pPr>
                 <a:defRPr/>
               </a:pPr>
-              <a:t>10/05/2017</a:t>
+              <a:t>12/05/2017</a:t>
             </a:fld>
             <a:endParaRPr lang="es-ES" dirty="0"/>
           </a:p>
@@ -3366,7 +3367,7 @@
               <a:pPr>
                 <a:defRPr/>
               </a:pPr>
-              <a:t>10/05/2017</a:t>
+              <a:t>12/05/2017</a:t>
             </a:fld>
             <a:endParaRPr lang="es-ES" dirty="0"/>
           </a:p>
@@ -3584,7 +3585,7 @@
               <a:pPr>
                 <a:defRPr/>
               </a:pPr>
-              <a:t>10/05/2017</a:t>
+              <a:t>12/05/2017</a:t>
             </a:fld>
             <a:endParaRPr lang="es-ES" dirty="0"/>
           </a:p>
@@ -3892,7 +3893,7 @@
           <a:blip r:embed="rId13">
             <a:extLst>
               <a:ext uri="{28A0092B-C50C-407E-A947-70E740481C1C}">
-                <a14:useLocalDpi xmlns:a14="http://schemas.microsoft.com/office/drawing/2010/main" val="0"/>
+                <a14:useLocalDpi xmlns:a14="http://schemas.microsoft.com/office/drawing/2010/main" xmlns="" val="0"/>
               </a:ext>
             </a:extLst>
           </a:blip>
@@ -3925,7 +3926,7 @@
           <a:blip r:embed="rId14" cstate="print">
             <a:extLst>
               <a:ext uri="{28A0092B-C50C-407E-A947-70E740481C1C}">
-                <a14:useLocalDpi xmlns:a14="http://schemas.microsoft.com/office/drawing/2010/main" val="0"/>
+                <a14:useLocalDpi xmlns:a14="http://schemas.microsoft.com/office/drawing/2010/main" xmlns="" val="0"/>
               </a:ext>
             </a:extLst>
           </a:blip>
@@ -4775,7 +4776,7 @@
               <a:pPr>
                 <a:defRPr/>
               </a:pPr>
-              <a:t>10/05/2017</a:t>
+              <a:t>12/05/2017</a:t>
             </a:fld>
             <a:endParaRPr lang="es-ES" dirty="0"/>
           </a:p>
@@ -4909,7 +4910,6 @@
               <a:rPr lang="es-ES" dirty="0" smtClean="0"/>
               <a:t>(1)</a:t>
             </a:r>
-            <a:endParaRPr lang="es-ES" dirty="0" smtClean="0"/>
           </a:p>
           <a:p>
             <a:pPr fontAlgn="auto">
@@ -5189,7 +5189,7 @@
               <a:pPr>
                 <a:defRPr/>
               </a:pPr>
-              <a:t>10/05/2017</a:t>
+              <a:t>12/05/2017</a:t>
             </a:fld>
             <a:endParaRPr lang="es-ES" dirty="0"/>
           </a:p>
@@ -5323,7 +5323,6 @@
               <a:rPr lang="es-ES" dirty="0" smtClean="0"/>
               <a:t>(2)</a:t>
             </a:r>
-            <a:endParaRPr lang="es-ES" dirty="0" smtClean="0"/>
           </a:p>
           <a:p>
             <a:pPr fontAlgn="auto">
@@ -5603,7 +5602,7 @@
               <a:pPr>
                 <a:defRPr/>
               </a:pPr>
-              <a:t>10/05/2017</a:t>
+              <a:t>12/05/2017</a:t>
             </a:fld>
             <a:endParaRPr lang="es-ES" dirty="0"/>
           </a:p>
@@ -5737,7 +5736,6 @@
               <a:rPr lang="es-ES" dirty="0" smtClean="0"/>
               <a:t>(3)</a:t>
             </a:r>
-            <a:endParaRPr lang="es-ES" dirty="0" smtClean="0"/>
           </a:p>
           <a:p>
             <a:pPr fontAlgn="auto">
@@ -6051,7 +6049,7 @@
               <a:pPr>
                 <a:defRPr/>
               </a:pPr>
-              <a:t>10/05/2017</a:t>
+              <a:t>12/05/2017</a:t>
             </a:fld>
             <a:endParaRPr lang="es-ES" dirty="0"/>
           </a:p>
@@ -6171,7 +6169,7 @@
               <a:pPr>
                 <a:defRPr/>
               </a:pPr>
-              <a:t>10/05/2017</a:t>
+              <a:t>12/05/2017</a:t>
             </a:fld>
             <a:endParaRPr lang="es-ES" dirty="0"/>
           </a:p>
@@ -6353,7 +6351,7 @@
               <a:pPr>
                 <a:defRPr/>
               </a:pPr>
-              <a:t>10/05/2017</a:t>
+              <a:t>12/05/2017</a:t>
             </a:fld>
             <a:endParaRPr lang="es-ES" dirty="0"/>
           </a:p>
@@ -6504,17 +6502,12 @@
             </a:pPr>
             <a:r>
               <a:rPr lang="es-ES" b="1" dirty="0" smtClean="0"/>
-              <a:t>Medidas del </a:t>
-            </a:r>
-            <a:r>
-              <a:rPr lang="es-ES" b="1" dirty="0" smtClean="0"/>
-              <a:t>desempeño </a:t>
+              <a:t>Medidas del desempeño </a:t>
             </a:r>
             <a:r>
               <a:rPr lang="es-ES" dirty="0" smtClean="0"/>
               <a:t>(1)</a:t>
             </a:r>
-            <a:endParaRPr lang="es-ES" dirty="0" smtClean="0"/>
           </a:p>
           <a:p>
             <a:pPr marL="0" indent="0">
@@ -6563,7 +6556,7 @@
               <a:pPr>
                 <a:defRPr/>
               </a:pPr>
-              <a:t>10/05/2017</a:t>
+              <a:t>12/05/2017</a:t>
             </a:fld>
             <a:endParaRPr lang="es-ES" dirty="0"/>
           </a:p>
@@ -6636,7 +6629,7 @@
           <a:blip r:embed="rId2">
             <a:extLst>
               <a:ext uri="{28A0092B-C50C-407E-A947-70E740481C1C}">
-                <a14:useLocalDpi xmlns:a14="http://schemas.microsoft.com/office/drawing/2010/main" val="0"/>
+                <a14:useLocalDpi xmlns:a14="http://schemas.microsoft.com/office/drawing/2010/main" xmlns="" val="0"/>
               </a:ext>
             </a:extLst>
           </a:blip>
@@ -6659,14 +6652,14 @@
           </a:ln>
           <a:extLst>
             <a:ext uri="{909E8E84-426E-40DD-AFC4-6F175D3DCCD1}">
-              <a14:hiddenFill xmlns:a14="http://schemas.microsoft.com/office/drawing/2010/main">
+              <a14:hiddenFill xmlns:a14="http://schemas.microsoft.com/office/drawing/2010/main" xmlns="">
                 <a:solidFill>
                   <a:srgbClr val="FFFFFF"/>
                 </a:solidFill>
               </a14:hiddenFill>
             </a:ext>
             <a:ext uri="{91240B29-F687-4F45-9708-019B960494DF}">
-              <a14:hiddenLine xmlns:a14="http://schemas.microsoft.com/office/drawing/2010/main" w="9525">
+              <a14:hiddenLine xmlns:a14="http://schemas.microsoft.com/office/drawing/2010/main" xmlns="" w="9525">
                 <a:solidFill>
                   <a:srgbClr val="000000"/>
                 </a:solidFill>
@@ -6678,8 +6671,8 @@
           </a:extLst>
         </p:spPr>
       </p:pic>
-      <mc:AlternateContent xmlns:mc="http://schemas.openxmlformats.org/markup-compatibility/2006" xmlns:a14="http://schemas.microsoft.com/office/drawing/2010/main">
-        <mc:Choice Requires="a14">
+      <mc:AlternateContent xmlns:mc="http://schemas.openxmlformats.org/markup-compatibility/2006">
+        <mc:Choice xmlns:a14="http://schemas.microsoft.com/office/drawing/2010/main" xmlns="" Requires="a14">
           <p:sp>
             <p:nvSpPr>
               <p:cNvPr id="9" name="Rectángulo 8"/>
@@ -7053,7 +7046,7 @@
             </p:txBody>
           </p:sp>
         </mc:Choice>
-        <mc:Fallback xmlns="">
+        <mc:Fallback>
           <p:sp>
             <p:nvSpPr>
               <p:cNvPr id="9" name="Rectángulo 8"/>
@@ -7092,8 +7085,8 @@
           </p:sp>
         </mc:Fallback>
       </mc:AlternateContent>
-      <mc:AlternateContent xmlns:mc="http://schemas.openxmlformats.org/markup-compatibility/2006" xmlns:a14="http://schemas.microsoft.com/office/drawing/2010/main">
-        <mc:Choice Requires="a14">
+      <mc:AlternateContent xmlns:mc="http://schemas.openxmlformats.org/markup-compatibility/2006">
+        <mc:Choice xmlns:a14="http://schemas.microsoft.com/office/drawing/2010/main" xmlns="" Requires="a14">
           <p:sp>
             <p:nvSpPr>
               <p:cNvPr id="10" name="Rectángulo 9"/>
@@ -7374,7 +7367,7 @@
             </p:txBody>
           </p:sp>
         </mc:Choice>
-        <mc:Fallback xmlns="">
+        <mc:Fallback>
           <p:sp>
             <p:nvSpPr>
               <p:cNvPr id="10" name="Rectángulo 9"/>
@@ -7416,7 +7409,7 @@
     </p:spTree>
     <p:extLst>
       <p:ext uri="{BB962C8B-B14F-4D97-AF65-F5344CB8AC3E}">
-        <p14:creationId xmlns:p14="http://schemas.microsoft.com/office/powerpoint/2010/main" val="3179736961"/>
+        <p14:creationId xmlns:p14="http://schemas.microsoft.com/office/powerpoint/2010/main" xmlns="" val="3179736961"/>
       </p:ext>
     </p:extLst>
   </p:cSld>
@@ -7475,17 +7468,12 @@
             </a:pPr>
             <a:r>
               <a:rPr lang="es-ES" b="1" dirty="0" smtClean="0"/>
-              <a:t>Medidas del </a:t>
-            </a:r>
-            <a:r>
-              <a:rPr lang="es-ES" b="1" dirty="0" smtClean="0"/>
-              <a:t>desempeño </a:t>
+              <a:t>Medidas del desempeño </a:t>
             </a:r>
             <a:r>
               <a:rPr lang="es-ES" dirty="0" smtClean="0"/>
               <a:t>(2)</a:t>
             </a:r>
-            <a:endParaRPr lang="es-ES" dirty="0" smtClean="0"/>
           </a:p>
           <a:p>
             <a:pPr marL="0" indent="0">
@@ -7497,21 +7485,8 @@
                   <a:srgbClr val="FF0000"/>
                 </a:solidFill>
               </a:rPr>
-              <a:t>      </a:t>
-            </a:r>
-            <a:r>
-              <a:rPr lang="es-ES" sz="2800" b="1" i="1" dirty="0" smtClean="0">
-                <a:solidFill>
-                  <a:srgbClr val="FF0000"/>
-                </a:solidFill>
-              </a:rPr>
-              <a:t>                ROC                              Indicadores</a:t>
-            </a:r>
-            <a:endParaRPr lang="es-ES" sz="2800" b="1" i="1" dirty="0" smtClean="0">
-              <a:solidFill>
-                <a:srgbClr val="FF0000"/>
-              </a:solidFill>
-            </a:endParaRPr>
+              <a:t>                      ROC                              Indicadores</a:t>
+            </a:r>
           </a:p>
           <a:p>
             <a:pPr marL="0" indent="0" algn="ctr">
@@ -7547,7 +7522,7 @@
               <a:pPr>
                 <a:defRPr/>
               </a:pPr>
-              <a:t>10/05/2017</a:t>
+              <a:t>12/05/2017</a:t>
             </a:fld>
             <a:endParaRPr lang="es-ES" dirty="0"/>
           </a:p>
@@ -7618,7 +7593,7 @@
           <a:blip r:embed="rId2">
             <a:extLst>
               <a:ext uri="{28A0092B-C50C-407E-A947-70E740481C1C}">
-                <a14:useLocalDpi xmlns:a14="http://schemas.microsoft.com/office/drawing/2010/main" val="0"/>
+                <a14:useLocalDpi xmlns:a14="http://schemas.microsoft.com/office/drawing/2010/main" xmlns="" val="0"/>
               </a:ext>
             </a:extLst>
           </a:blip>
@@ -7726,7 +7701,7 @@
     </p:spTree>
     <p:extLst>
       <p:ext uri="{BB962C8B-B14F-4D97-AF65-F5344CB8AC3E}">
-        <p14:creationId xmlns:p14="http://schemas.microsoft.com/office/powerpoint/2010/main" val="216293201"/>
+        <p14:creationId xmlns:p14="http://schemas.microsoft.com/office/powerpoint/2010/main" xmlns="" val="216293201"/>
       </p:ext>
     </p:extLst>
   </p:cSld>
@@ -7790,17 +7765,12 @@
             </a:r>
             <a:r>
               <a:rPr lang="es-ES" dirty="0" smtClean="0"/>
-              <a:t>(1</a:t>
-            </a:r>
-            <a:r>
-              <a:rPr lang="es-ES" dirty="0" smtClean="0"/>
-              <a:t>)</a:t>
+              <a:t>(1)</a:t>
             </a:r>
             <a:r>
               <a:rPr lang="es-ES" b="1" dirty="0" smtClean="0"/>
               <a:t> </a:t>
             </a:r>
-            <a:endParaRPr lang="es-ES" b="1" dirty="0" smtClean="0"/>
           </a:p>
           <a:p>
             <a:pPr marL="400050" lvl="1" indent="0">
@@ -7921,7 +7891,7 @@
               <a:pPr>
                 <a:defRPr/>
               </a:pPr>
-              <a:t>10/05/2017</a:t>
+              <a:t>12/05/2017</a:t>
             </a:fld>
             <a:endParaRPr lang="es-ES" dirty="0"/>
           </a:p>
@@ -7994,7 +7964,7 @@
           <a:blip r:embed="rId2">
             <a:extLst>
               <a:ext uri="{28A0092B-C50C-407E-A947-70E740481C1C}">
-                <a14:useLocalDpi xmlns:a14="http://schemas.microsoft.com/office/drawing/2010/main" val="0"/>
+                <a14:useLocalDpi xmlns:a14="http://schemas.microsoft.com/office/drawing/2010/main" xmlns="" val="0"/>
               </a:ext>
             </a:extLst>
           </a:blip>
@@ -8017,14 +7987,14 @@
           </a:ln>
           <a:extLst>
             <a:ext uri="{909E8E84-426E-40DD-AFC4-6F175D3DCCD1}">
-              <a14:hiddenFill xmlns:a14="http://schemas.microsoft.com/office/drawing/2010/main">
+              <a14:hiddenFill xmlns:a14="http://schemas.microsoft.com/office/drawing/2010/main" xmlns="">
                 <a:solidFill>
                   <a:srgbClr val="FFFFFF"/>
                 </a:solidFill>
               </a14:hiddenFill>
             </a:ext>
             <a:ext uri="{91240B29-F687-4F45-9708-019B960494DF}">
-              <a14:hiddenLine xmlns:a14="http://schemas.microsoft.com/office/drawing/2010/main" w="9525">
+              <a14:hiddenLine xmlns:a14="http://schemas.microsoft.com/office/drawing/2010/main" xmlns="" w="9525">
                 <a:solidFill>
                   <a:srgbClr val="000000"/>
                 </a:solidFill>
@@ -8133,7 +8103,7 @@
     </p:spTree>
     <p:extLst>
       <p:ext uri="{BB962C8B-B14F-4D97-AF65-F5344CB8AC3E}">
-        <p14:creationId xmlns:p14="http://schemas.microsoft.com/office/powerpoint/2010/main" val="838306595"/>
+        <p14:creationId xmlns:p14="http://schemas.microsoft.com/office/powerpoint/2010/main" xmlns="" val="838306595"/>
       </p:ext>
     </p:extLst>
   </p:cSld>
@@ -8190,7 +8160,7 @@
               <a:pPr>
                 <a:defRPr/>
               </a:pPr>
-              <a:t>10/05/2017</a:t>
+              <a:t>12/05/2017</a:t>
             </a:fld>
             <a:endParaRPr lang="es-ES" dirty="0"/>
           </a:p>
@@ -8491,7 +8461,7 @@
     </p:spTree>
     <p:extLst>
       <p:ext uri="{BB962C8B-B14F-4D97-AF65-F5344CB8AC3E}">
-        <p14:creationId xmlns:p14="http://schemas.microsoft.com/office/powerpoint/2010/main" val="1522669768"/>
+        <p14:creationId xmlns:p14="http://schemas.microsoft.com/office/powerpoint/2010/main" xmlns="" val="1522669768"/>
       </p:ext>
     </p:extLst>
   </p:cSld>
@@ -8632,7 +8602,7 @@
               <a:pPr>
                 <a:defRPr/>
               </a:pPr>
-              <a:t>10/05/2017</a:t>
+              <a:t>12/05/2017</a:t>
             </a:fld>
             <a:endParaRPr lang="es-ES" dirty="0"/>
           </a:p>
@@ -8748,7 +8718,7 @@
               <a:pPr>
                 <a:defRPr/>
               </a:pPr>
-              <a:t>10/05/2017</a:t>
+              <a:t>12/05/2017</a:t>
             </a:fld>
             <a:endParaRPr lang="es-ES" dirty="0"/>
           </a:p>
@@ -9552,7 +9522,7 @@
     </p:spTree>
     <p:extLst>
       <p:ext uri="{BB962C8B-B14F-4D97-AF65-F5344CB8AC3E}">
-        <p14:creationId xmlns:p14="http://schemas.microsoft.com/office/powerpoint/2010/main" val="3974705716"/>
+        <p14:creationId xmlns:p14="http://schemas.microsoft.com/office/powerpoint/2010/main" xmlns="" val="3974705716"/>
       </p:ext>
     </p:extLst>
   </p:cSld>
@@ -9598,8 +9568,8 @@
         </p:nvSpPr>
         <p:spPr>
           <a:xfrm>
-            <a:off x="457200" y="980728"/>
-            <a:ext cx="8229600" cy="4525963"/>
+            <a:off x="428596" y="1142984"/>
+            <a:ext cx="8329642" cy="4525963"/>
           </a:xfrm>
         </p:spPr>
         <p:txBody>
@@ -9624,105 +9594,117 @@
           <a:p>
             <a:r>
               <a:rPr lang="es-ES" sz="2800" b="1" dirty="0" smtClean="0"/>
-              <a:t>Etiquetado </a:t>
-            </a:r>
-            <a:r>
-              <a:rPr lang="es-ES" sz="2800" b="1" dirty="0" smtClean="0"/>
-              <a:t>de </a:t>
-            </a:r>
-            <a:r>
-              <a:rPr lang="es-ES" sz="2800" b="1" dirty="0"/>
-              <a:t>instancias</a:t>
-            </a:r>
-            <a:r>
-              <a:rPr lang="es-ES" sz="2800" b="1" dirty="0" smtClean="0"/>
-              <a:t>.</a:t>
-            </a:r>
+              <a:t>Clasificación supervisada vs. No supervisada.</a:t>
+            </a:r>
+            <a:endParaRPr lang="es-ES" sz="2800" b="1" dirty="0" smtClean="0"/>
           </a:p>
           <a:p>
             <a:pPr lvl="1"/>
             <a:r>
               <a:rPr lang="es-ES" sz="2400" dirty="0" smtClean="0"/>
-              <a:t>Es fácil </a:t>
+              <a:t>no es fácil </a:t>
             </a:r>
             <a:r>
               <a:rPr lang="es-ES" sz="2400" dirty="0"/>
-              <a:t>recopilar cientos de miles de </a:t>
-            </a:r>
-            <a:r>
-              <a:rPr lang="es-ES" sz="2400" i="1" dirty="0"/>
-              <a:t>tuits no </a:t>
+              <a:t>proceder a </a:t>
+            </a:r>
+            <a:r>
+              <a:rPr lang="es-ES" sz="2400" dirty="0" smtClean="0"/>
+              <a:t>un </a:t>
+            </a:r>
+            <a:r>
+              <a:rPr lang="es-ES" sz="2400" dirty="0" smtClean="0"/>
+              <a:t>etiquetado </a:t>
+            </a:r>
+            <a:r>
+              <a:rPr lang="es-ES" sz="2400" dirty="0" smtClean="0"/>
+              <a:t>manual el desequilibrio de clases es muy marcado.</a:t>
+            </a:r>
+          </a:p>
+          <a:p>
+            <a:pPr lvl="1"/>
+            <a:r>
+              <a:rPr lang="es-ES" sz="2400" dirty="0" smtClean="0"/>
+              <a:t>En estas circunstancias, es </a:t>
+            </a:r>
+            <a:r>
+              <a:rPr lang="es-ES" sz="2400" dirty="0" smtClean="0"/>
+              <a:t>imposible </a:t>
+            </a:r>
+            <a:r>
+              <a:rPr lang="es-ES" sz="2400" dirty="0" smtClean="0"/>
+              <a:t>que  el </a:t>
+            </a:r>
+            <a:r>
+              <a:rPr lang="es-ES" sz="2400" dirty="0" smtClean="0"/>
+              <a:t>análisis </a:t>
+            </a:r>
+            <a:r>
+              <a:rPr lang="es-ES" sz="2400" i="1" dirty="0" err="1" smtClean="0"/>
+              <a:t>cluster</a:t>
             </a:r>
             <a:r>
               <a:rPr lang="es-ES" sz="2400" i="1" dirty="0" smtClean="0"/>
-              <a:t>etiquetados</a:t>
-            </a:r>
+              <a:t> </a:t>
+            </a:r>
+            <a:r>
+              <a:rPr lang="es-ES" sz="2400" dirty="0" smtClean="0"/>
+              <a:t>, </a:t>
+            </a:r>
+            <a:r>
+              <a:rPr lang="es-ES" sz="2400" dirty="0" smtClean="0"/>
+              <a:t>utilizando </a:t>
+            </a:r>
+            <a:r>
+              <a:rPr lang="es-ES" sz="2400" dirty="0" smtClean="0"/>
+              <a:t> selección </a:t>
+            </a:r>
+            <a:r>
+              <a:rPr lang="es-ES" sz="2400" dirty="0" smtClean="0"/>
+              <a:t>aleatoria de centroides </a:t>
+            </a:r>
+            <a:r>
+              <a:rPr lang="es-ES" sz="2400" dirty="0" smtClean="0"/>
+              <a:t>iniciales,  </a:t>
+            </a:r>
+            <a:r>
+              <a:rPr lang="es-ES" sz="2400" dirty="0" smtClean="0"/>
+              <a:t>se </a:t>
+            </a:r>
+            <a:r>
+              <a:rPr lang="es-ES" sz="2400" dirty="0" smtClean="0"/>
+              <a:t>clasifique </a:t>
+            </a:r>
+            <a:r>
+              <a:rPr lang="es-ES" sz="2400" dirty="0" smtClean="0"/>
+              <a:t>las instancias en las clases de odio y neutra. </a:t>
+            </a:r>
+            <a:endParaRPr lang="es-ES" sz="2400" dirty="0" smtClean="0"/>
+          </a:p>
+          <a:p>
+            <a:pPr lvl="2"/>
+            <a:r>
+              <a:rPr lang="es-ES" dirty="0" smtClean="0"/>
+              <a:t>Sería posible intentar una clasificación  con valores </a:t>
+            </a:r>
+            <a:r>
+              <a:rPr lang="es-ES" dirty="0" err="1" smtClean="0"/>
+              <a:t>inciales</a:t>
+            </a:r>
+            <a:r>
+              <a:rPr lang="es-ES" dirty="0" smtClean="0"/>
+              <a:t> de los centroides basados en una preclasificación  de las instancias.</a:t>
+            </a:r>
+          </a:p>
+          <a:p>
+            <a:pPr lvl="2">
+              <a:buNone/>
+            </a:pPr>
+            <a:endParaRPr lang="es-ES" dirty="0" smtClean="0"/>
           </a:p>
           <a:p>
             <a:pPr lvl="1"/>
-            <a:r>
-              <a:rPr lang="es-ES" sz="2400" dirty="0" smtClean="0"/>
-              <a:t> </a:t>
-            </a:r>
-            <a:r>
-              <a:rPr lang="es-ES" sz="2400" dirty="0"/>
-              <a:t>no es tan fácil proceder a su clasificación </a:t>
-            </a:r>
-            <a:r>
-              <a:rPr lang="es-ES" sz="2400" dirty="0" smtClean="0"/>
-              <a:t>manual cuando</a:t>
-            </a:r>
-            <a:r>
-              <a:rPr lang="es-ES" sz="2400" dirty="0"/>
-              <a:t>, </a:t>
-            </a:r>
-            <a:r>
-              <a:rPr lang="es-ES" sz="2400" dirty="0" smtClean="0"/>
-              <a:t>la </a:t>
-            </a:r>
-            <a:r>
-              <a:rPr lang="es-ES" sz="2400" dirty="0"/>
-              <a:t>clase de interés </a:t>
-            </a:r>
-            <a:r>
-              <a:rPr lang="es-ES" sz="2400" dirty="0" smtClean="0"/>
-              <a:t>– tuits de odio - es </a:t>
-            </a:r>
-            <a:r>
-              <a:rPr lang="es-ES" sz="2400" dirty="0"/>
-              <a:t>muy minoritaria.</a:t>
-            </a:r>
-          </a:p>
-          <a:p>
-            <a:r>
-              <a:rPr lang="es-ES" sz="2800" dirty="0" smtClean="0"/>
-              <a:t>Por </a:t>
-            </a:r>
-            <a:r>
-              <a:rPr lang="es-ES" sz="2800" dirty="0"/>
-              <a:t>ello Hemos optado por </a:t>
-            </a:r>
-            <a:r>
-              <a:rPr lang="es-ES" sz="2800" dirty="0" smtClean="0"/>
-              <a:t>un </a:t>
-            </a:r>
-            <a:r>
-              <a:rPr lang="es-ES" sz="2800" b="1" i="1" dirty="0" smtClean="0"/>
-              <a:t>filtrado previo </a:t>
-            </a:r>
-            <a:r>
-              <a:rPr lang="es-ES" sz="2800" dirty="0" smtClean="0"/>
-              <a:t>iterativo de tuits lo que ,además,  </a:t>
-            </a:r>
-            <a:r>
-              <a:rPr lang="es-ES" sz="2800" dirty="0"/>
-              <a:t>reduce el desequilibrio de clases en el conjunto de entrenamiento</a:t>
-            </a:r>
-            <a:endParaRPr lang="es-ES" sz="2800" dirty="0"/>
-          </a:p>
-          <a:p>
-            <a:pPr lvl="1"/>
-            <a:endParaRPr lang="es-ES" sz="2000" dirty="0" smtClean="0"/>
+            <a:endParaRPr lang="es-ES" sz="2400" dirty="0"/>
           </a:p>
         </p:txBody>
       </p:sp>
@@ -9749,7 +9731,7 @@
               <a:pPr>
                 <a:defRPr/>
               </a:pPr>
-              <a:t>10/05/2017</a:t>
+              <a:t>12/05/2017</a:t>
             </a:fld>
             <a:endParaRPr lang="es-ES" dirty="0"/>
           </a:p>
@@ -9840,34 +9822,10 @@
           </a:p>
         </p:txBody>
       </p:sp>
-      <p:pic>
-        <p:nvPicPr>
-          <p:cNvPr id="9" name="Imagen 8"/>
-          <p:cNvPicPr>
-            <a:picLocks noChangeAspect="1"/>
-          </p:cNvPicPr>
-          <p:nvPr/>
-        </p:nvPicPr>
-        <p:blipFill>
-          <a:blip r:embed="rId2"/>
-          <a:stretch>
-            <a:fillRect/>
-          </a:stretch>
-        </p:blipFill>
-        <p:spPr>
-          <a:xfrm>
-            <a:off x="1817675" y="5239075"/>
-            <a:ext cx="5508650" cy="1117275"/>
-          </a:xfrm>
-          <a:prstGeom prst="rect">
-            <a:avLst/>
-          </a:prstGeom>
-        </p:spPr>
-      </p:pic>
     </p:spTree>
     <p:extLst>
       <p:ext uri="{BB962C8B-B14F-4D97-AF65-F5344CB8AC3E}">
-        <p14:creationId xmlns:p14="http://schemas.microsoft.com/office/powerpoint/2010/main" val="1405709073"/>
+        <p14:creationId xmlns:p14="http://schemas.microsoft.com/office/powerpoint/2010/main" xmlns="" val="1405709073"/>
       </p:ext>
     </p:extLst>
   </p:cSld>
@@ -9921,150 +9879,141 @@
           <a:bodyPr/>
           <a:lstStyle/>
           <a:p>
-            <a:pPr marL="0" indent="0" algn="ctr">
-              <a:buNone/>
-            </a:pPr>
-            <a:r>
-              <a:rPr lang="es-ES" b="1" dirty="0" smtClean="0"/>
-              <a:t>Diferentes costes de Errores de Clasificación </a:t>
+            <a:pPr algn="ctr"/>
+            <a:r>
+              <a:rPr lang="es-ES" b="1" dirty="0"/>
+              <a:t>La “</a:t>
+            </a:r>
+            <a:r>
+              <a:rPr lang="es-ES" b="1" i="1" dirty="0"/>
+              <a:t>Aguja en el Pajar”  </a:t>
             </a:r>
             <a:r>
               <a:rPr lang="es-ES" dirty="0" smtClean="0"/>
-              <a:t>(1)</a:t>
+              <a:t>(5)</a:t>
+            </a:r>
+            <a:endParaRPr lang="es-ES" dirty="0"/>
+          </a:p>
+          <a:p>
+            <a:r>
+              <a:rPr lang="es-ES" sz="2800" b="1" dirty="0" smtClean="0"/>
+              <a:t>Por tanto </a:t>
+            </a:r>
+            <a:r>
+              <a:rPr lang="es-ES" sz="2800" i="1" dirty="0" smtClean="0">
+                <a:sym typeface="Wingdings" pitchFamily="2" charset="2"/>
+              </a:rPr>
+              <a:t> métodos supervisados</a:t>
+            </a:r>
+            <a:r>
+              <a:rPr lang="es-ES" sz="2800" b="1" dirty="0" smtClean="0">
+                <a:sym typeface="Wingdings" pitchFamily="2" charset="2"/>
+              </a:rPr>
+              <a:t>.</a:t>
+            </a:r>
+            <a:endParaRPr lang="es-ES" sz="2800" b="1" dirty="0" smtClean="0"/>
+          </a:p>
+          <a:p>
+            <a:r>
+              <a:rPr lang="es-ES" sz="2800" b="1" dirty="0" smtClean="0"/>
+              <a:t>Etiquetado </a:t>
+            </a:r>
+            <a:r>
+              <a:rPr lang="es-ES" sz="2800" b="1" dirty="0" smtClean="0"/>
+              <a:t>de </a:t>
+            </a:r>
+            <a:r>
+              <a:rPr lang="es-ES" sz="2800" b="1" dirty="0"/>
+              <a:t>instancias</a:t>
+            </a:r>
+            <a:r>
+              <a:rPr lang="es-ES" sz="2800" b="1" dirty="0" smtClean="0"/>
+              <a:t>.</a:t>
+            </a:r>
+          </a:p>
+          <a:p>
+            <a:pPr lvl="1"/>
+            <a:r>
+              <a:rPr lang="es-ES" sz="2400" dirty="0" smtClean="0"/>
+              <a:t>Es fácil </a:t>
+            </a:r>
+            <a:r>
+              <a:rPr lang="es-ES" sz="2400" dirty="0"/>
+              <a:t>recopilar cientos de miles de </a:t>
+            </a:r>
+            <a:r>
+              <a:rPr lang="es-ES" sz="2400" i="1" dirty="0"/>
+              <a:t>tuits no </a:t>
+            </a:r>
+            <a:r>
+              <a:rPr lang="es-ES" sz="2400" i="1" dirty="0" smtClean="0"/>
+              <a:t>etiquetados</a:t>
+            </a:r>
+          </a:p>
+          <a:p>
+            <a:pPr lvl="1"/>
+            <a:r>
+              <a:rPr lang="es-ES" sz="2400" dirty="0" smtClean="0"/>
+              <a:t> </a:t>
+            </a:r>
+            <a:r>
+              <a:rPr lang="es-ES" sz="2400" dirty="0"/>
+              <a:t>no es tan fácil proceder a su clasificación </a:t>
+            </a:r>
+            <a:r>
+              <a:rPr lang="es-ES" sz="2400" dirty="0" smtClean="0"/>
+              <a:t>manual cuando</a:t>
+            </a:r>
+            <a:r>
+              <a:rPr lang="es-ES" sz="2400" dirty="0"/>
+              <a:t>, </a:t>
+            </a:r>
+            <a:r>
+              <a:rPr lang="es-ES" sz="2400" dirty="0" smtClean="0"/>
+              <a:t>la </a:t>
+            </a:r>
+            <a:r>
+              <a:rPr lang="es-ES" sz="2400" dirty="0"/>
+              <a:t>clase de interés </a:t>
+            </a:r>
+            <a:r>
+              <a:rPr lang="es-ES" sz="2400" dirty="0" smtClean="0"/>
+              <a:t>– tuits de odio - es </a:t>
+            </a:r>
+            <a:r>
+              <a:rPr lang="es-ES" sz="2400" dirty="0"/>
+              <a:t>muy minoritaria.</a:t>
             </a:r>
           </a:p>
           <a:p>
             <a:r>
               <a:rPr lang="es-ES" sz="2800" dirty="0" smtClean="0"/>
-              <a:t>Con frecuencia los costes de un falso positivo son diferentes de los de un falso negativo-</a:t>
-            </a:r>
-          </a:p>
-          <a:p>
-            <a:pPr marL="457200" lvl="1" indent="0">
-              <a:buNone/>
-            </a:pPr>
-            <a:r>
-              <a:rPr lang="es-ES" sz="2400" b="1" dirty="0" smtClean="0"/>
-              <a:t>Ejemplos</a:t>
-            </a:r>
-            <a:r>
-              <a:rPr lang="es-ES" sz="2400" dirty="0" smtClean="0"/>
-              <a:t>:</a:t>
-            </a:r>
-          </a:p>
-          <a:p>
-            <a:pPr marL="1314450" lvl="2" indent="-457200">
-              <a:buFont typeface="+mj-lt"/>
-              <a:buAutoNum type="arabicPeriod"/>
-            </a:pPr>
-            <a:r>
-              <a:rPr lang="es-ES" i="1" dirty="0" smtClean="0"/>
-              <a:t>Riesgo crediticio</a:t>
-            </a:r>
-            <a:r>
-              <a:rPr lang="es-ES" dirty="0" smtClean="0"/>
-              <a:t>: </a:t>
-            </a:r>
-            <a:r>
-              <a:rPr lang="es-ES" sz="2000" dirty="0" smtClean="0"/>
-              <a:t>Clases: </a:t>
-            </a:r>
-            <a:r>
-              <a:rPr lang="es-ES" sz="2000" b="1" dirty="0" smtClean="0"/>
-              <a:t>a</a:t>
-            </a:r>
-            <a:r>
-              <a:rPr lang="es-ES" sz="2000" dirty="0" smtClean="0"/>
-              <a:t>) Riesgo alto;  </a:t>
-            </a:r>
-            <a:r>
-              <a:rPr lang="es-ES" sz="2000" b="1" dirty="0" smtClean="0"/>
-              <a:t>b</a:t>
-            </a:r>
-            <a:r>
-              <a:rPr lang="es-ES" sz="2000" dirty="0" smtClean="0"/>
-              <a:t>) Riesgo bajo.</a:t>
-            </a:r>
-          </a:p>
-          <a:p>
-            <a:pPr marL="1314450" lvl="3" indent="0">
-              <a:buNone/>
-            </a:pPr>
-            <a:r>
-              <a:rPr lang="es-ES" dirty="0" smtClean="0"/>
-              <a:t>El coste de clasificar un solicitante de alto riesgo como</a:t>
-            </a:r>
-            <a:r>
-              <a:rPr lang="es-ES" b="1" dirty="0" smtClean="0"/>
-              <a:t> </a:t>
-            </a:r>
-            <a:r>
-              <a:rPr lang="es-ES" dirty="0" smtClean="0"/>
-              <a:t>de riesgo bajo (</a:t>
-            </a:r>
-            <a:r>
-              <a:rPr lang="es-ES" i="1" dirty="0" smtClean="0"/>
-              <a:t>falso positivo</a:t>
-            </a:r>
-            <a:r>
-              <a:rPr lang="es-ES" dirty="0" smtClean="0"/>
-              <a:t>) es superior al contario (</a:t>
-            </a:r>
-            <a:r>
-              <a:rPr lang="es-ES" i="1" dirty="0" smtClean="0"/>
-              <a:t>falso negativo</a:t>
-            </a:r>
-            <a:r>
-              <a:rPr lang="es-ES" dirty="0" smtClean="0"/>
-              <a:t>).</a:t>
-            </a:r>
-          </a:p>
-          <a:p>
-            <a:pPr marL="1314450" lvl="3" indent="0" algn="ctr">
-              <a:buNone/>
-            </a:pPr>
-            <a:r>
-              <a:rPr lang="es-ES" b="1" i="1" dirty="0" smtClean="0"/>
-              <a:t>C(fp)&gt;C(fn)</a:t>
-            </a:r>
-            <a:endParaRPr lang="es-ES" b="1" i="1" dirty="0"/>
-          </a:p>
-          <a:p>
-            <a:pPr marL="1371600" lvl="2" indent="-514350">
-              <a:buFont typeface="+mj-lt"/>
-              <a:buAutoNum type="arabicPeriod"/>
-            </a:pPr>
-            <a:r>
-              <a:rPr lang="es-ES" i="1" dirty="0" smtClean="0"/>
-              <a:t>Tuits de odio</a:t>
-            </a:r>
-            <a:r>
-              <a:rPr lang="es-ES" dirty="0" smtClean="0"/>
-              <a:t>: </a:t>
-            </a:r>
-          </a:p>
-          <a:p>
-            <a:pPr marL="1314450" lvl="3" indent="0">
-              <a:buNone/>
-            </a:pPr>
-            <a:r>
-              <a:rPr lang="es-ES" dirty="0" smtClean="0"/>
-              <a:t>Resulta preferible tener falsos positivos (tuits neutros clasificados de odio) que perder tuits de odio (falsos negativos).</a:t>
-            </a:r>
-          </a:p>
-          <a:p>
-            <a:pPr marL="1314450" lvl="3" indent="0" algn="ctr">
-              <a:buNone/>
-            </a:pPr>
-            <a:r>
-              <a:rPr lang="es-ES" b="1" i="1" dirty="0" smtClean="0"/>
-              <a:t>C(fn</a:t>
-            </a:r>
-            <a:r>
-              <a:rPr lang="es-ES" b="1" i="1" dirty="0" smtClean="0"/>
-              <a:t>)&gt;C(fp)</a:t>
-            </a:r>
-            <a:endParaRPr lang="es-ES" b="1" i="1" dirty="0" smtClean="0"/>
+              <a:t>Por </a:t>
+            </a:r>
+            <a:r>
+              <a:rPr lang="es-ES" sz="2800" dirty="0"/>
+              <a:t>ello Hemos optado por </a:t>
+            </a:r>
+            <a:r>
+              <a:rPr lang="es-ES" sz="2800" dirty="0" smtClean="0"/>
+              <a:t>un </a:t>
+            </a:r>
+            <a:r>
+              <a:rPr lang="es-ES" sz="2800" b="1" i="1" dirty="0" smtClean="0"/>
+              <a:t>filtrado previo </a:t>
+            </a:r>
+            <a:r>
+              <a:rPr lang="es-ES" sz="2800" dirty="0" smtClean="0"/>
+              <a:t>iterativo de tuits lo que ,además,  </a:t>
+            </a:r>
+            <a:r>
+              <a:rPr lang="es-ES" sz="2800" dirty="0"/>
+              <a:t>reduce el desequilibrio de clases en el conjunto de entrenamiento</a:t>
+            </a:r>
+          </a:p>
+          <a:p>
+            <a:pPr lvl="1"/>
+            <a:endParaRPr lang="es-ES" sz="2000" dirty="0" smtClean="0"/>
           </a:p>
         </p:txBody>
       </p:sp>
@@ -10091,7 +10040,7 @@
               <a:pPr>
                 <a:defRPr/>
               </a:pPr>
-              <a:t>10/05/2017</a:t>
+              <a:t>12/05/2017</a:t>
             </a:fld>
             <a:endParaRPr lang="es-ES" dirty="0"/>
           </a:p>
@@ -10182,10 +10131,34 @@
           </a:p>
         </p:txBody>
       </p:sp>
+      <p:pic>
+        <p:nvPicPr>
+          <p:cNvPr id="9" name="Imagen 8"/>
+          <p:cNvPicPr>
+            <a:picLocks noChangeAspect="1"/>
+          </p:cNvPicPr>
+          <p:nvPr/>
+        </p:nvPicPr>
+        <p:blipFill>
+          <a:blip r:embed="rId2"/>
+          <a:stretch>
+            <a:fillRect/>
+          </a:stretch>
+        </p:blipFill>
+        <p:spPr>
+          <a:xfrm>
+            <a:off x="1817675" y="5239075"/>
+            <a:ext cx="5508650" cy="1117275"/>
+          </a:xfrm>
+          <a:prstGeom prst="rect">
+            <a:avLst/>
+          </a:prstGeom>
+        </p:spPr>
+      </p:pic>
     </p:spTree>
     <p:extLst>
       <p:ext uri="{BB962C8B-B14F-4D97-AF65-F5344CB8AC3E}">
-        <p14:creationId xmlns:p14="http://schemas.microsoft.com/office/powerpoint/2010/main" val="14406087"/>
+        <p14:creationId xmlns:p14="http://schemas.microsoft.com/office/powerpoint/2010/main" xmlns="" val="1405709073"/>
       </p:ext>
     </p:extLst>
   </p:cSld>
@@ -10248,116 +10221,136 @@
             </a:r>
             <a:r>
               <a:rPr lang="es-ES" dirty="0" smtClean="0"/>
-              <a:t>(2)</a:t>
-            </a:r>
-          </a:p>
-          <a:p>
+              <a:t>(1)</a:t>
+            </a:r>
+          </a:p>
+          <a:p>
+            <a:r>
+              <a:rPr lang="es-ES" sz="2800" dirty="0" smtClean="0"/>
+              <a:t>Con frecuencia los costes de un falso positivo son diferentes de los de un falso negativo-</a:t>
+            </a:r>
+          </a:p>
+          <a:p>
+            <a:pPr marL="457200" lvl="1" indent="0">
+              <a:buNone/>
+            </a:pPr>
+            <a:r>
+              <a:rPr lang="es-ES" sz="2400" b="1" dirty="0" smtClean="0"/>
+              <a:t>Ejemplos</a:t>
+            </a:r>
             <a:r>
               <a:rPr lang="es-ES" sz="2400" dirty="0" smtClean="0"/>
-              <a:t>Si clasificamos mediante puntuación con umbral </a:t>
-            </a:r>
-            <a:r>
-              <a:rPr lang="el-GR" sz="2400" dirty="0">
-                <a:latin typeface="Times New Roman" panose="02020603050405020304" pitchFamily="18" charset="0"/>
-                <a:cs typeface="Times New Roman" panose="02020603050405020304" pitchFamily="18" charset="0"/>
-              </a:rPr>
-              <a:t>θ </a:t>
-            </a:r>
-            <a:r>
-              <a:rPr lang="es-ES" sz="2400" i="1" dirty="0" smtClean="0">
-                <a:cs typeface="Times New Roman" panose="02020603050405020304" pitchFamily="18" charset="0"/>
-              </a:rPr>
-              <a:t>y </a:t>
-            </a:r>
-            <a:r>
-              <a:rPr lang="es-ES" sz="2400" i="1" dirty="0">
-                <a:cs typeface="Times New Roman" panose="02020603050405020304" pitchFamily="18" charset="0"/>
-              </a:rPr>
-              <a:t>una matriz de confusión.</a:t>
-            </a:r>
-            <a:r>
-              <a:rPr lang="es-ES" sz="2400" dirty="0" smtClean="0">
-                <a:latin typeface="Times New Roman" panose="02020603050405020304" pitchFamily="18" charset="0"/>
-                <a:cs typeface="Times New Roman" panose="02020603050405020304" pitchFamily="18" charset="0"/>
-              </a:rPr>
+              <a:t>:</a:t>
+            </a:r>
+          </a:p>
+          <a:p>
+            <a:pPr marL="1314450" lvl="2" indent="-457200">
+              <a:buFont typeface="+mj-lt"/>
+              <a:buAutoNum type="arabicPeriod"/>
+            </a:pPr>
+            <a:r>
+              <a:rPr lang="es-ES" i="1" dirty="0" smtClean="0"/>
+              <a:t>Riesgo crediticio</a:t>
+            </a:r>
+            <a:r>
+              <a:rPr lang="es-ES" dirty="0" smtClean="0"/>
+              <a:t>: </a:t>
+            </a:r>
+            <a:r>
+              <a:rPr lang="es-ES" sz="2000" dirty="0" smtClean="0"/>
+              <a:t>Clases: </a:t>
+            </a:r>
+            <a:r>
+              <a:rPr lang="es-ES" sz="2000" b="1" dirty="0" smtClean="0"/>
+              <a:t>a</a:t>
+            </a:r>
+            <a:r>
+              <a:rPr lang="es-ES" sz="2000" dirty="0" smtClean="0"/>
+              <a:t>) Riesgo alto;  </a:t>
+            </a:r>
+            <a:r>
+              <a:rPr lang="es-ES" sz="2000" b="1" dirty="0" smtClean="0"/>
+              <a:t>b</a:t>
+            </a:r>
+            <a:r>
+              <a:rPr lang="es-ES" sz="2000" dirty="0" smtClean="0"/>
+              <a:t>) Riesgo bajo.</a:t>
+            </a:r>
+          </a:p>
+          <a:p>
+            <a:pPr marL="1314450" lvl="3" indent="0">
+              <a:buNone/>
+            </a:pPr>
+            <a:r>
+              <a:rPr lang="es-ES" dirty="0" smtClean="0"/>
+              <a:t>El coste de clasificar un solicitante de alto riesgo como</a:t>
+            </a:r>
+            <a:r>
+              <a:rPr lang="es-ES" b="1" dirty="0" smtClean="0"/>
               <a:t> </a:t>
             </a:r>
             <a:r>
-              <a:rPr lang="es-ES" sz="2400" dirty="0" smtClean="0">
-                <a:latin typeface="+mj-lt"/>
-                <a:cs typeface="Times New Roman" panose="02020603050405020304" pitchFamily="18" charset="0"/>
-              </a:rPr>
-              <a:t>de corte para cada valor  de </a:t>
-            </a:r>
-            <a:r>
-              <a:rPr lang="el-GR" sz="2400" dirty="0">
-                <a:latin typeface="Times New Roman" panose="02020603050405020304" pitchFamily="18" charset="0"/>
-                <a:cs typeface="Times New Roman" panose="02020603050405020304" pitchFamily="18" charset="0"/>
-              </a:rPr>
-              <a:t>θ </a:t>
-            </a:r>
-            <a:r>
-              <a:rPr lang="es-ES" sz="2400" dirty="0" smtClean="0">
-                <a:latin typeface="Times New Roman" panose="02020603050405020304" pitchFamily="18" charset="0"/>
-                <a:cs typeface="Times New Roman" panose="02020603050405020304" pitchFamily="18" charset="0"/>
-              </a:rPr>
-              <a:t> </a:t>
-            </a:r>
-            <a:r>
-              <a:rPr lang="es-ES" sz="2400" dirty="0" smtClean="0">
-                <a:latin typeface="+mj-lt"/>
-                <a:cs typeface="Times New Roman" panose="02020603050405020304" pitchFamily="18" charset="0"/>
-              </a:rPr>
-              <a:t>obtenemos un punto en el diagrama </a:t>
-            </a:r>
-            <a:r>
-              <a:rPr lang="es-ES" sz="2400" i="1" dirty="0" smtClean="0">
-                <a:latin typeface="+mj-lt"/>
-                <a:cs typeface="Times New Roman" panose="02020603050405020304" pitchFamily="18" charset="0"/>
-              </a:rPr>
-              <a:t>tp-fp </a:t>
-            </a:r>
-            <a:r>
-              <a:rPr lang="es-ES" sz="2400" i="1" dirty="0">
-                <a:cs typeface="Times New Roman" panose="02020603050405020304" pitchFamily="18" charset="0"/>
-              </a:rPr>
-              <a:t>y una matriz de </a:t>
-            </a:r>
-            <a:r>
-              <a:rPr lang="es-ES" sz="2400" i="1" dirty="0" smtClean="0">
-                <a:cs typeface="Times New Roman" panose="02020603050405020304" pitchFamily="18" charset="0"/>
-              </a:rPr>
-              <a:t>confusión. </a:t>
-            </a:r>
-            <a:r>
-              <a:rPr lang="es-ES" sz="2400" dirty="0" smtClean="0">
-                <a:cs typeface="Times New Roman" panose="02020603050405020304" pitchFamily="18" charset="0"/>
-              </a:rPr>
-              <a:t>Variando </a:t>
-            </a:r>
-            <a:r>
-              <a:rPr lang="el-GR" sz="2400" dirty="0">
-                <a:latin typeface="Times New Roman" panose="02020603050405020304" pitchFamily="18" charset="0"/>
-                <a:cs typeface="Times New Roman" panose="02020603050405020304" pitchFamily="18" charset="0"/>
-              </a:rPr>
-              <a:t>θ</a:t>
-            </a:r>
-            <a:r>
-              <a:rPr lang="es-ES" sz="2400" dirty="0" smtClean="0">
-                <a:cs typeface="Times New Roman" panose="02020603050405020304" pitchFamily="18" charset="0"/>
-              </a:rPr>
-              <a:t> </a:t>
-            </a:r>
-            <a:r>
-              <a:rPr lang="es-ES" sz="2400" dirty="0" smtClean="0">
-                <a:latin typeface="+mj-lt"/>
-                <a:cs typeface="Times New Roman" panose="02020603050405020304" pitchFamily="18" charset="0"/>
-              </a:rPr>
-              <a:t>obtenemos la curva ROC.</a:t>
-            </a:r>
-            <a:endParaRPr lang="es-ES" sz="2400" dirty="0" smtClean="0">
-              <a:latin typeface="+mj-lt"/>
-            </a:endParaRPr>
+              <a:rPr lang="es-ES" dirty="0" smtClean="0"/>
+              <a:t>de riesgo bajo (</a:t>
+            </a:r>
+            <a:r>
+              <a:rPr lang="es-ES" i="1" dirty="0" smtClean="0"/>
+              <a:t>falso positivo</a:t>
+            </a:r>
+            <a:r>
+              <a:rPr lang="es-ES" dirty="0" smtClean="0"/>
+              <a:t>) es superior al contario (</a:t>
+            </a:r>
+            <a:r>
+              <a:rPr lang="es-ES" i="1" dirty="0" smtClean="0"/>
+              <a:t>falso negativo</a:t>
+            </a:r>
+            <a:r>
+              <a:rPr lang="es-ES" dirty="0" smtClean="0"/>
+              <a:t>).</a:t>
+            </a:r>
+          </a:p>
+          <a:p>
+            <a:pPr marL="1314450" lvl="3" indent="0" algn="ctr">
+              <a:buNone/>
+            </a:pPr>
+            <a:r>
+              <a:rPr lang="es-ES" b="1" i="1" dirty="0" smtClean="0"/>
+              <a:t>C(fp)&gt;C(fn)</a:t>
+            </a:r>
+            <a:endParaRPr lang="es-ES" b="1" i="1" dirty="0"/>
+          </a:p>
+          <a:p>
+            <a:pPr marL="1371600" lvl="2" indent="-514350">
+              <a:buFont typeface="+mj-lt"/>
+              <a:buAutoNum type="arabicPeriod"/>
+            </a:pPr>
+            <a:r>
+              <a:rPr lang="es-ES" i="1" dirty="0" smtClean="0"/>
+              <a:t>Tuits de odio</a:t>
+            </a:r>
+            <a:r>
+              <a:rPr lang="es-ES" dirty="0" smtClean="0"/>
+              <a:t>: </a:t>
+            </a:r>
+          </a:p>
+          <a:p>
+            <a:pPr marL="1314450" lvl="3" indent="0">
+              <a:buNone/>
+            </a:pPr>
+            <a:r>
+              <a:rPr lang="es-ES" dirty="0" smtClean="0"/>
+              <a:t>Resulta preferible tener falsos positivos (tuits neutros clasificados de odio) que perder tuits de odio (falsos negativos).</a:t>
+            </a:r>
+          </a:p>
+          <a:p>
+            <a:pPr marL="1314450" lvl="3" indent="0" algn="ctr">
+              <a:buNone/>
+            </a:pPr>
+            <a:r>
+              <a:rPr lang="es-ES" b="1" i="1" dirty="0" smtClean="0"/>
+              <a:t>C(fn)&gt;C(fp)</a:t>
+            </a:r>
           </a:p>
         </p:txBody>
       </p:sp>
@@ -10384,7 +10377,7 @@
               <a:pPr>
                 <a:defRPr/>
               </a:pPr>
-              <a:t>10/05/2017</a:t>
+              <a:t>12/05/2017</a:t>
             </a:fld>
             <a:endParaRPr lang="es-ES" dirty="0"/>
           </a:p>
@@ -10475,6 +10468,299 @@
           </a:p>
         </p:txBody>
       </p:sp>
+    </p:spTree>
+    <p:extLst>
+      <p:ext uri="{BB962C8B-B14F-4D97-AF65-F5344CB8AC3E}">
+        <p14:creationId xmlns:p14="http://schemas.microsoft.com/office/powerpoint/2010/main" xmlns="" val="14406087"/>
+      </p:ext>
+    </p:extLst>
+  </p:cSld>
+  <p:clrMapOvr>
+    <a:masterClrMapping/>
+  </p:clrMapOvr>
+  <p:timing>
+    <p:tnLst>
+      <p:par>
+        <p:cTn id="1" dur="indefinite" restart="never" nodeType="tmRoot"/>
+      </p:par>
+    </p:tnLst>
+  </p:timing>
+</p:sld>
+</file>
+
+<file path=ppt/slides/slide24.xml><?xml version="1.0" encoding="utf-8"?>
+<p:sld xmlns:a="http://schemas.openxmlformats.org/drawingml/2006/main" xmlns:r="http://schemas.openxmlformats.org/officeDocument/2006/relationships" xmlns:p="http://schemas.openxmlformats.org/presentationml/2006/main">
+  <p:cSld>
+    <p:spTree>
+      <p:nvGrpSpPr>
+        <p:cNvPr id="1" name=""/>
+        <p:cNvGrpSpPr/>
+        <p:nvPr/>
+      </p:nvGrpSpPr>
+      <p:grpSpPr>
+        <a:xfrm>
+          <a:off x="0" y="0"/>
+          <a:ext cx="0" cy="0"/>
+          <a:chOff x="0" y="0"/>
+          <a:chExt cx="0" cy="0"/>
+        </a:xfrm>
+      </p:grpSpPr>
+      <p:sp>
+        <p:nvSpPr>
+          <p:cNvPr id="2" name="Marcador de contenido 1"/>
+          <p:cNvSpPr>
+            <a:spLocks noGrp="1"/>
+          </p:cNvSpPr>
+          <p:nvPr>
+            <p:ph idx="1"/>
+          </p:nvPr>
+        </p:nvSpPr>
+        <p:spPr>
+          <a:xfrm>
+            <a:off x="457200" y="980728"/>
+            <a:ext cx="8229600" cy="4525963"/>
+          </a:xfrm>
+        </p:spPr>
+        <p:txBody>
+          <a:bodyPr/>
+          <a:lstStyle/>
+          <a:p>
+            <a:pPr marL="0" indent="0" algn="ctr">
+              <a:buNone/>
+            </a:pPr>
+            <a:r>
+              <a:rPr lang="es-ES" b="1" dirty="0" smtClean="0"/>
+              <a:t>Diferentes costes de Errores de Clasificación </a:t>
+            </a:r>
+            <a:r>
+              <a:rPr lang="es-ES" dirty="0" smtClean="0"/>
+              <a:t>(2)</a:t>
+            </a:r>
+          </a:p>
+          <a:p>
+            <a:r>
+              <a:rPr lang="es-ES" sz="2400" dirty="0" smtClean="0"/>
+              <a:t>Si clasificamos mediante puntuación con umbral </a:t>
+            </a:r>
+            <a:r>
+              <a:rPr lang="el-GR" sz="2400" dirty="0">
+                <a:latin typeface="Times New Roman" panose="02020603050405020304" pitchFamily="18" charset="0"/>
+                <a:cs typeface="Times New Roman" panose="02020603050405020304" pitchFamily="18" charset="0"/>
+              </a:rPr>
+              <a:t>θ </a:t>
+            </a:r>
+            <a:r>
+              <a:rPr lang="es-ES" sz="2400" i="1" dirty="0" smtClean="0">
+                <a:cs typeface="Times New Roman" panose="02020603050405020304" pitchFamily="18" charset="0"/>
+              </a:rPr>
+              <a:t>y </a:t>
+            </a:r>
+            <a:r>
+              <a:rPr lang="es-ES" sz="2400" i="1" dirty="0">
+                <a:cs typeface="Times New Roman" panose="02020603050405020304" pitchFamily="18" charset="0"/>
+              </a:rPr>
+              <a:t>una matriz de confusión.</a:t>
+            </a:r>
+            <a:r>
+              <a:rPr lang="es-ES" sz="2400" dirty="0" smtClean="0">
+                <a:latin typeface="Times New Roman" panose="02020603050405020304" pitchFamily="18" charset="0"/>
+                <a:cs typeface="Times New Roman" panose="02020603050405020304" pitchFamily="18" charset="0"/>
+              </a:rPr>
+              <a:t> </a:t>
+            </a:r>
+            <a:r>
+              <a:rPr lang="es-ES" sz="2400" dirty="0" smtClean="0">
+                <a:latin typeface="+mj-lt"/>
+                <a:cs typeface="Times New Roman" panose="02020603050405020304" pitchFamily="18" charset="0"/>
+              </a:rPr>
+              <a:t>de corte para cada valor  de </a:t>
+            </a:r>
+            <a:r>
+              <a:rPr lang="el-GR" sz="2400" dirty="0">
+                <a:latin typeface="Times New Roman" panose="02020603050405020304" pitchFamily="18" charset="0"/>
+                <a:cs typeface="Times New Roman" panose="02020603050405020304" pitchFamily="18" charset="0"/>
+              </a:rPr>
+              <a:t>θ </a:t>
+            </a:r>
+            <a:r>
+              <a:rPr lang="es-ES" sz="2400" dirty="0" smtClean="0">
+                <a:latin typeface="Times New Roman" panose="02020603050405020304" pitchFamily="18" charset="0"/>
+                <a:cs typeface="Times New Roman" panose="02020603050405020304" pitchFamily="18" charset="0"/>
+              </a:rPr>
+              <a:t> </a:t>
+            </a:r>
+            <a:r>
+              <a:rPr lang="es-ES" sz="2400" dirty="0" smtClean="0">
+                <a:latin typeface="+mj-lt"/>
+                <a:cs typeface="Times New Roman" panose="02020603050405020304" pitchFamily="18" charset="0"/>
+              </a:rPr>
+              <a:t>obtenemos un punto en el diagrama </a:t>
+            </a:r>
+            <a:r>
+              <a:rPr lang="es-ES" sz="2400" i="1" dirty="0" smtClean="0">
+                <a:latin typeface="+mj-lt"/>
+                <a:cs typeface="Times New Roman" panose="02020603050405020304" pitchFamily="18" charset="0"/>
+              </a:rPr>
+              <a:t>tp-fp </a:t>
+            </a:r>
+            <a:r>
+              <a:rPr lang="es-ES" sz="2400" i="1" dirty="0">
+                <a:cs typeface="Times New Roman" panose="02020603050405020304" pitchFamily="18" charset="0"/>
+              </a:rPr>
+              <a:t>y una matriz de </a:t>
+            </a:r>
+            <a:r>
+              <a:rPr lang="es-ES" sz="2400" i="1" dirty="0" smtClean="0">
+                <a:cs typeface="Times New Roman" panose="02020603050405020304" pitchFamily="18" charset="0"/>
+              </a:rPr>
+              <a:t>confusión. </a:t>
+            </a:r>
+            <a:r>
+              <a:rPr lang="es-ES" sz="2400" dirty="0" smtClean="0">
+                <a:cs typeface="Times New Roman" panose="02020603050405020304" pitchFamily="18" charset="0"/>
+              </a:rPr>
+              <a:t>Variando </a:t>
+            </a:r>
+            <a:r>
+              <a:rPr lang="el-GR" sz="2400" dirty="0">
+                <a:latin typeface="Times New Roman" panose="02020603050405020304" pitchFamily="18" charset="0"/>
+                <a:cs typeface="Times New Roman" panose="02020603050405020304" pitchFamily="18" charset="0"/>
+              </a:rPr>
+              <a:t>θ</a:t>
+            </a:r>
+            <a:r>
+              <a:rPr lang="es-ES" sz="2400" dirty="0" smtClean="0">
+                <a:cs typeface="Times New Roman" panose="02020603050405020304" pitchFamily="18" charset="0"/>
+              </a:rPr>
+              <a:t> </a:t>
+            </a:r>
+            <a:r>
+              <a:rPr lang="es-ES" sz="2400" dirty="0" smtClean="0">
+                <a:latin typeface="+mj-lt"/>
+                <a:cs typeface="Times New Roman" panose="02020603050405020304" pitchFamily="18" charset="0"/>
+              </a:rPr>
+              <a:t>obtenemos la curva ROC.</a:t>
+            </a:r>
+            <a:endParaRPr lang="es-ES" sz="2400" dirty="0" smtClean="0">
+              <a:latin typeface="+mj-lt"/>
+            </a:endParaRPr>
+          </a:p>
+        </p:txBody>
+      </p:sp>
+      <p:sp>
+        <p:nvSpPr>
+          <p:cNvPr id="3" name="Marcador de fecha 2"/>
+          <p:cNvSpPr>
+            <a:spLocks noGrp="1"/>
+          </p:cNvSpPr>
+          <p:nvPr>
+            <p:ph type="dt" sz="half" idx="10"/>
+          </p:nvPr>
+        </p:nvSpPr>
+        <p:spPr/>
+        <p:txBody>
+          <a:bodyPr/>
+          <a:lstStyle/>
+          <a:p>
+            <a:pPr>
+              <a:defRPr/>
+            </a:pPr>
+            <a:fld id="{882F50FD-F3D2-4536-8E00-A7860B730F6A}" type="datetime1">
+              <a:rPr lang="es-ES" smtClean="0"/>
+              <a:pPr>
+                <a:defRPr/>
+              </a:pPr>
+              <a:t>12/05/2017</a:t>
+            </a:fld>
+            <a:endParaRPr lang="es-ES" dirty="0"/>
+          </a:p>
+        </p:txBody>
+      </p:sp>
+      <p:sp>
+        <p:nvSpPr>
+          <p:cNvPr id="4" name="Marcador de pie de página 3"/>
+          <p:cNvSpPr>
+            <a:spLocks noGrp="1"/>
+          </p:cNvSpPr>
+          <p:nvPr>
+            <p:ph type="ftr" sz="quarter" idx="11"/>
+          </p:nvPr>
+        </p:nvSpPr>
+        <p:spPr/>
+        <p:txBody>
+          <a:bodyPr/>
+          <a:lstStyle/>
+          <a:p>
+            <a:pPr>
+              <a:defRPr/>
+            </a:pPr>
+            <a:r>
+              <a:rPr lang="es-ES" dirty="0" smtClean="0"/>
+              <a:t>Clasificación de Tuits y PNL</a:t>
+            </a:r>
+            <a:endParaRPr lang="es-ES" dirty="0"/>
+          </a:p>
+        </p:txBody>
+      </p:sp>
+      <p:sp>
+        <p:nvSpPr>
+          <p:cNvPr id="5" name="Marcador de número de diapositiva 4"/>
+          <p:cNvSpPr>
+            <a:spLocks noGrp="1"/>
+          </p:cNvSpPr>
+          <p:nvPr>
+            <p:ph type="sldNum" sz="quarter" idx="12"/>
+          </p:nvPr>
+        </p:nvSpPr>
+        <p:spPr/>
+        <p:txBody>
+          <a:bodyPr/>
+          <a:lstStyle/>
+          <a:p>
+            <a:pPr>
+              <a:defRPr/>
+            </a:pPr>
+            <a:fld id="{07ABBCD0-34FF-4EE4-BE2E-55B98D8D62A6}" type="slidenum">
+              <a:rPr lang="es-ES" smtClean="0"/>
+              <a:pPr>
+                <a:defRPr/>
+              </a:pPr>
+              <a:t>24</a:t>
+            </a:fld>
+            <a:endParaRPr lang="es-ES" dirty="0"/>
+          </a:p>
+        </p:txBody>
+      </p:sp>
+      <p:sp>
+        <p:nvSpPr>
+          <p:cNvPr id="7" name="CuadroTexto 6"/>
+          <p:cNvSpPr txBox="1"/>
+          <p:nvPr/>
+        </p:nvSpPr>
+        <p:spPr>
+          <a:xfrm>
+            <a:off x="373150" y="4591136"/>
+            <a:ext cx="248786" cy="369332"/>
+          </a:xfrm>
+          <a:prstGeom prst="rect">
+            <a:avLst/>
+          </a:prstGeom>
+          <a:noFill/>
+        </p:spPr>
+        <p:txBody>
+          <a:bodyPr wrap="none" rtlCol="0">
+            <a:spAutoFit/>
+          </a:bodyPr>
+          <a:lstStyle/>
+          <a:p>
+            <a:r>
+              <a:rPr lang="es-ES" b="1" i="1" dirty="0" smtClean="0"/>
+              <a:t>.</a:t>
+            </a:r>
+            <a:endParaRPr lang="es-ES" b="1" i="1" dirty="0"/>
+          </a:p>
+        </p:txBody>
+      </p:sp>
       <p:pic>
         <p:nvPicPr>
           <p:cNvPr id="8" name="Imagen 7"/>
@@ -10485,7 +10771,7 @@
           <a:blip r:embed="rId2">
             <a:extLst>
               <a:ext uri="{28A0092B-C50C-407E-A947-70E740481C1C}">
-                <a14:useLocalDpi xmlns:a14="http://schemas.microsoft.com/office/drawing/2010/main" val="0"/>
+                <a14:useLocalDpi xmlns:a14="http://schemas.microsoft.com/office/drawing/2010/main" xmlns="" val="0"/>
               </a:ext>
             </a:extLst>
           </a:blip>
@@ -10535,364 +10821,7 @@
     </p:spTree>
     <p:extLst>
       <p:ext uri="{BB962C8B-B14F-4D97-AF65-F5344CB8AC3E}">
-        <p14:creationId xmlns:p14="http://schemas.microsoft.com/office/powerpoint/2010/main" val="3235650038"/>
-      </p:ext>
-    </p:extLst>
-  </p:cSld>
-  <p:clrMapOvr>
-    <a:masterClrMapping/>
-  </p:clrMapOvr>
-  <p:timing>
-    <p:tnLst>
-      <p:par>
-        <p:cTn id="1" dur="indefinite" restart="never" nodeType="tmRoot"/>
-      </p:par>
-    </p:tnLst>
-  </p:timing>
-</p:sld>
-</file>
-
-<file path=ppt/slides/slide24.xml><?xml version="1.0" encoding="utf-8"?>
-<p:sld xmlns:a="http://schemas.openxmlformats.org/drawingml/2006/main" xmlns:r="http://schemas.openxmlformats.org/officeDocument/2006/relationships" xmlns:p="http://schemas.openxmlformats.org/presentationml/2006/main">
-  <p:cSld>
-    <p:spTree>
-      <p:nvGrpSpPr>
-        <p:cNvPr id="1" name=""/>
-        <p:cNvGrpSpPr/>
-        <p:nvPr/>
-      </p:nvGrpSpPr>
-      <p:grpSpPr>
-        <a:xfrm>
-          <a:off x="0" y="0"/>
-          <a:ext cx="0" cy="0"/>
-          <a:chOff x="0" y="0"/>
-          <a:chExt cx="0" cy="0"/>
-        </a:xfrm>
-      </p:grpSpPr>
-      <p:sp>
-        <p:nvSpPr>
-          <p:cNvPr id="2" name="Marcador de contenido 1"/>
-          <p:cNvSpPr>
-            <a:spLocks noGrp="1"/>
-          </p:cNvSpPr>
-          <p:nvPr>
-            <p:ph idx="1"/>
-          </p:nvPr>
-        </p:nvSpPr>
-        <p:spPr>
-          <a:xfrm>
-            <a:off x="457200" y="980728"/>
-            <a:ext cx="8229600" cy="4525963"/>
-          </a:xfrm>
-        </p:spPr>
-        <p:txBody>
-          <a:bodyPr/>
-          <a:lstStyle/>
-          <a:p>
-            <a:pPr marL="0" indent="0" algn="ctr">
-              <a:buNone/>
-            </a:pPr>
-            <a:r>
-              <a:rPr lang="es-ES" b="1" dirty="0" smtClean="0"/>
-              <a:t>Diferentes costes de Errores de Clasificación </a:t>
-            </a:r>
-            <a:r>
-              <a:rPr lang="es-ES" dirty="0" smtClean="0"/>
-              <a:t>(3)</a:t>
-            </a:r>
-          </a:p>
-          <a:p>
-            <a:r>
-              <a:rPr lang="es-ES" sz="2400" dirty="0" smtClean="0"/>
-              <a:t>Para cada umbral </a:t>
-            </a:r>
-            <a:r>
-              <a:rPr lang="el-GR" sz="2400" dirty="0">
-                <a:latin typeface="Times New Roman" panose="02020603050405020304" pitchFamily="18" charset="0"/>
-                <a:cs typeface="Times New Roman" panose="02020603050405020304" pitchFamily="18" charset="0"/>
-              </a:rPr>
-              <a:t>θ </a:t>
-            </a:r>
-            <a:r>
-              <a:rPr lang="es-ES" sz="2400" dirty="0" smtClean="0">
-                <a:cs typeface="Times New Roman" panose="02020603050405020304" pitchFamily="18" charset="0"/>
-              </a:rPr>
-              <a:t>calculamos su </a:t>
-            </a:r>
-            <a:r>
-              <a:rPr lang="es-ES" sz="2400" i="1" dirty="0" smtClean="0">
-                <a:cs typeface="Times New Roman" panose="02020603050405020304" pitchFamily="18" charset="0"/>
-              </a:rPr>
-              <a:t>matriz </a:t>
-            </a:r>
-            <a:r>
-              <a:rPr lang="es-ES" sz="2400" i="1" dirty="0">
-                <a:cs typeface="Times New Roman" panose="02020603050405020304" pitchFamily="18" charset="0"/>
-              </a:rPr>
-              <a:t>de </a:t>
-            </a:r>
-            <a:r>
-              <a:rPr lang="es-ES" sz="2400" i="1" dirty="0" smtClean="0">
-                <a:cs typeface="Times New Roman" panose="02020603050405020304" pitchFamily="18" charset="0"/>
-              </a:rPr>
-              <a:t>confusión </a:t>
-            </a:r>
-            <a:r>
-              <a:rPr lang="es-ES" sz="2400" dirty="0" smtClean="0">
-                <a:cs typeface="Times New Roman" panose="02020603050405020304" pitchFamily="18" charset="0"/>
-              </a:rPr>
-              <a:t>y comparando entre los</a:t>
-            </a:r>
-            <a:r>
-              <a:rPr lang="es-ES" sz="2400" i="1" dirty="0" smtClean="0">
-                <a:cs typeface="Times New Roman" panose="02020603050405020304" pitchFamily="18" charset="0"/>
-              </a:rPr>
-              <a:t> valores de las métricas </a:t>
-            </a:r>
-            <a:r>
-              <a:rPr lang="es-ES" sz="2400" dirty="0" smtClean="0">
-                <a:cs typeface="Times New Roman" panose="02020603050405020304" pitchFamily="18" charset="0"/>
-              </a:rPr>
-              <a:t>obtenidas </a:t>
-            </a:r>
-            <a:r>
-              <a:rPr lang="es-ES" sz="2400" b="1" i="1" dirty="0" smtClean="0">
-                <a:cs typeface="Times New Roman" panose="02020603050405020304" pitchFamily="18" charset="0"/>
-              </a:rPr>
-              <a:t>seleccionamos el umbral </a:t>
-            </a:r>
-            <a:r>
-              <a:rPr lang="es-ES" sz="2400" dirty="0" smtClean="0">
-                <a:cs typeface="Times New Roman" panose="02020603050405020304" pitchFamily="18" charset="0"/>
-              </a:rPr>
-              <a:t>más adecuado</a:t>
-            </a:r>
-            <a:r>
-              <a:rPr lang="es-ES" sz="2400" i="1" dirty="0" smtClean="0">
-                <a:cs typeface="Times New Roman" panose="02020603050405020304" pitchFamily="18" charset="0"/>
-              </a:rPr>
-              <a:t> para clasificar.</a:t>
-            </a:r>
-            <a:endParaRPr lang="es-ES" sz="2400" dirty="0" smtClean="0">
-              <a:latin typeface="+mj-lt"/>
-            </a:endParaRPr>
-          </a:p>
-        </p:txBody>
-      </p:sp>
-      <p:sp>
-        <p:nvSpPr>
-          <p:cNvPr id="3" name="Marcador de fecha 2"/>
-          <p:cNvSpPr>
-            <a:spLocks noGrp="1"/>
-          </p:cNvSpPr>
-          <p:nvPr>
-            <p:ph type="dt" sz="half" idx="10"/>
-          </p:nvPr>
-        </p:nvSpPr>
-        <p:spPr/>
-        <p:txBody>
-          <a:bodyPr/>
-          <a:lstStyle/>
-          <a:p>
-            <a:pPr>
-              <a:defRPr/>
-            </a:pPr>
-            <a:fld id="{882F50FD-F3D2-4536-8E00-A7860B730F6A}" type="datetime1">
-              <a:rPr lang="es-ES" smtClean="0"/>
-              <a:pPr>
-                <a:defRPr/>
-              </a:pPr>
-              <a:t>10/05/2017</a:t>
-            </a:fld>
-            <a:endParaRPr lang="es-ES" dirty="0"/>
-          </a:p>
-        </p:txBody>
-      </p:sp>
-      <p:sp>
-        <p:nvSpPr>
-          <p:cNvPr id="4" name="Marcador de pie de página 3"/>
-          <p:cNvSpPr>
-            <a:spLocks noGrp="1"/>
-          </p:cNvSpPr>
-          <p:nvPr>
-            <p:ph type="ftr" sz="quarter" idx="11"/>
-          </p:nvPr>
-        </p:nvSpPr>
-        <p:spPr/>
-        <p:txBody>
-          <a:bodyPr/>
-          <a:lstStyle/>
-          <a:p>
-            <a:pPr>
-              <a:defRPr/>
-            </a:pPr>
-            <a:r>
-              <a:rPr lang="es-ES" dirty="0" smtClean="0"/>
-              <a:t>Clasificación de Tuits y PNL</a:t>
-            </a:r>
-            <a:endParaRPr lang="es-ES" dirty="0"/>
-          </a:p>
-        </p:txBody>
-      </p:sp>
-      <p:sp>
-        <p:nvSpPr>
-          <p:cNvPr id="5" name="Marcador de número de diapositiva 4"/>
-          <p:cNvSpPr>
-            <a:spLocks noGrp="1"/>
-          </p:cNvSpPr>
-          <p:nvPr>
-            <p:ph type="sldNum" sz="quarter" idx="12"/>
-          </p:nvPr>
-        </p:nvSpPr>
-        <p:spPr/>
-        <p:txBody>
-          <a:bodyPr/>
-          <a:lstStyle/>
-          <a:p>
-            <a:pPr>
-              <a:defRPr/>
-            </a:pPr>
-            <a:fld id="{07ABBCD0-34FF-4EE4-BE2E-55B98D8D62A6}" type="slidenum">
-              <a:rPr lang="es-ES" smtClean="0"/>
-              <a:pPr>
-                <a:defRPr/>
-              </a:pPr>
-              <a:t>24</a:t>
-            </a:fld>
-            <a:endParaRPr lang="es-ES" dirty="0"/>
-          </a:p>
-        </p:txBody>
-      </p:sp>
-      <p:pic>
-        <p:nvPicPr>
-          <p:cNvPr id="6" name="Imagen 5"/>
-          <p:cNvPicPr>
-            <a:picLocks noChangeAspect="1"/>
-          </p:cNvPicPr>
-          <p:nvPr/>
-        </p:nvPicPr>
-        <p:blipFill>
-          <a:blip r:embed="rId2"/>
-          <a:stretch>
-            <a:fillRect/>
-          </a:stretch>
-        </p:blipFill>
-        <p:spPr>
-          <a:xfrm>
-            <a:off x="827584" y="2708920"/>
-            <a:ext cx="7119842" cy="2078224"/>
-          </a:xfrm>
-          <a:prstGeom prst="rect">
-            <a:avLst/>
-          </a:prstGeom>
-        </p:spPr>
-      </p:pic>
-      <p:sp>
-        <p:nvSpPr>
-          <p:cNvPr id="10" name="CuadroTexto 9"/>
-          <p:cNvSpPr txBox="1"/>
-          <p:nvPr/>
-        </p:nvSpPr>
-        <p:spPr>
-          <a:xfrm>
-            <a:off x="395536" y="4787144"/>
-            <a:ext cx="8186857" cy="1200329"/>
-          </a:xfrm>
-          <a:prstGeom prst="rect">
-            <a:avLst/>
-          </a:prstGeom>
-          <a:noFill/>
-        </p:spPr>
-        <p:txBody>
-          <a:bodyPr wrap="none" rtlCol="0">
-            <a:spAutoFit/>
-          </a:bodyPr>
-          <a:lstStyle/>
-          <a:p>
-            <a:pPr marL="342900" indent="-342900">
-              <a:buFont typeface="Arial" panose="020B0604020202020204" pitchFamily="34" charset="0"/>
-              <a:buChar char="•"/>
-            </a:pPr>
-            <a:r>
-              <a:rPr lang="es-ES" sz="2400" dirty="0" smtClean="0"/>
-              <a:t>Si el </a:t>
-            </a:r>
-            <a:r>
-              <a:rPr lang="es-ES" sz="2400" dirty="0"/>
-              <a:t>usuario da más importancia a la exhaustividad </a:t>
-            </a:r>
-            <a:endParaRPr lang="es-ES" sz="2400" dirty="0" smtClean="0"/>
-          </a:p>
-          <a:p>
-            <a:pPr lvl="1"/>
-            <a:r>
-              <a:rPr lang="es-ES" sz="2400" dirty="0" smtClean="0"/>
-              <a:t>(</a:t>
-            </a:r>
-            <a:r>
-              <a:rPr lang="es-ES" sz="2400" dirty="0"/>
-              <a:t>recuperar </a:t>
-            </a:r>
-            <a:r>
-              <a:rPr lang="es-ES" sz="2400" dirty="0" smtClean="0"/>
-              <a:t>el </a:t>
-            </a:r>
-            <a:r>
-              <a:rPr lang="es-ES" sz="2400" dirty="0"/>
-              <a:t>máximo </a:t>
-            </a:r>
-            <a:r>
-              <a:rPr lang="es-ES" sz="2400" dirty="0" smtClean="0"/>
-              <a:t>de </a:t>
-            </a:r>
-            <a:r>
-              <a:rPr lang="es-ES" sz="2400" dirty="0"/>
-              <a:t>elementos de la clase +)  que </a:t>
-            </a:r>
-            <a:endParaRPr lang="es-ES" sz="2400" dirty="0" smtClean="0"/>
-          </a:p>
-          <a:p>
-            <a:pPr lvl="1"/>
-            <a:r>
-              <a:rPr lang="es-ES" sz="2400" dirty="0" smtClean="0"/>
-              <a:t>a </a:t>
-            </a:r>
-            <a:r>
-              <a:rPr lang="es-ES" sz="2400" dirty="0"/>
-              <a:t>la precisión elegirá </a:t>
-            </a:r>
-            <a:r>
-              <a:rPr lang="es-ES" sz="2400" dirty="0" smtClean="0"/>
-              <a:t>el </a:t>
-            </a:r>
-            <a:r>
-              <a:rPr lang="es-ES" sz="2400" dirty="0"/>
-              <a:t>umbral </a:t>
-            </a:r>
-            <a:r>
-              <a:rPr lang="es-ES" sz="2400" i="1" dirty="0"/>
-              <a:t>b</a:t>
-            </a:r>
-            <a:r>
-              <a:rPr lang="es-ES" sz="2400" dirty="0"/>
-              <a:t> con mayor </a:t>
-            </a:r>
-            <a:r>
-              <a:rPr lang="es-ES" sz="2400" i="1" dirty="0"/>
-              <a:t>r</a:t>
-            </a:r>
-            <a:r>
-              <a:rPr lang="es-ES" sz="2400" dirty="0"/>
-              <a:t>.</a:t>
-            </a:r>
-            <a:endParaRPr lang="es-ES" sz="2400" dirty="0"/>
-          </a:p>
-        </p:txBody>
-      </p:sp>
-    </p:spTree>
-    <p:extLst>
-      <p:ext uri="{BB962C8B-B14F-4D97-AF65-F5344CB8AC3E}">
-        <p14:creationId xmlns:p14="http://schemas.microsoft.com/office/powerpoint/2010/main" val="2130452872"/>
+        <p14:creationId xmlns:p14="http://schemas.microsoft.com/office/powerpoint/2010/main" xmlns="" val="3235650038"/>
       </p:ext>
     </p:extLst>
   </p:cSld>
@@ -10938,8 +10867,8 @@
         </p:nvSpPr>
         <p:spPr>
           <a:xfrm>
-            <a:off x="457200" y="1052736"/>
-            <a:ext cx="8229600" cy="4929411"/>
+            <a:off x="457200" y="980728"/>
+            <a:ext cx="8229600" cy="4525963"/>
           </a:xfrm>
         </p:spPr>
         <p:txBody>
@@ -10950,27 +10879,89 @@
               <a:buNone/>
             </a:pPr>
             <a:r>
-              <a:rPr lang="es-ES" sz="2400" b="1" dirty="0" smtClean="0"/>
-              <a:t>Método para etiquetado del conjunto de entrenamiento</a:t>
-            </a:r>
-          </a:p>
-          <a:p>
-            <a:pPr marL="0" indent="0" algn="ctr">
-              <a:buNone/>
-            </a:pPr>
-            <a:r>
-              <a:rPr lang="es-ES" sz="1200" dirty="0" smtClean="0"/>
-              <a:t>(basado en Youngjoong Ko y Jungyun Seo: ‘</a:t>
-            </a:r>
-            <a:r>
-              <a:rPr lang="es-ES" sz="1200" i="1" dirty="0" smtClean="0"/>
-              <a:t>Automatic Text categorization by Unsupervised Learning’</a:t>
-            </a:r>
-            <a:r>
-              <a:rPr lang="es-ES" sz="1200" dirty="0" smtClean="0"/>
-              <a:t>)</a:t>
-            </a:r>
-            <a:endParaRPr lang="es-ES" sz="1200" dirty="0"/>
+              <a:rPr lang="es-ES" b="1" dirty="0" smtClean="0"/>
+              <a:t>Diferentes costes de Errores de Clasificación </a:t>
+            </a:r>
+            <a:r>
+              <a:rPr lang="es-ES" dirty="0" smtClean="0"/>
+              <a:t>(3)</a:t>
+            </a:r>
+          </a:p>
+          <a:p>
+            <a:r>
+              <a:rPr lang="es-ES" sz="2400" dirty="0" smtClean="0"/>
+              <a:t>Para cada umbral </a:t>
+            </a:r>
+            <a:r>
+              <a:rPr lang="el-GR" sz="2400" dirty="0">
+                <a:latin typeface="Times New Roman" panose="02020603050405020304" pitchFamily="18" charset="0"/>
+                <a:cs typeface="Times New Roman" panose="02020603050405020304" pitchFamily="18" charset="0"/>
+              </a:rPr>
+              <a:t>θ </a:t>
+            </a:r>
+            <a:r>
+              <a:rPr lang="es-ES" sz="2400" dirty="0" smtClean="0">
+                <a:cs typeface="Times New Roman" panose="02020603050405020304" pitchFamily="18" charset="0"/>
+              </a:rPr>
+              <a:t>calculamos su </a:t>
+            </a:r>
+            <a:r>
+              <a:rPr lang="es-ES" sz="2400" i="1" dirty="0" smtClean="0">
+                <a:cs typeface="Times New Roman" panose="02020603050405020304" pitchFamily="18" charset="0"/>
+              </a:rPr>
+              <a:t>matriz </a:t>
+            </a:r>
+            <a:r>
+              <a:rPr lang="es-ES" sz="2400" i="1" dirty="0">
+                <a:cs typeface="Times New Roman" panose="02020603050405020304" pitchFamily="18" charset="0"/>
+              </a:rPr>
+              <a:t>de </a:t>
+            </a:r>
+            <a:r>
+              <a:rPr lang="es-ES" sz="2400" i="1" dirty="0" smtClean="0">
+                <a:cs typeface="Times New Roman" panose="02020603050405020304" pitchFamily="18" charset="0"/>
+              </a:rPr>
+              <a:t>confusión </a:t>
+            </a:r>
+            <a:r>
+              <a:rPr lang="es-ES" sz="2400" dirty="0" smtClean="0">
+                <a:cs typeface="Times New Roman" panose="02020603050405020304" pitchFamily="18" charset="0"/>
+              </a:rPr>
+              <a:t>y comparando entre los</a:t>
+            </a:r>
+            <a:r>
+              <a:rPr lang="es-ES" sz="2400" i="1" dirty="0" smtClean="0">
+                <a:cs typeface="Times New Roman" panose="02020603050405020304" pitchFamily="18" charset="0"/>
+              </a:rPr>
+              <a:t> valores de las métricas </a:t>
+            </a:r>
+            <a:r>
+              <a:rPr lang="es-ES" sz="2400" dirty="0" smtClean="0">
+                <a:cs typeface="Times New Roman" panose="02020603050405020304" pitchFamily="18" charset="0"/>
+              </a:rPr>
+              <a:t>obtenidas </a:t>
+            </a:r>
+            <a:r>
+              <a:rPr lang="es-ES" sz="2400" b="1" i="1" dirty="0" smtClean="0">
+                <a:cs typeface="Times New Roman" panose="02020603050405020304" pitchFamily="18" charset="0"/>
+              </a:rPr>
+              <a:t>seleccionamos el umbral </a:t>
+            </a:r>
+            <a:r>
+              <a:rPr lang="es-ES" sz="2400" dirty="0" smtClean="0">
+                <a:cs typeface="Times New Roman" panose="02020603050405020304" pitchFamily="18" charset="0"/>
+              </a:rPr>
+              <a:t>más adecuado</a:t>
+            </a:r>
+            <a:r>
+              <a:rPr lang="es-ES" sz="2400" i="1" dirty="0" smtClean="0">
+                <a:cs typeface="Times New Roman" panose="02020603050405020304" pitchFamily="18" charset="0"/>
+              </a:rPr>
+              <a:t> para clasificar.</a:t>
+            </a:r>
+            <a:endParaRPr lang="es-ES" sz="2400" dirty="0" smtClean="0">
+              <a:latin typeface="+mj-lt"/>
+            </a:endParaRPr>
           </a:p>
         </p:txBody>
       </p:sp>
@@ -10997,7 +10988,7 @@
               <a:pPr>
                 <a:defRPr/>
               </a:pPr>
-              <a:t>10/05/2017</a:t>
+              <a:t>12/05/2017</a:t>
             </a:fld>
             <a:endParaRPr lang="es-ES" dirty="0"/>
           </a:p>
@@ -11060,56 +11051,26 @@
       </p:sp>
       <p:pic>
         <p:nvPicPr>
-          <p:cNvPr id="1026" name="Picture 2"/>
+          <p:cNvPr id="6" name="Imagen 5"/>
           <p:cNvPicPr>
-            <a:picLocks noChangeAspect="1" noChangeArrowheads="1"/>
+            <a:picLocks noChangeAspect="1"/>
           </p:cNvPicPr>
           <p:nvPr/>
         </p:nvPicPr>
         <p:blipFill>
-          <a:blip r:embed="rId2">
-            <a:extLst>
-              <a:ext uri="{28A0092B-C50C-407E-A947-70E740481C1C}">
-                <a14:useLocalDpi xmlns:a14="http://schemas.microsoft.com/office/drawing/2010/main" val="0"/>
-              </a:ext>
-            </a:extLst>
-          </a:blip>
-          <a:srcRect/>
+          <a:blip r:embed="rId2"/>
           <a:stretch>
             <a:fillRect/>
           </a:stretch>
         </p:blipFill>
-        <p:spPr bwMode="auto">
+        <p:spPr>
           <a:xfrm>
-            <a:off x="7304412" y="1864851"/>
-            <a:ext cx="1353457" cy="1163205"/>
+            <a:off x="827584" y="2708920"/>
+            <a:ext cx="7119842" cy="2078224"/>
           </a:xfrm>
           <a:prstGeom prst="rect">
             <a:avLst/>
           </a:prstGeom>
-          <a:noFill/>
-          <a:ln>
-            <a:noFill/>
-          </a:ln>
-          <a:extLst>
-            <a:ext uri="{909E8E84-426E-40DD-AFC4-6F175D3DCCD1}">
-              <a14:hiddenFill xmlns:a14="http://schemas.microsoft.com/office/drawing/2010/main">
-                <a:solidFill>
-                  <a:srgbClr val="FFFFFF"/>
-                </a:solidFill>
-              </a14:hiddenFill>
-            </a:ext>
-            <a:ext uri="{91240B29-F687-4F45-9708-019B960494DF}">
-              <a14:hiddenLine xmlns:a14="http://schemas.microsoft.com/office/drawing/2010/main" w="9525">
-                <a:solidFill>
-                  <a:srgbClr val="000000"/>
-                </a:solidFill>
-                <a:miter lim="800000"/>
-                <a:headEnd/>
-                <a:tailEnd/>
-              </a14:hiddenLine>
-            </a:ext>
-          </a:extLst>
         </p:spPr>
       </p:pic>
       <p:sp>
@@ -11120,8 +11081,8 @@
         </p:nvSpPr>
         <p:spPr>
           <a:xfrm>
-            <a:off x="7134165" y="1677130"/>
-            <a:ext cx="1863011" cy="307777"/>
+            <a:off x="395536" y="4787144"/>
+            <a:ext cx="8186857" cy="1200329"/>
           </a:xfrm>
           <a:prstGeom prst="rect">
             <a:avLst/>
@@ -11134,42 +11095,89 @@
           </a:bodyPr>
           <a:lstStyle/>
           <a:p>
-            <a:r>
-              <a:rPr lang="es-ES" sz="1400" b="1" dirty="0" smtClean="0"/>
-              <a:t>Matriz de confusión</a:t>
-            </a:r>
-            <a:endParaRPr lang="es-ES" sz="1400" b="1" dirty="0"/>
-          </a:p>
-        </p:txBody>
-      </p:sp>
-      <p:pic>
-        <p:nvPicPr>
-          <p:cNvPr id="11" name="Imagen 10"/>
-          <p:cNvPicPr>
-            <a:picLocks noChangeAspect="1"/>
-          </p:cNvPicPr>
-          <p:nvPr/>
-        </p:nvPicPr>
-        <p:blipFill>
-          <a:blip r:embed="rId3"/>
-          <a:stretch>
-            <a:fillRect/>
-          </a:stretch>
-        </p:blipFill>
-        <p:spPr>
-          <a:xfrm>
-            <a:off x="890314" y="1831019"/>
-            <a:ext cx="6231603" cy="4525331"/>
-          </a:xfrm>
-          <a:prstGeom prst="rect">
-            <a:avLst/>
-          </a:prstGeom>
-        </p:spPr>
-      </p:pic>
+            <a:pPr marL="342900" indent="-342900">
+              <a:buFont typeface="Arial" panose="020B0604020202020204" pitchFamily="34" charset="0"/>
+              <a:buChar char="•"/>
+            </a:pPr>
+            <a:r>
+              <a:rPr lang="es-ES" sz="2400" dirty="0" smtClean="0"/>
+              <a:t>Si el </a:t>
+            </a:r>
+            <a:r>
+              <a:rPr lang="es-ES" sz="2400" dirty="0"/>
+              <a:t>usuario da más importancia a la exhaustividad </a:t>
+            </a:r>
+            <a:endParaRPr lang="es-ES" sz="2400" dirty="0" smtClean="0"/>
+          </a:p>
+          <a:p>
+            <a:pPr lvl="1"/>
+            <a:r>
+              <a:rPr lang="es-ES" sz="2400" dirty="0" smtClean="0"/>
+              <a:t>(</a:t>
+            </a:r>
+            <a:r>
+              <a:rPr lang="es-ES" sz="2400" dirty="0"/>
+              <a:t>recuperar </a:t>
+            </a:r>
+            <a:r>
+              <a:rPr lang="es-ES" sz="2400" dirty="0" smtClean="0"/>
+              <a:t>el </a:t>
+            </a:r>
+            <a:r>
+              <a:rPr lang="es-ES" sz="2400" dirty="0"/>
+              <a:t>máximo </a:t>
+            </a:r>
+            <a:r>
+              <a:rPr lang="es-ES" sz="2400" dirty="0" smtClean="0"/>
+              <a:t>de </a:t>
+            </a:r>
+            <a:r>
+              <a:rPr lang="es-ES" sz="2400" dirty="0"/>
+              <a:t>elementos de la clase +)  que </a:t>
+            </a:r>
+            <a:endParaRPr lang="es-ES" sz="2400" dirty="0" smtClean="0"/>
+          </a:p>
+          <a:p>
+            <a:pPr lvl="1"/>
+            <a:r>
+              <a:rPr lang="es-ES" sz="2400" dirty="0" smtClean="0"/>
+              <a:t>a </a:t>
+            </a:r>
+            <a:r>
+              <a:rPr lang="es-ES" sz="2400" dirty="0"/>
+              <a:t>la precisión elegirá </a:t>
+            </a:r>
+            <a:r>
+              <a:rPr lang="es-ES" sz="2400" dirty="0" smtClean="0"/>
+              <a:t>el </a:t>
+            </a:r>
+            <a:r>
+              <a:rPr lang="es-ES" sz="2400" dirty="0"/>
+              <a:t>umbral </a:t>
+            </a:r>
+            <a:r>
+              <a:rPr lang="es-ES" sz="2400" i="1" dirty="0"/>
+              <a:t>b</a:t>
+            </a:r>
+            <a:r>
+              <a:rPr lang="es-ES" sz="2400" dirty="0"/>
+              <a:t> con mayor </a:t>
+            </a:r>
+            <a:r>
+              <a:rPr lang="es-ES" sz="2400" i="1" dirty="0"/>
+              <a:t>r</a:t>
+            </a:r>
+            <a:r>
+              <a:rPr lang="es-ES" sz="2400" dirty="0"/>
+              <a:t>.</a:t>
+            </a:r>
+          </a:p>
+        </p:txBody>
+      </p:sp>
     </p:spTree>
     <p:extLst>
       <p:ext uri="{BB962C8B-B14F-4D97-AF65-F5344CB8AC3E}">
-        <p14:creationId xmlns:p14="http://schemas.microsoft.com/office/powerpoint/2010/main" val="2675942316"/>
+        <p14:creationId xmlns:p14="http://schemas.microsoft.com/office/powerpoint/2010/main" xmlns="" val="2130452872"/>
       </p:ext>
     </p:extLst>
   </p:cSld>
@@ -11205,6 +11213,54 @@
       </p:grpSpPr>
       <p:sp>
         <p:nvSpPr>
+          <p:cNvPr id="2" name="Marcador de contenido 1"/>
+          <p:cNvSpPr>
+            <a:spLocks noGrp="1"/>
+          </p:cNvSpPr>
+          <p:nvPr>
+            <p:ph idx="1"/>
+          </p:nvPr>
+        </p:nvSpPr>
+        <p:spPr>
+          <a:xfrm>
+            <a:off x="457200" y="1052736"/>
+            <a:ext cx="8229600" cy="4929411"/>
+          </a:xfrm>
+        </p:spPr>
+        <p:txBody>
+          <a:bodyPr/>
+          <a:lstStyle/>
+          <a:p>
+            <a:pPr marL="0" indent="0" algn="ctr">
+              <a:buNone/>
+            </a:pPr>
+            <a:r>
+              <a:rPr lang="es-ES" sz="2400" b="1" dirty="0" smtClean="0"/>
+              <a:t>Método para etiquetado del conjunto de entrenamiento</a:t>
+            </a:r>
+          </a:p>
+          <a:p>
+            <a:pPr marL="0" indent="0" algn="ctr">
+              <a:buNone/>
+            </a:pPr>
+            <a:r>
+              <a:rPr lang="es-ES" sz="1200" dirty="0" smtClean="0"/>
+              <a:t>(basado en Youngjoong Ko y Jungyun Seo: ‘</a:t>
+            </a:r>
+            <a:r>
+              <a:rPr lang="es-ES" sz="1200" i="1" dirty="0" smtClean="0"/>
+              <a:t>Automatic Text categorization by Unsupervised Learning’</a:t>
+            </a:r>
+            <a:r>
+              <a:rPr lang="es-ES" sz="1200" dirty="0" smtClean="0"/>
+              <a:t>)</a:t>
+            </a:r>
+            <a:endParaRPr lang="es-ES" sz="1200" dirty="0"/>
+          </a:p>
+        </p:txBody>
+      </p:sp>
+      <p:sp>
+        <p:nvSpPr>
           <p:cNvPr id="3" name="Marcador de fecha 2"/>
           <p:cNvSpPr>
             <a:spLocks noGrp="1"/>
@@ -11226,7 +11282,7 @@
               <a:pPr>
                 <a:defRPr/>
               </a:pPr>
-              <a:t>10/05/2017</a:t>
+              <a:t>12/05/2017</a:t>
             </a:fld>
             <a:endParaRPr lang="es-ES" dirty="0"/>
           </a:p>
@@ -11287,16 +11343,70 @@
           </a:p>
         </p:txBody>
       </p:sp>
-      <p:sp>
-        <p:nvSpPr>
-          <p:cNvPr id="7" name="CuadroTexto 6"/>
+      <p:pic>
+        <p:nvPicPr>
+          <p:cNvPr id="1026" name="Picture 2"/>
+          <p:cNvPicPr>
+            <a:picLocks noChangeAspect="1" noChangeArrowheads="1"/>
+          </p:cNvPicPr>
+          <p:nvPr/>
+        </p:nvPicPr>
+        <p:blipFill>
+          <a:blip r:embed="rId2">
+            <a:extLst>
+              <a:ext uri="{28A0092B-C50C-407E-A947-70E740481C1C}">
+                <a14:useLocalDpi xmlns:a14="http://schemas.microsoft.com/office/drawing/2010/main" xmlns="" val="0"/>
+              </a:ext>
+            </a:extLst>
+          </a:blip>
+          <a:srcRect/>
+          <a:stretch>
+            <a:fillRect/>
+          </a:stretch>
+        </p:blipFill>
+        <p:spPr bwMode="auto">
+          <a:xfrm>
+            <a:off x="7304412" y="1864851"/>
+            <a:ext cx="1353457" cy="1163205"/>
+          </a:xfrm>
+          <a:prstGeom prst="rect">
+            <a:avLst/>
+          </a:prstGeom>
+          <a:noFill/>
+          <a:ln>
+            <a:noFill/>
+          </a:ln>
+          <a:extLst>
+            <a:ext uri="{909E8E84-426E-40DD-AFC4-6F175D3DCCD1}">
+              <a14:hiddenFill xmlns:a14="http://schemas.microsoft.com/office/drawing/2010/main" xmlns="">
+                <a:solidFill>
+                  <a:srgbClr val="FFFFFF"/>
+                </a:solidFill>
+              </a14:hiddenFill>
+            </a:ext>
+            <a:ext uri="{91240B29-F687-4F45-9708-019B960494DF}">
+              <a14:hiddenLine xmlns:a14="http://schemas.microsoft.com/office/drawing/2010/main" xmlns="" w="9525">
+                <a:solidFill>
+                  <a:srgbClr val="000000"/>
+                </a:solidFill>
+                <a:miter lim="800000"/>
+                <a:headEnd/>
+                <a:tailEnd/>
+              </a14:hiddenLine>
+            </a:ext>
+          </a:extLst>
+        </p:spPr>
+      </p:pic>
+      <p:sp>
+        <p:nvSpPr>
+          <p:cNvPr id="10" name="CuadroTexto 9"/>
           <p:cNvSpPr txBox="1"/>
           <p:nvPr/>
         </p:nvSpPr>
         <p:spPr>
           <a:xfrm>
-            <a:off x="1839792" y="2214179"/>
-            <a:ext cx="6624736" cy="2554545"/>
+            <a:off x="7134165" y="1677130"/>
+            <a:ext cx="1863011" cy="307777"/>
           </a:xfrm>
           <a:prstGeom prst="rect">
             <a:avLst/>
@@ -11304,160 +11414,37 @@
           <a:noFill/>
         </p:spPr>
         <p:txBody>
-          <a:bodyPr wrap="square" rtlCol="0">
+          <a:bodyPr wrap="none" rtlCol="0">
             <a:spAutoFit/>
           </a:bodyPr>
           <a:lstStyle/>
           <a:p>
-            <a:pPr marL="285750" indent="-285750">
-              <a:buFont typeface="Arial" panose="020B0604020202020204" pitchFamily="34" charset="0"/>
-              <a:buChar char="•"/>
-            </a:pPr>
-            <a:r>
-              <a:rPr lang="es-ES" sz="2000" b="1" dirty="0" smtClean="0"/>
-              <a:t>Módulo 1</a:t>
-            </a:r>
-            <a:r>
-              <a:rPr lang="es-ES" sz="2000" dirty="0" smtClean="0"/>
-              <a:t>: </a:t>
-            </a:r>
-            <a:r>
-              <a:rPr lang="es-ES" sz="2000" b="1" i="1" dirty="0" smtClean="0"/>
-              <a:t>Preprocesado de tuits</a:t>
-            </a:r>
-          </a:p>
-          <a:p>
-            <a:pPr marL="285750" indent="-285750">
-              <a:buFont typeface="Arial" panose="020B0604020202020204" pitchFamily="34" charset="0"/>
-              <a:buChar char="•"/>
-            </a:pPr>
-            <a:endParaRPr lang="es-ES" sz="2000" b="1" i="1" dirty="0" smtClean="0"/>
-          </a:p>
-          <a:p>
-            <a:pPr marL="800100" lvl="1" indent="-342900">
-              <a:buFont typeface="+mj-lt"/>
-              <a:buAutoNum type="arabicPeriod"/>
-            </a:pPr>
-            <a:r>
-              <a:rPr lang="es-ES" sz="2000" dirty="0" smtClean="0"/>
-              <a:t>Los tuits depurados se </a:t>
-            </a:r>
-            <a:r>
-              <a:rPr lang="es-ES" sz="2000" b="1" i="1" dirty="0" smtClean="0"/>
-              <a:t>segmentan</a:t>
-            </a:r>
-            <a:r>
-              <a:rPr lang="es-ES" sz="2000" dirty="0" smtClean="0"/>
-              <a:t> en palabras.</a:t>
-            </a:r>
-          </a:p>
-          <a:p>
-            <a:pPr marL="800100" lvl="1" indent="-342900">
-              <a:buFont typeface="+mj-lt"/>
-              <a:buAutoNum type="arabicPeriod"/>
-            </a:pPr>
-            <a:endParaRPr lang="es-ES" sz="2000" dirty="0" smtClean="0"/>
-          </a:p>
-          <a:p>
-            <a:pPr marL="800100" lvl="1" indent="-342900">
-              <a:buFont typeface="+mj-lt"/>
-              <a:buAutoNum type="arabicPeriod"/>
-            </a:pPr>
-            <a:r>
-              <a:rPr lang="es-ES" sz="2000" dirty="0" smtClean="0"/>
-              <a:t>Se eliminan </a:t>
-            </a:r>
-            <a:r>
-              <a:rPr lang="es-ES" sz="2000" b="1" i="1" dirty="0" smtClean="0"/>
-              <a:t>palabras vacías</a:t>
-            </a:r>
-          </a:p>
-          <a:p>
-            <a:pPr marL="800100" lvl="1" indent="-342900">
-              <a:buFont typeface="+mj-lt"/>
-              <a:buAutoNum type="arabicPeriod"/>
-            </a:pPr>
-            <a:endParaRPr lang="es-ES" sz="2000" dirty="0"/>
-          </a:p>
-          <a:p>
-            <a:pPr marL="800100" lvl="1" indent="-342900">
-              <a:buFont typeface="+mj-lt"/>
-              <a:buAutoNum type="arabicPeriod"/>
-            </a:pPr>
-            <a:endParaRPr lang="es-ES" sz="2000" dirty="0" smtClean="0"/>
-          </a:p>
-          <a:p>
-            <a:pPr marL="800100" lvl="1" indent="-342900">
-              <a:buFont typeface="+mj-lt"/>
-              <a:buAutoNum type="arabicPeriod"/>
-            </a:pPr>
-            <a:r>
-              <a:rPr lang="es-ES" sz="2000" dirty="0" smtClean="0"/>
-              <a:t>Se </a:t>
-            </a:r>
-            <a:r>
-              <a:rPr lang="es-ES" sz="2000" b="1" i="1" dirty="0" smtClean="0"/>
-              <a:t>lematizan</a:t>
-            </a:r>
-            <a:r>
-              <a:rPr lang="es-ES" sz="2000" dirty="0" smtClean="0"/>
-              <a:t> las palabras.</a:t>
-            </a:r>
-          </a:p>
-        </p:txBody>
-      </p:sp>
-      <p:sp>
-        <p:nvSpPr>
-          <p:cNvPr id="8" name="CuadroTexto 7"/>
-          <p:cNvSpPr txBox="1"/>
-          <p:nvPr/>
-        </p:nvSpPr>
-        <p:spPr>
-          <a:xfrm>
-            <a:off x="2283672" y="5197770"/>
-            <a:ext cx="6180856" cy="707886"/>
-          </a:xfrm>
-          <a:prstGeom prst="rect">
-            <a:avLst/>
-          </a:prstGeom>
-          <a:noFill/>
-        </p:spPr>
-        <p:txBody>
-          <a:bodyPr wrap="square" rtlCol="0">
-            <a:spAutoFit/>
-          </a:bodyPr>
-          <a:lstStyle/>
-          <a:p>
-            <a:r>
-              <a:rPr lang="es-ES" sz="2000" dirty="0" smtClean="0"/>
-              <a:t>Al final del preprocesado, tenemos un  </a:t>
-            </a:r>
-            <a:r>
-              <a:rPr lang="es-ES" sz="2000" i="1" dirty="0" smtClean="0"/>
-              <a:t>diccionario de términos lematizados</a:t>
-            </a:r>
-            <a:endParaRPr lang="es-ES" sz="2000" dirty="0"/>
+            <a:r>
+              <a:rPr lang="es-ES" sz="1400" b="1" dirty="0" smtClean="0"/>
+              <a:t>Matriz de confusión</a:t>
+            </a:r>
+            <a:endParaRPr lang="es-ES" sz="1400" b="1" dirty="0"/>
           </a:p>
         </p:txBody>
       </p:sp>
       <p:pic>
         <p:nvPicPr>
-          <p:cNvPr id="9" name="Imagen 8"/>
+          <p:cNvPr id="11" name="Imagen 10"/>
           <p:cNvPicPr>
             <a:picLocks noChangeAspect="1"/>
           </p:cNvPicPr>
           <p:nvPr/>
         </p:nvPicPr>
         <p:blipFill>
-          <a:blip r:embed="rId2"/>
+          <a:blip r:embed="rId3"/>
           <a:stretch>
             <a:fillRect/>
           </a:stretch>
         </p:blipFill>
         <p:spPr>
           <a:xfrm>
-            <a:off x="277442" y="1213796"/>
-            <a:ext cx="1590675" cy="4886325"/>
+            <a:off x="890314" y="1831019"/>
+            <a:ext cx="6231603" cy="4525331"/>
           </a:xfrm>
           <a:prstGeom prst="rect">
             <a:avLst/>
@@ -11467,7 +11454,7 @@
     </p:spTree>
     <p:extLst>
       <p:ext uri="{BB962C8B-B14F-4D97-AF65-F5344CB8AC3E}">
-        <p14:creationId xmlns:p14="http://schemas.microsoft.com/office/powerpoint/2010/main" val="663146374"/>
+        <p14:creationId xmlns:p14="http://schemas.microsoft.com/office/powerpoint/2010/main" xmlns="" val="2675942316"/>
       </p:ext>
     </p:extLst>
   </p:cSld>
@@ -11503,149 +11490,6 @@
       </p:grpSpPr>
       <p:sp>
         <p:nvSpPr>
-          <p:cNvPr id="2" name="Marcador de contenido 1"/>
-          <p:cNvSpPr>
-            <a:spLocks noGrp="1"/>
-          </p:cNvSpPr>
-          <p:nvPr>
-            <p:ph idx="1"/>
-          </p:nvPr>
-        </p:nvSpPr>
-        <p:spPr>
-          <a:xfrm>
-            <a:off x="2407266" y="1103763"/>
-            <a:ext cx="6053166" cy="4525963"/>
-          </a:xfrm>
-        </p:spPr>
-        <p:txBody>
-          <a:bodyPr/>
-          <a:lstStyle/>
-          <a:p>
-            <a:r>
-              <a:rPr lang="es-ES" sz="2000" b="1" dirty="0" smtClean="0">
-                <a:latin typeface="Arial" panose="020B0604020202020204" pitchFamily="34" charset="0"/>
-                <a:cs typeface="Arial" panose="020B0604020202020204" pitchFamily="34" charset="0"/>
-              </a:rPr>
-              <a:t>Módulo 2: </a:t>
-            </a:r>
-            <a:r>
-              <a:rPr lang="es-ES" sz="2000" b="1" i="1" dirty="0" smtClean="0">
-                <a:latin typeface="Arial" panose="020B0604020202020204" pitchFamily="34" charset="0"/>
-                <a:cs typeface="Arial" panose="020B0604020202020204" pitchFamily="34" charset="0"/>
-              </a:rPr>
-              <a:t>Creación de conjuntos de términos de entrenamiento</a:t>
-            </a:r>
-          </a:p>
-          <a:p>
-            <a:endParaRPr lang="es-ES" sz="2000" b="1" i="1" dirty="0" smtClean="0">
-              <a:latin typeface="Arial" panose="020B0604020202020204" pitchFamily="34" charset="0"/>
-              <a:cs typeface="Arial" panose="020B0604020202020204" pitchFamily="34" charset="0"/>
-            </a:endParaRPr>
-          </a:p>
-          <a:p>
-            <a:pPr marL="857250" lvl="1" indent="-457200">
-              <a:buFont typeface="+mj-lt"/>
-              <a:buAutoNum type="arabicPeriod"/>
-            </a:pPr>
-            <a:r>
-              <a:rPr lang="es-ES" sz="2000" dirty="0" smtClean="0">
-                <a:latin typeface="Arial" panose="020B0604020202020204" pitchFamily="34" charset="0"/>
-                <a:cs typeface="Arial" panose="020B0604020202020204" pitchFamily="34" charset="0"/>
-              </a:rPr>
-              <a:t>Se definen </a:t>
-            </a:r>
-            <a:r>
-              <a:rPr lang="es-ES" sz="2000" b="1" i="1" dirty="0" smtClean="0">
-                <a:latin typeface="Arial" panose="020B0604020202020204" pitchFamily="34" charset="0"/>
-                <a:cs typeface="Arial" panose="020B0604020202020204" pitchFamily="34" charset="0"/>
-              </a:rPr>
-              <a:t>palabras clave </a:t>
-            </a:r>
-            <a:r>
-              <a:rPr lang="es-ES" sz="2000" dirty="0" smtClean="0">
-                <a:latin typeface="Arial" panose="020B0604020202020204" pitchFamily="34" charset="0"/>
-                <a:cs typeface="Arial" panose="020B0604020202020204" pitchFamily="34" charset="0"/>
-              </a:rPr>
-              <a:t>para la clase</a:t>
-            </a:r>
-          </a:p>
-          <a:p>
-            <a:pPr marL="857250" lvl="1" indent="-457200">
-              <a:buFont typeface="+mj-lt"/>
-              <a:buAutoNum type="arabicPeriod"/>
-            </a:pPr>
-            <a:endParaRPr lang="es-ES" sz="2000" dirty="0" smtClean="0">
-              <a:latin typeface="Arial" panose="020B0604020202020204" pitchFamily="34" charset="0"/>
-              <a:cs typeface="Arial" panose="020B0604020202020204" pitchFamily="34" charset="0"/>
-            </a:endParaRPr>
-          </a:p>
-          <a:p>
-            <a:pPr marL="857250" lvl="1" indent="-457200">
-              <a:buFont typeface="+mj-lt"/>
-              <a:buAutoNum type="arabicPeriod"/>
-            </a:pPr>
-            <a:endParaRPr lang="es-ES" sz="2000" dirty="0" smtClean="0">
-              <a:latin typeface="Arial" panose="020B0604020202020204" pitchFamily="34" charset="0"/>
-              <a:cs typeface="Arial" panose="020B0604020202020204" pitchFamily="34" charset="0"/>
-            </a:endParaRPr>
-          </a:p>
-          <a:p>
-            <a:pPr marL="857250" lvl="1" indent="-457200">
-              <a:buFont typeface="+mj-lt"/>
-              <a:buAutoNum type="arabicPeriod"/>
-            </a:pPr>
-            <a:r>
-              <a:rPr lang="es-ES" sz="2000" dirty="0" smtClean="0">
-                <a:latin typeface="Arial" panose="020B0604020202020204" pitchFamily="34" charset="0"/>
-                <a:cs typeface="Arial" panose="020B0604020202020204" pitchFamily="34" charset="0"/>
-              </a:rPr>
-              <a:t>Se </a:t>
-            </a:r>
-            <a:r>
-              <a:rPr lang="es-ES" sz="2000" b="1" i="1" dirty="0" smtClean="0">
-                <a:latin typeface="Arial" panose="020B0604020202020204" pitchFamily="34" charset="0"/>
-                <a:cs typeface="Arial" panose="020B0604020202020204" pitchFamily="34" charset="0"/>
-              </a:rPr>
-              <a:t>buscan sinónimos</a:t>
-            </a:r>
-            <a:r>
-              <a:rPr lang="es-ES" sz="2000" dirty="0">
-                <a:latin typeface="Arial" panose="020B0604020202020204" pitchFamily="34" charset="0"/>
-                <a:cs typeface="Arial" panose="020B0604020202020204" pitchFamily="34" charset="0"/>
-              </a:rPr>
-              <a:t> </a:t>
-            </a:r>
-            <a:r>
-              <a:rPr lang="es-ES" sz="2000" dirty="0" smtClean="0">
-                <a:latin typeface="Arial" panose="020B0604020202020204" pitchFamily="34" charset="0"/>
-                <a:cs typeface="Arial" panose="020B0604020202020204" pitchFamily="34" charset="0"/>
-              </a:rPr>
-              <a:t>a través de </a:t>
-            </a:r>
-            <a:r>
-              <a:rPr lang="es-ES" sz="2000" i="1" dirty="0" smtClean="0">
-                <a:latin typeface="Arial" panose="020B0604020202020204" pitchFamily="34" charset="0"/>
-                <a:cs typeface="Arial" panose="020B0604020202020204" pitchFamily="34" charset="0"/>
-              </a:rPr>
-              <a:t>WordNet</a:t>
-            </a:r>
-          </a:p>
-          <a:p>
-            <a:pPr marL="800100" lvl="2" indent="0">
-              <a:buNone/>
-            </a:pPr>
-            <a:r>
-              <a:rPr lang="es-ES" sz="2000" dirty="0" smtClean="0">
-                <a:latin typeface="Arial" panose="020B0604020202020204" pitchFamily="34" charset="0"/>
-                <a:cs typeface="Arial" panose="020B0604020202020204" pitchFamily="34" charset="0"/>
-              </a:rPr>
-              <a:t>Para lo cual es preciso traducir entre español e inglés.</a:t>
-            </a:r>
-          </a:p>
-        </p:txBody>
-      </p:sp>
-      <p:sp>
-        <p:nvSpPr>
           <p:cNvPr id="3" name="Marcador de fecha 2"/>
           <p:cNvSpPr>
             <a:spLocks noGrp="1"/>
@@ -11667,7 +11511,7 @@
               <a:pPr>
                 <a:defRPr/>
               </a:pPr>
-              <a:t>10/05/2017</a:t>
+              <a:t>12/05/2017</a:t>
             </a:fld>
             <a:endParaRPr lang="es-ES" dirty="0"/>
           </a:p>
@@ -11730,14 +11574,14 @@
       </p:sp>
       <p:sp>
         <p:nvSpPr>
-          <p:cNvPr id="10" name="CuadroTexto 9"/>
+          <p:cNvPr id="7" name="CuadroTexto 6"/>
           <p:cNvSpPr txBox="1"/>
           <p:nvPr/>
         </p:nvSpPr>
         <p:spPr>
           <a:xfrm>
-            <a:off x="2915816" y="5157000"/>
-            <a:ext cx="5544616" cy="646331"/>
+            <a:off x="1839792" y="2214179"/>
+            <a:ext cx="6624736" cy="2554545"/>
           </a:xfrm>
           <a:prstGeom prst="rect">
             <a:avLst/>
@@ -11750,33 +11594,140 @@
           </a:bodyPr>
           <a:lstStyle/>
           <a:p>
-            <a:r>
-              <a:rPr lang="es-ES" dirty="0" smtClean="0"/>
-              <a:t>Finalmente obtenemos un </a:t>
-            </a:r>
-            <a:r>
-              <a:rPr lang="es-ES" b="1" i="1" dirty="0" smtClean="0"/>
-              <a:t>conjunto de palabras  clave </a:t>
-            </a:r>
-            <a:r>
-              <a:rPr lang="es-ES" dirty="0" smtClean="0"/>
-              <a:t>iniciales</a:t>
-            </a:r>
-            <a:r>
-              <a:rPr lang="es-ES" b="1" i="1" dirty="0" smtClean="0"/>
-              <a:t> </a:t>
-            </a:r>
-            <a:r>
-              <a:rPr lang="es-ES" dirty="0" smtClean="0"/>
-              <a:t>que nos servirá para filtrar tuits. </a:t>
-            </a:r>
-            <a:endParaRPr lang="es-ES" dirty="0"/>
+            <a:pPr marL="285750" indent="-285750">
+              <a:buFont typeface="Arial" panose="020B0604020202020204" pitchFamily="34" charset="0"/>
+              <a:buChar char="•"/>
+            </a:pPr>
+            <a:r>
+              <a:rPr lang="es-ES" sz="2000" b="1" dirty="0" smtClean="0"/>
+              <a:t>Módulo 1</a:t>
+            </a:r>
+            <a:r>
+              <a:rPr lang="es-ES" sz="2000" dirty="0" smtClean="0"/>
+              <a:t>: </a:t>
+            </a:r>
+            <a:r>
+              <a:rPr lang="es-ES" sz="2000" b="1" i="1" dirty="0" smtClean="0"/>
+              <a:t>Preprocesado de tuits</a:t>
+            </a:r>
+          </a:p>
+          <a:p>
+            <a:pPr marL="285750" indent="-285750">
+              <a:buFont typeface="Arial" panose="020B0604020202020204" pitchFamily="34" charset="0"/>
+              <a:buChar char="•"/>
+            </a:pPr>
+            <a:endParaRPr lang="es-ES" sz="2000" b="1" i="1" dirty="0" smtClean="0"/>
+          </a:p>
+          <a:p>
+            <a:pPr marL="800100" lvl="1" indent="-342900">
+              <a:buFont typeface="+mj-lt"/>
+              <a:buAutoNum type="arabicPeriod"/>
+            </a:pPr>
+            <a:r>
+              <a:rPr lang="es-ES" sz="2000" dirty="0" smtClean="0"/>
+              <a:t>Los tuits depurados se </a:t>
+            </a:r>
+            <a:r>
+              <a:rPr lang="es-ES" sz="2000" b="1" i="1" dirty="0" smtClean="0"/>
+              <a:t>segmentan</a:t>
+            </a:r>
+            <a:r>
+              <a:rPr lang="es-ES" sz="2000" dirty="0" smtClean="0"/>
+              <a:t> en palabras.</a:t>
+            </a:r>
+          </a:p>
+          <a:p>
+            <a:pPr marL="800100" lvl="1" indent="-342900">
+              <a:buFont typeface="+mj-lt"/>
+              <a:buAutoNum type="arabicPeriod"/>
+            </a:pPr>
+            <a:endParaRPr lang="es-ES" sz="2000" dirty="0" smtClean="0"/>
+          </a:p>
+          <a:p>
+            <a:pPr marL="800100" lvl="1" indent="-342900">
+              <a:buFont typeface="+mj-lt"/>
+              <a:buAutoNum type="arabicPeriod"/>
+            </a:pPr>
+            <a:r>
+              <a:rPr lang="es-ES" sz="2000" dirty="0" smtClean="0"/>
+              <a:t>Se eliminan </a:t>
+            </a:r>
+            <a:r>
+              <a:rPr lang="es-ES" sz="2000" b="1" i="1" dirty="0" smtClean="0"/>
+              <a:t>palabras vacías</a:t>
+            </a:r>
+          </a:p>
+          <a:p>
+            <a:pPr marL="800100" lvl="1" indent="-342900">
+              <a:buFont typeface="+mj-lt"/>
+              <a:buAutoNum type="arabicPeriod"/>
+            </a:pPr>
+            <a:endParaRPr lang="es-ES" sz="2000" dirty="0"/>
+          </a:p>
+          <a:p>
+            <a:pPr marL="800100" lvl="1" indent="-342900">
+              <a:buFont typeface="+mj-lt"/>
+              <a:buAutoNum type="arabicPeriod"/>
+            </a:pPr>
+            <a:endParaRPr lang="es-ES" sz="2000" dirty="0" smtClean="0"/>
+          </a:p>
+          <a:p>
+            <a:pPr marL="800100" lvl="1" indent="-342900">
+              <a:buFont typeface="+mj-lt"/>
+              <a:buAutoNum type="arabicPeriod"/>
+            </a:pPr>
+            <a:r>
+              <a:rPr lang="es-ES" sz="2000" dirty="0" smtClean="0"/>
+              <a:t>Se </a:t>
+            </a:r>
+            <a:r>
+              <a:rPr lang="es-ES" sz="2000" b="1" i="1" dirty="0" smtClean="0"/>
+              <a:t>lematizan</a:t>
+            </a:r>
+            <a:r>
+              <a:rPr lang="es-ES" sz="2000" dirty="0" smtClean="0"/>
+              <a:t> las palabras.</a:t>
+            </a:r>
+          </a:p>
+        </p:txBody>
+      </p:sp>
+      <p:sp>
+        <p:nvSpPr>
+          <p:cNvPr id="8" name="CuadroTexto 7"/>
+          <p:cNvSpPr txBox="1"/>
+          <p:nvPr/>
+        </p:nvSpPr>
+        <p:spPr>
+          <a:xfrm>
+            <a:off x="2283672" y="5197770"/>
+            <a:ext cx="6180856" cy="707886"/>
+          </a:xfrm>
+          <a:prstGeom prst="rect">
+            <a:avLst/>
+          </a:prstGeom>
+          <a:noFill/>
+        </p:spPr>
+        <p:txBody>
+          <a:bodyPr wrap="square" rtlCol="0">
+            <a:spAutoFit/>
+          </a:bodyPr>
+          <a:lstStyle/>
+          <a:p>
+            <a:r>
+              <a:rPr lang="es-ES" sz="2000" dirty="0" smtClean="0"/>
+              <a:t>Al final del preprocesado, tenemos un  </a:t>
+            </a:r>
+            <a:r>
+              <a:rPr lang="es-ES" sz="2000" i="1" dirty="0" smtClean="0"/>
+              <a:t>diccionario de términos lematizados</a:t>
+            </a:r>
+            <a:endParaRPr lang="es-ES" sz="2000" dirty="0"/>
           </a:p>
         </p:txBody>
       </p:sp>
       <p:pic>
         <p:nvPicPr>
-          <p:cNvPr id="12" name="Imagen 11"/>
+          <p:cNvPr id="9" name="Imagen 8"/>
           <p:cNvPicPr>
             <a:picLocks noChangeAspect="1"/>
           </p:cNvPicPr>
@@ -11790,8 +11741,8 @@
         </p:blipFill>
         <p:spPr>
           <a:xfrm>
-            <a:off x="182301" y="1700808"/>
-            <a:ext cx="2317980" cy="4276129"/>
+            <a:off x="277442" y="1213796"/>
+            <a:ext cx="1590675" cy="4886325"/>
           </a:xfrm>
           <a:prstGeom prst="rect">
             <a:avLst/>
@@ -11801,7 +11752,7 @@
     </p:spTree>
     <p:extLst>
       <p:ext uri="{BB962C8B-B14F-4D97-AF65-F5344CB8AC3E}">
-        <p14:creationId xmlns:p14="http://schemas.microsoft.com/office/powerpoint/2010/main" val="3451886720"/>
+        <p14:creationId xmlns:p14="http://schemas.microsoft.com/office/powerpoint/2010/main" xmlns="" val="663146374"/>
       </p:ext>
     </p:extLst>
   </p:cSld>
@@ -11837,6 +11788,149 @@
       </p:grpSpPr>
       <p:sp>
         <p:nvSpPr>
+          <p:cNvPr id="2" name="Marcador de contenido 1"/>
+          <p:cNvSpPr>
+            <a:spLocks noGrp="1"/>
+          </p:cNvSpPr>
+          <p:nvPr>
+            <p:ph idx="1"/>
+          </p:nvPr>
+        </p:nvSpPr>
+        <p:spPr>
+          <a:xfrm>
+            <a:off x="2407266" y="1103763"/>
+            <a:ext cx="6053166" cy="4525963"/>
+          </a:xfrm>
+        </p:spPr>
+        <p:txBody>
+          <a:bodyPr/>
+          <a:lstStyle/>
+          <a:p>
+            <a:r>
+              <a:rPr lang="es-ES" sz="2000" b="1" dirty="0" smtClean="0">
+                <a:latin typeface="Arial" panose="020B0604020202020204" pitchFamily="34" charset="0"/>
+                <a:cs typeface="Arial" panose="020B0604020202020204" pitchFamily="34" charset="0"/>
+              </a:rPr>
+              <a:t>Módulo 2: </a:t>
+            </a:r>
+            <a:r>
+              <a:rPr lang="es-ES" sz="2000" b="1" i="1" dirty="0" smtClean="0">
+                <a:latin typeface="Arial" panose="020B0604020202020204" pitchFamily="34" charset="0"/>
+                <a:cs typeface="Arial" panose="020B0604020202020204" pitchFamily="34" charset="0"/>
+              </a:rPr>
+              <a:t>Creación de conjuntos de términos de entrenamiento</a:t>
+            </a:r>
+          </a:p>
+          <a:p>
+            <a:endParaRPr lang="es-ES" sz="2000" b="1" i="1" dirty="0" smtClean="0">
+              <a:latin typeface="Arial" panose="020B0604020202020204" pitchFamily="34" charset="0"/>
+              <a:cs typeface="Arial" panose="020B0604020202020204" pitchFamily="34" charset="0"/>
+            </a:endParaRPr>
+          </a:p>
+          <a:p>
+            <a:pPr marL="857250" lvl="1" indent="-457200">
+              <a:buFont typeface="+mj-lt"/>
+              <a:buAutoNum type="arabicPeriod"/>
+            </a:pPr>
+            <a:r>
+              <a:rPr lang="es-ES" sz="2000" dirty="0" smtClean="0">
+                <a:latin typeface="Arial" panose="020B0604020202020204" pitchFamily="34" charset="0"/>
+                <a:cs typeface="Arial" panose="020B0604020202020204" pitchFamily="34" charset="0"/>
+              </a:rPr>
+              <a:t>Se definen </a:t>
+            </a:r>
+            <a:r>
+              <a:rPr lang="es-ES" sz="2000" b="1" i="1" dirty="0" smtClean="0">
+                <a:latin typeface="Arial" panose="020B0604020202020204" pitchFamily="34" charset="0"/>
+                <a:cs typeface="Arial" panose="020B0604020202020204" pitchFamily="34" charset="0"/>
+              </a:rPr>
+              <a:t>palabras clave </a:t>
+            </a:r>
+            <a:r>
+              <a:rPr lang="es-ES" sz="2000" dirty="0" smtClean="0">
+                <a:latin typeface="Arial" panose="020B0604020202020204" pitchFamily="34" charset="0"/>
+                <a:cs typeface="Arial" panose="020B0604020202020204" pitchFamily="34" charset="0"/>
+              </a:rPr>
+              <a:t>para la clase</a:t>
+            </a:r>
+          </a:p>
+          <a:p>
+            <a:pPr marL="857250" lvl="1" indent="-457200">
+              <a:buFont typeface="+mj-lt"/>
+              <a:buAutoNum type="arabicPeriod"/>
+            </a:pPr>
+            <a:endParaRPr lang="es-ES" sz="2000" dirty="0" smtClean="0">
+              <a:latin typeface="Arial" panose="020B0604020202020204" pitchFamily="34" charset="0"/>
+              <a:cs typeface="Arial" panose="020B0604020202020204" pitchFamily="34" charset="0"/>
+            </a:endParaRPr>
+          </a:p>
+          <a:p>
+            <a:pPr marL="857250" lvl="1" indent="-457200">
+              <a:buFont typeface="+mj-lt"/>
+              <a:buAutoNum type="arabicPeriod"/>
+            </a:pPr>
+            <a:endParaRPr lang="es-ES" sz="2000" dirty="0" smtClean="0">
+              <a:latin typeface="Arial" panose="020B0604020202020204" pitchFamily="34" charset="0"/>
+              <a:cs typeface="Arial" panose="020B0604020202020204" pitchFamily="34" charset="0"/>
+            </a:endParaRPr>
+          </a:p>
+          <a:p>
+            <a:pPr marL="857250" lvl="1" indent="-457200">
+              <a:buFont typeface="+mj-lt"/>
+              <a:buAutoNum type="arabicPeriod"/>
+            </a:pPr>
+            <a:r>
+              <a:rPr lang="es-ES" sz="2000" dirty="0" smtClean="0">
+                <a:latin typeface="Arial" panose="020B0604020202020204" pitchFamily="34" charset="0"/>
+                <a:cs typeface="Arial" panose="020B0604020202020204" pitchFamily="34" charset="0"/>
+              </a:rPr>
+              <a:t>Se </a:t>
+            </a:r>
+            <a:r>
+              <a:rPr lang="es-ES" sz="2000" b="1" i="1" dirty="0" smtClean="0">
+                <a:latin typeface="Arial" panose="020B0604020202020204" pitchFamily="34" charset="0"/>
+                <a:cs typeface="Arial" panose="020B0604020202020204" pitchFamily="34" charset="0"/>
+              </a:rPr>
+              <a:t>buscan sinónimos</a:t>
+            </a:r>
+            <a:r>
+              <a:rPr lang="es-ES" sz="2000" dirty="0">
+                <a:latin typeface="Arial" panose="020B0604020202020204" pitchFamily="34" charset="0"/>
+                <a:cs typeface="Arial" panose="020B0604020202020204" pitchFamily="34" charset="0"/>
+              </a:rPr>
+              <a:t> </a:t>
+            </a:r>
+            <a:r>
+              <a:rPr lang="es-ES" sz="2000" dirty="0" smtClean="0">
+                <a:latin typeface="Arial" panose="020B0604020202020204" pitchFamily="34" charset="0"/>
+                <a:cs typeface="Arial" panose="020B0604020202020204" pitchFamily="34" charset="0"/>
+              </a:rPr>
+              <a:t>a través de </a:t>
+            </a:r>
+            <a:r>
+              <a:rPr lang="es-ES" sz="2000" i="1" dirty="0" smtClean="0">
+                <a:latin typeface="Arial" panose="020B0604020202020204" pitchFamily="34" charset="0"/>
+                <a:cs typeface="Arial" panose="020B0604020202020204" pitchFamily="34" charset="0"/>
+              </a:rPr>
+              <a:t>WordNet</a:t>
+            </a:r>
+          </a:p>
+          <a:p>
+            <a:pPr marL="800100" lvl="2" indent="0">
+              <a:buNone/>
+            </a:pPr>
+            <a:r>
+              <a:rPr lang="es-ES" sz="2000" dirty="0" smtClean="0">
+                <a:latin typeface="Arial" panose="020B0604020202020204" pitchFamily="34" charset="0"/>
+                <a:cs typeface="Arial" panose="020B0604020202020204" pitchFamily="34" charset="0"/>
+              </a:rPr>
+              <a:t>Para lo cual es preciso traducir entre español e inglés.</a:t>
+            </a:r>
+          </a:p>
+        </p:txBody>
+      </p:sp>
+      <p:sp>
+        <p:nvSpPr>
           <p:cNvPr id="3" name="Marcador de fecha 2"/>
           <p:cNvSpPr>
             <a:spLocks noGrp="1"/>
@@ -11858,7 +11952,7 @@
               <a:pPr>
                 <a:defRPr/>
               </a:pPr>
-              <a:t>10/05/2017</a:t>
+              <a:t>12/05/2017</a:t>
             </a:fld>
             <a:endParaRPr lang="es-ES" dirty="0"/>
           </a:p>
@@ -11914,6 +12008,197 @@
                 <a:defRPr/>
               </a:pPr>
               <a:t>28</a:t>
+            </a:fld>
+            <a:endParaRPr lang="es-ES" dirty="0"/>
+          </a:p>
+        </p:txBody>
+      </p:sp>
+      <p:sp>
+        <p:nvSpPr>
+          <p:cNvPr id="10" name="CuadroTexto 9"/>
+          <p:cNvSpPr txBox="1"/>
+          <p:nvPr/>
+        </p:nvSpPr>
+        <p:spPr>
+          <a:xfrm>
+            <a:off x="2915816" y="5157000"/>
+            <a:ext cx="5544616" cy="646331"/>
+          </a:xfrm>
+          <a:prstGeom prst="rect">
+            <a:avLst/>
+          </a:prstGeom>
+          <a:noFill/>
+        </p:spPr>
+        <p:txBody>
+          <a:bodyPr wrap="square" rtlCol="0">
+            <a:spAutoFit/>
+          </a:bodyPr>
+          <a:lstStyle/>
+          <a:p>
+            <a:r>
+              <a:rPr lang="es-ES" dirty="0" smtClean="0"/>
+              <a:t>Finalmente obtenemos un </a:t>
+            </a:r>
+            <a:r>
+              <a:rPr lang="es-ES" b="1" i="1" dirty="0" smtClean="0"/>
+              <a:t>conjunto de palabras  clave </a:t>
+            </a:r>
+            <a:r>
+              <a:rPr lang="es-ES" dirty="0" smtClean="0"/>
+              <a:t>iniciales</a:t>
+            </a:r>
+            <a:r>
+              <a:rPr lang="es-ES" b="1" i="1" dirty="0" smtClean="0"/>
+              <a:t> </a:t>
+            </a:r>
+            <a:r>
+              <a:rPr lang="es-ES" dirty="0" smtClean="0"/>
+              <a:t>que nos servirá para filtrar tuits. </a:t>
+            </a:r>
+            <a:endParaRPr lang="es-ES" dirty="0"/>
+          </a:p>
+        </p:txBody>
+      </p:sp>
+      <p:pic>
+        <p:nvPicPr>
+          <p:cNvPr id="12" name="Imagen 11"/>
+          <p:cNvPicPr>
+            <a:picLocks noChangeAspect="1"/>
+          </p:cNvPicPr>
+          <p:nvPr/>
+        </p:nvPicPr>
+        <p:blipFill>
+          <a:blip r:embed="rId2"/>
+          <a:stretch>
+            <a:fillRect/>
+          </a:stretch>
+        </p:blipFill>
+        <p:spPr>
+          <a:xfrm>
+            <a:off x="182301" y="1700808"/>
+            <a:ext cx="2317980" cy="4276129"/>
+          </a:xfrm>
+          <a:prstGeom prst="rect">
+            <a:avLst/>
+          </a:prstGeom>
+        </p:spPr>
+      </p:pic>
+    </p:spTree>
+    <p:extLst>
+      <p:ext uri="{BB962C8B-B14F-4D97-AF65-F5344CB8AC3E}">
+        <p14:creationId xmlns:p14="http://schemas.microsoft.com/office/powerpoint/2010/main" xmlns="" val="3451886720"/>
+      </p:ext>
+    </p:extLst>
+  </p:cSld>
+  <p:clrMapOvr>
+    <a:masterClrMapping/>
+  </p:clrMapOvr>
+  <p:timing>
+    <p:tnLst>
+      <p:par>
+        <p:cTn id="1" dur="indefinite" restart="never" nodeType="tmRoot"/>
+      </p:par>
+    </p:tnLst>
+  </p:timing>
+</p:sld>
+</file>
+
+<file path=ppt/slides/slide29.xml><?xml version="1.0" encoding="utf-8"?>
+<p:sld xmlns:a="http://schemas.openxmlformats.org/drawingml/2006/main" xmlns:r="http://schemas.openxmlformats.org/officeDocument/2006/relationships" xmlns:p="http://schemas.openxmlformats.org/presentationml/2006/main">
+  <p:cSld>
+    <p:spTree>
+      <p:nvGrpSpPr>
+        <p:cNvPr id="1" name=""/>
+        <p:cNvGrpSpPr/>
+        <p:nvPr/>
+      </p:nvGrpSpPr>
+      <p:grpSpPr>
+        <a:xfrm>
+          <a:off x="0" y="0"/>
+          <a:ext cx="0" cy="0"/>
+          <a:chOff x="0" y="0"/>
+          <a:chExt cx="0" cy="0"/>
+        </a:xfrm>
+      </p:grpSpPr>
+      <p:sp>
+        <p:nvSpPr>
+          <p:cNvPr id="3" name="Marcador de fecha 2"/>
+          <p:cNvSpPr>
+            <a:spLocks noGrp="1"/>
+          </p:cNvSpPr>
+          <p:nvPr>
+            <p:ph type="dt" sz="half" idx="10"/>
+          </p:nvPr>
+        </p:nvSpPr>
+        <p:spPr/>
+        <p:txBody>
+          <a:bodyPr/>
+          <a:lstStyle/>
+          <a:p>
+            <a:pPr>
+              <a:defRPr/>
+            </a:pPr>
+            <a:fld id="{882F50FD-F3D2-4536-8E00-A7860B730F6A}" type="datetime1">
+              <a:rPr lang="es-ES" smtClean="0"/>
+              <a:pPr>
+                <a:defRPr/>
+              </a:pPr>
+              <a:t>12/05/2017</a:t>
+            </a:fld>
+            <a:endParaRPr lang="es-ES" dirty="0"/>
+          </a:p>
+        </p:txBody>
+      </p:sp>
+      <p:sp>
+        <p:nvSpPr>
+          <p:cNvPr id="4" name="Marcador de pie de página 3"/>
+          <p:cNvSpPr>
+            <a:spLocks noGrp="1"/>
+          </p:cNvSpPr>
+          <p:nvPr>
+            <p:ph type="ftr" sz="quarter" idx="11"/>
+          </p:nvPr>
+        </p:nvSpPr>
+        <p:spPr/>
+        <p:txBody>
+          <a:bodyPr/>
+          <a:lstStyle/>
+          <a:p>
+            <a:pPr>
+              <a:defRPr/>
+            </a:pPr>
+            <a:r>
+              <a:rPr lang="es-ES" dirty="0" smtClean="0"/>
+              <a:t>Clasificación de Tuits y PNL</a:t>
+            </a:r>
+            <a:endParaRPr lang="es-ES" dirty="0"/>
+          </a:p>
+        </p:txBody>
+      </p:sp>
+      <p:sp>
+        <p:nvSpPr>
+          <p:cNvPr id="5" name="Marcador de número de diapositiva 4"/>
+          <p:cNvSpPr>
+            <a:spLocks noGrp="1"/>
+          </p:cNvSpPr>
+          <p:nvPr>
+            <p:ph type="sldNum" sz="quarter" idx="12"/>
+          </p:nvPr>
+        </p:nvSpPr>
+        <p:spPr/>
+        <p:txBody>
+          <a:bodyPr/>
+          <a:lstStyle/>
+          <a:p>
+            <a:pPr>
+              <a:defRPr/>
+            </a:pPr>
+            <a:fld id="{07ABBCD0-34FF-4EE4-BE2E-55B98D8D62A6}" type="slidenum">
+              <a:rPr lang="es-ES" smtClean="0"/>
+              <a:pPr>
+                <a:defRPr/>
+              </a:pPr>
+              <a:t>29</a:t>
             </a:fld>
             <a:endParaRPr lang="es-ES" dirty="0"/>
           </a:p>
@@ -12231,354 +12516,7 @@
     </p:spTree>
     <p:extLst>
       <p:ext uri="{BB962C8B-B14F-4D97-AF65-F5344CB8AC3E}">
-        <p14:creationId xmlns:p14="http://schemas.microsoft.com/office/powerpoint/2010/main" val="976471774"/>
-      </p:ext>
-    </p:extLst>
-  </p:cSld>
-  <p:clrMapOvr>
-    <a:masterClrMapping/>
-  </p:clrMapOvr>
-  <p:timing>
-    <p:tnLst>
-      <p:par>
-        <p:cTn id="1" dur="indefinite" restart="never" nodeType="tmRoot"/>
-      </p:par>
-    </p:tnLst>
-  </p:timing>
-</p:sld>
-</file>
-
-<file path=ppt/slides/slide29.xml><?xml version="1.0" encoding="utf-8"?>
-<p:sld xmlns:a="http://schemas.openxmlformats.org/drawingml/2006/main" xmlns:r="http://schemas.openxmlformats.org/officeDocument/2006/relationships" xmlns:p="http://schemas.openxmlformats.org/presentationml/2006/main">
-  <p:cSld>
-    <p:spTree>
-      <p:nvGrpSpPr>
-        <p:cNvPr id="1" name=""/>
-        <p:cNvGrpSpPr/>
-        <p:nvPr/>
-      </p:nvGrpSpPr>
-      <p:grpSpPr>
-        <a:xfrm>
-          <a:off x="0" y="0"/>
-          <a:ext cx="0" cy="0"/>
-          <a:chOff x="0" y="0"/>
-          <a:chExt cx="0" cy="0"/>
-        </a:xfrm>
-      </p:grpSpPr>
-      <p:sp>
-        <p:nvSpPr>
-          <p:cNvPr id="2" name="Marcador de contenido 1"/>
-          <p:cNvSpPr>
-            <a:spLocks noGrp="1"/>
-          </p:cNvSpPr>
-          <p:nvPr>
-            <p:ph idx="1"/>
-          </p:nvPr>
-        </p:nvSpPr>
-        <p:spPr>
-          <a:xfrm>
-            <a:off x="3059832" y="1103763"/>
-            <a:ext cx="5400600" cy="4525963"/>
-          </a:xfrm>
-        </p:spPr>
-        <p:txBody>
-          <a:bodyPr/>
-          <a:lstStyle/>
-          <a:p>
-            <a:r>
-              <a:rPr lang="es-ES" sz="2000" b="1" dirty="0" smtClean="0">
-                <a:latin typeface="Arial" panose="020B0604020202020204" pitchFamily="34" charset="0"/>
-                <a:cs typeface="Arial" panose="020B0604020202020204" pitchFamily="34" charset="0"/>
-              </a:rPr>
-              <a:t>Módulo 4: </a:t>
-            </a:r>
-            <a:r>
-              <a:rPr lang="es-ES" sz="2000" b="1" i="1" dirty="0" smtClean="0">
-                <a:latin typeface="Arial" panose="020B0604020202020204" pitchFamily="34" charset="0"/>
-                <a:cs typeface="Arial" panose="020B0604020202020204" pitchFamily="34" charset="0"/>
-              </a:rPr>
-              <a:t>Iterar búsqueda de términos de entrenamiento</a:t>
-            </a:r>
-          </a:p>
-          <a:p>
-            <a:pPr marL="857250" lvl="1" indent="-457200">
-              <a:buFont typeface="+mj-lt"/>
-              <a:buAutoNum type="arabicPeriod"/>
-            </a:pPr>
-            <a:r>
-              <a:rPr lang="es-ES" sz="2000" dirty="0" smtClean="0">
-                <a:latin typeface="Arial" panose="020B0604020202020204" pitchFamily="34" charset="0"/>
-                <a:cs typeface="Arial" panose="020B0604020202020204" pitchFamily="34" charset="0"/>
-              </a:rPr>
-              <a:t>De los tuits clasificados manualmente en la clase minoritaria, se extraen </a:t>
-            </a:r>
-            <a:r>
-              <a:rPr lang="es-ES" sz="2000" b="1" i="1" dirty="0" smtClean="0">
-                <a:latin typeface="Arial" panose="020B0604020202020204" pitchFamily="34" charset="0"/>
-                <a:cs typeface="Arial" panose="020B0604020202020204" pitchFamily="34" charset="0"/>
-              </a:rPr>
-              <a:t>nuevas palabras</a:t>
-            </a:r>
-            <a:r>
-              <a:rPr lang="es-ES" sz="2000" dirty="0" smtClean="0">
-                <a:latin typeface="Arial" panose="020B0604020202020204" pitchFamily="34" charset="0"/>
-                <a:cs typeface="Arial" panose="020B0604020202020204" pitchFamily="34" charset="0"/>
-              </a:rPr>
-              <a:t>.</a:t>
-            </a:r>
-          </a:p>
-          <a:p>
-            <a:pPr marL="857250" lvl="1" indent="-457200">
-              <a:buFont typeface="+mj-lt"/>
-              <a:buAutoNum type="arabicPeriod"/>
-            </a:pPr>
-            <a:r>
-              <a:rPr lang="es-ES" sz="2000" dirty="0" smtClean="0">
-                <a:latin typeface="Arial" panose="020B0604020202020204" pitchFamily="34" charset="0"/>
-                <a:cs typeface="Arial" panose="020B0604020202020204" pitchFamily="34" charset="0"/>
-              </a:rPr>
-              <a:t>Se </a:t>
-            </a:r>
-            <a:r>
-              <a:rPr lang="es-ES" sz="2000" b="1" i="1" dirty="0" smtClean="0">
-                <a:latin typeface="Arial" panose="020B0604020202020204" pitchFamily="34" charset="0"/>
-                <a:cs typeface="Arial" panose="020B0604020202020204" pitchFamily="34" charset="0"/>
-              </a:rPr>
-              <a:t>buscan sinónimos</a:t>
-            </a:r>
-            <a:r>
-              <a:rPr lang="es-ES" sz="2000" dirty="0">
-                <a:latin typeface="Arial" panose="020B0604020202020204" pitchFamily="34" charset="0"/>
-                <a:cs typeface="Arial" panose="020B0604020202020204" pitchFamily="34" charset="0"/>
-              </a:rPr>
-              <a:t> </a:t>
-            </a:r>
-            <a:r>
-              <a:rPr lang="es-ES" sz="2000" dirty="0" smtClean="0">
-                <a:latin typeface="Arial" panose="020B0604020202020204" pitchFamily="34" charset="0"/>
-                <a:cs typeface="Arial" panose="020B0604020202020204" pitchFamily="34" charset="0"/>
-              </a:rPr>
-              <a:t>a través de WordNet.</a:t>
-            </a:r>
-          </a:p>
-          <a:p>
-            <a:pPr marL="857250" lvl="1" indent="-457200">
-              <a:buFont typeface="+mj-lt"/>
-              <a:buAutoNum type="arabicPeriod"/>
-            </a:pPr>
-            <a:endParaRPr lang="es-ES" sz="2000" dirty="0" smtClean="0">
-              <a:latin typeface="Arial" panose="020B0604020202020204" pitchFamily="34" charset="0"/>
-              <a:cs typeface="Arial" panose="020B0604020202020204" pitchFamily="34" charset="0"/>
-            </a:endParaRPr>
-          </a:p>
-          <a:p>
-            <a:pPr marL="857250" lvl="1" indent="-457200">
-              <a:buFont typeface="+mj-lt"/>
-              <a:buAutoNum type="arabicPeriod"/>
-            </a:pPr>
-            <a:r>
-              <a:rPr lang="es-ES" sz="2000" dirty="0" smtClean="0">
-                <a:latin typeface="Arial" panose="020B0604020202020204" pitchFamily="34" charset="0"/>
-                <a:cs typeface="Arial" panose="020B0604020202020204" pitchFamily="34" charset="0"/>
-              </a:rPr>
-              <a:t>Se hace un nuevo filtrado y</a:t>
-            </a:r>
-          </a:p>
-          <a:p>
-            <a:pPr marL="857250" lvl="1" indent="-457200">
-              <a:buFont typeface="+mj-lt"/>
-              <a:buAutoNum type="arabicPeriod"/>
-            </a:pPr>
-            <a:endParaRPr lang="es-ES" sz="2000" dirty="0" smtClean="0">
-              <a:latin typeface="Arial" panose="020B0604020202020204" pitchFamily="34" charset="0"/>
-              <a:cs typeface="Arial" panose="020B0604020202020204" pitchFamily="34" charset="0"/>
-            </a:endParaRPr>
-          </a:p>
-          <a:p>
-            <a:pPr marL="857250" lvl="1" indent="-457200">
-              <a:buFont typeface="+mj-lt"/>
-              <a:buAutoNum type="arabicPeriod"/>
-            </a:pPr>
-            <a:r>
-              <a:rPr lang="es-ES" sz="2000" dirty="0" smtClean="0">
-                <a:latin typeface="Arial" panose="020B0604020202020204" pitchFamily="34" charset="0"/>
-                <a:cs typeface="Arial" panose="020B0604020202020204" pitchFamily="34" charset="0"/>
-              </a:rPr>
-              <a:t>Se </a:t>
-            </a:r>
-            <a:r>
-              <a:rPr lang="es-ES" sz="2000" b="1" i="1" dirty="0" smtClean="0">
-                <a:latin typeface="Arial" panose="020B0604020202020204" pitchFamily="34" charset="0"/>
-                <a:cs typeface="Arial" panose="020B0604020202020204" pitchFamily="34" charset="0"/>
-              </a:rPr>
-              <a:t>reetiqueta</a:t>
-            </a:r>
-            <a:r>
-              <a:rPr lang="es-ES" sz="2000" dirty="0" smtClean="0">
-                <a:latin typeface="Arial" panose="020B0604020202020204" pitchFamily="34" charset="0"/>
-                <a:cs typeface="Arial" panose="020B0604020202020204" pitchFamily="34" charset="0"/>
-              </a:rPr>
-              <a:t> el nuevo conjunto</a:t>
-            </a:r>
-          </a:p>
-        </p:txBody>
-      </p:sp>
-      <p:sp>
-        <p:nvSpPr>
-          <p:cNvPr id="3" name="Marcador de fecha 2"/>
-          <p:cNvSpPr>
-            <a:spLocks noGrp="1"/>
-          </p:cNvSpPr>
-          <p:nvPr>
-            <p:ph type="dt" sz="half" idx="10"/>
-          </p:nvPr>
-        </p:nvSpPr>
-        <p:spPr/>
-        <p:txBody>
-          <a:bodyPr/>
-          <a:lstStyle/>
-          <a:p>
-            <a:pPr>
-              <a:defRPr/>
-            </a:pPr>
-            <a:fld id="{882F50FD-F3D2-4536-8E00-A7860B730F6A}" type="datetime1">
-              <a:rPr lang="es-ES" smtClean="0"/>
-              <a:pPr>
-                <a:defRPr/>
-              </a:pPr>
-              <a:t>10/05/2017</a:t>
-            </a:fld>
-            <a:endParaRPr lang="es-ES" dirty="0"/>
-          </a:p>
-        </p:txBody>
-      </p:sp>
-      <p:sp>
-        <p:nvSpPr>
-          <p:cNvPr id="4" name="Marcador de pie de página 3"/>
-          <p:cNvSpPr>
-            <a:spLocks noGrp="1"/>
-          </p:cNvSpPr>
-          <p:nvPr>
-            <p:ph type="ftr" sz="quarter" idx="11"/>
-          </p:nvPr>
-        </p:nvSpPr>
-        <p:spPr/>
-        <p:txBody>
-          <a:bodyPr/>
-          <a:lstStyle/>
-          <a:p>
-            <a:pPr>
-              <a:defRPr/>
-            </a:pPr>
-            <a:r>
-              <a:rPr lang="es-ES" dirty="0" smtClean="0"/>
-              <a:t>Clasificación de Tuits y PNL</a:t>
-            </a:r>
-            <a:endParaRPr lang="es-ES" dirty="0"/>
-          </a:p>
-        </p:txBody>
-      </p:sp>
-      <p:sp>
-        <p:nvSpPr>
-          <p:cNvPr id="5" name="Marcador de número de diapositiva 4"/>
-          <p:cNvSpPr>
-            <a:spLocks noGrp="1"/>
-          </p:cNvSpPr>
-          <p:nvPr>
-            <p:ph type="sldNum" sz="quarter" idx="12"/>
-          </p:nvPr>
-        </p:nvSpPr>
-        <p:spPr/>
-        <p:txBody>
-          <a:bodyPr/>
-          <a:lstStyle/>
-          <a:p>
-            <a:pPr>
-              <a:defRPr/>
-            </a:pPr>
-            <a:fld id="{07ABBCD0-34FF-4EE4-BE2E-55B98D8D62A6}" type="slidenum">
-              <a:rPr lang="es-ES" smtClean="0"/>
-              <a:pPr>
-                <a:defRPr/>
-              </a:pPr>
-              <a:t>29</a:t>
-            </a:fld>
-            <a:endParaRPr lang="es-ES" dirty="0"/>
-          </a:p>
-        </p:txBody>
-      </p:sp>
-      <p:sp>
-        <p:nvSpPr>
-          <p:cNvPr id="10" name="CuadroTexto 9"/>
-          <p:cNvSpPr txBox="1"/>
-          <p:nvPr/>
-        </p:nvSpPr>
-        <p:spPr>
-          <a:xfrm>
-            <a:off x="3491880" y="5157000"/>
-            <a:ext cx="5472608" cy="1200329"/>
-          </a:xfrm>
-          <a:prstGeom prst="rect">
-            <a:avLst/>
-          </a:prstGeom>
-          <a:noFill/>
-        </p:spPr>
-        <p:txBody>
-          <a:bodyPr wrap="square" rtlCol="0">
-            <a:spAutoFit/>
-          </a:bodyPr>
-          <a:lstStyle/>
-          <a:p>
-            <a:r>
-              <a:rPr lang="es-ES" dirty="0" smtClean="0"/>
-              <a:t>Obtenemos un </a:t>
-            </a:r>
-            <a:r>
-              <a:rPr lang="es-ES" b="1" i="1" dirty="0" smtClean="0"/>
-              <a:t>nuevo conjunto de </a:t>
-            </a:r>
-            <a:r>
-              <a:rPr lang="es-ES" dirty="0" smtClean="0"/>
-              <a:t>tuits filtrados que reetiquetados.</a:t>
-            </a:r>
-          </a:p>
-          <a:p>
-            <a:r>
-              <a:rPr lang="es-ES" dirty="0" smtClean="0"/>
-              <a:t>El proceso se detiene cuando no se obtenga mejora apreciable. </a:t>
-            </a:r>
-            <a:endParaRPr lang="es-ES" dirty="0"/>
-          </a:p>
-        </p:txBody>
-      </p:sp>
-      <p:pic>
-        <p:nvPicPr>
-          <p:cNvPr id="7" name="Imagen 6"/>
-          <p:cNvPicPr>
-            <a:picLocks noChangeAspect="1"/>
-          </p:cNvPicPr>
-          <p:nvPr/>
-        </p:nvPicPr>
-        <p:blipFill>
-          <a:blip r:embed="rId2"/>
-          <a:stretch>
-            <a:fillRect/>
-          </a:stretch>
-        </p:blipFill>
-        <p:spPr>
-          <a:xfrm>
-            <a:off x="-28847" y="1103763"/>
-            <a:ext cx="3179197" cy="4719017"/>
-          </a:xfrm>
-          <a:prstGeom prst="rect">
-            <a:avLst/>
-          </a:prstGeom>
-        </p:spPr>
-      </p:pic>
-    </p:spTree>
-    <p:extLst>
-      <p:ext uri="{BB962C8B-B14F-4D97-AF65-F5344CB8AC3E}">
-        <p14:creationId xmlns:p14="http://schemas.microsoft.com/office/powerpoint/2010/main" val="4195923287"/>
+        <p14:creationId xmlns:p14="http://schemas.microsoft.com/office/powerpoint/2010/main" xmlns="" val="976471774"/>
       </p:ext>
     </p:extLst>
   </p:cSld>
@@ -12737,7 +12675,7 @@
               <a:pPr>
                 <a:defRPr/>
               </a:pPr>
-              <a:t>10/05/2017</a:t>
+              <a:t>12/05/2017</a:t>
             </a:fld>
             <a:endParaRPr lang="es-ES" dirty="0"/>
           </a:p>
@@ -12842,8 +12780,8 @@
         </p:nvSpPr>
         <p:spPr>
           <a:xfrm>
-            <a:off x="3059832" y="1268760"/>
-            <a:ext cx="5760640" cy="4525963"/>
+            <a:off x="3059832" y="1103763"/>
+            <a:ext cx="5400600" cy="4525963"/>
           </a:xfrm>
         </p:spPr>
         <p:txBody>
@@ -12855,21 +12793,15 @@
                 <a:latin typeface="Arial" panose="020B0604020202020204" pitchFamily="34" charset="0"/>
                 <a:cs typeface="Arial" panose="020B0604020202020204" pitchFamily="34" charset="0"/>
               </a:rPr>
-              <a:t>Módulo 5: </a:t>
+              <a:t>Módulo 4: </a:t>
             </a:r>
             <a:r>
               <a:rPr lang="es-ES" sz="2000" b="1" i="1" dirty="0" smtClean="0">
                 <a:latin typeface="Arial" panose="020B0604020202020204" pitchFamily="34" charset="0"/>
                 <a:cs typeface="Arial" panose="020B0604020202020204" pitchFamily="34" charset="0"/>
               </a:rPr>
-              <a:t>Selección de atributos.</a:t>
-            </a:r>
-          </a:p>
-          <a:p>
-            <a:endParaRPr lang="es-ES" sz="2000" b="1" i="1" dirty="0" smtClean="0">
-              <a:latin typeface="Arial" panose="020B0604020202020204" pitchFamily="34" charset="0"/>
-              <a:cs typeface="Arial" panose="020B0604020202020204" pitchFamily="34" charset="0"/>
-            </a:endParaRPr>
+              <a:t>Iterar búsqueda de términos de entrenamiento</a:t>
+            </a:r>
           </a:p>
           <a:p>
             <a:pPr marL="857250" lvl="1" indent="-457200">
@@ -12881,28 +12813,14 @@
                 <a:latin typeface="Arial" panose="020B0604020202020204" pitchFamily="34" charset="0"/>
                 <a:cs typeface="Arial" panose="020B0604020202020204" pitchFamily="34" charset="0"/>
               </a:rPr>
-              <a:t>Los atributos se seleccionan entre </a:t>
+              <a:t>De los tuits clasificados manualmente en la clase minoritaria, se extraen </a:t>
             </a:r>
             <a:r>
               <a:rPr lang="es-ES" sz="2000" b="1" i="1" dirty="0" smtClean="0">
                 <a:latin typeface="Arial" panose="020B0604020202020204" pitchFamily="34" charset="0"/>
                 <a:cs typeface="Arial" panose="020B0604020202020204" pitchFamily="34" charset="0"/>
               </a:rPr>
-              <a:t>unigramas</a:t>
-            </a:r>
-            <a:r>
-              <a:rPr lang="es-ES" sz="2000" dirty="0" smtClean="0">
-                <a:latin typeface="Arial" panose="020B0604020202020204" pitchFamily="34" charset="0"/>
-                <a:cs typeface="Arial" panose="020B0604020202020204" pitchFamily="34" charset="0"/>
-              </a:rPr>
-              <a:t> (términos) y </a:t>
-            </a:r>
-            <a:r>
-              <a:rPr lang="es-ES" sz="2000" b="1" i="1" dirty="0" smtClean="0">
-                <a:latin typeface="Arial" panose="020B0604020202020204" pitchFamily="34" charset="0"/>
-                <a:cs typeface="Arial" panose="020B0604020202020204" pitchFamily="34" charset="0"/>
-              </a:rPr>
-              <a:t>bigramas</a:t>
+              <a:t>nuevas palabras</a:t>
             </a:r>
             <a:r>
               <a:rPr lang="es-ES" sz="2000" dirty="0" smtClean="0">
@@ -12917,6 +12835,40 @@
               <a:buFont typeface="+mj-lt"/>
               <a:buAutoNum type="arabicPeriod"/>
             </a:pPr>
+            <a:r>
+              <a:rPr lang="es-ES" sz="2000" dirty="0" smtClean="0">
+                <a:latin typeface="Arial" panose="020B0604020202020204" pitchFamily="34" charset="0"/>
+                <a:cs typeface="Arial" panose="020B0604020202020204" pitchFamily="34" charset="0"/>
+              </a:rPr>
+              <a:t>Se </a:t>
+            </a:r>
+            <a:r>
+              <a:rPr lang="es-ES" sz="2000" b="1" i="1" dirty="0" smtClean="0">
+                <a:latin typeface="Arial" panose="020B0604020202020204" pitchFamily="34" charset="0"/>
+                <a:cs typeface="Arial" panose="020B0604020202020204" pitchFamily="34" charset="0"/>
+              </a:rPr>
+              <a:t>buscan sinónimos</a:t>
+            </a:r>
+            <a:r>
+              <a:rPr lang="es-ES" sz="2000" dirty="0">
+                <a:latin typeface="Arial" panose="020B0604020202020204" pitchFamily="34" charset="0"/>
+                <a:cs typeface="Arial" panose="020B0604020202020204" pitchFamily="34" charset="0"/>
+              </a:rPr>
+              <a:t> </a:t>
+            </a:r>
+            <a:r>
+              <a:rPr lang="es-ES" sz="2000" dirty="0" smtClean="0">
+                <a:latin typeface="Arial" panose="020B0604020202020204" pitchFamily="34" charset="0"/>
+                <a:cs typeface="Arial" panose="020B0604020202020204" pitchFamily="34" charset="0"/>
+              </a:rPr>
+              <a:t>a través de WordNet.</a:t>
+            </a:r>
+          </a:p>
+          <a:p>
+            <a:pPr marL="857250" lvl="1" indent="-457200">
+              <a:buFont typeface="+mj-lt"/>
+              <a:buAutoNum type="arabicPeriod"/>
+            </a:pPr>
             <a:endParaRPr lang="es-ES" sz="2000" dirty="0" smtClean="0">
               <a:latin typeface="Arial" panose="020B0604020202020204" pitchFamily="34" charset="0"/>
               <a:cs typeface="Arial" panose="020B0604020202020204" pitchFamily="34" charset="0"/>
@@ -12932,7 +12884,7 @@
                 <a:latin typeface="Arial" panose="020B0604020202020204" pitchFamily="34" charset="0"/>
                 <a:cs typeface="Arial" panose="020B0604020202020204" pitchFamily="34" charset="0"/>
               </a:rPr>
-              <a:t>El método utilizado es el de la </a:t>
+              <a:t>Se hace un nuevo filtrado y</a:t>
             </a:r>
           </a:p>
           <a:p>
@@ -12944,6 +12896,33 @@
               <a:latin typeface="Arial" panose="020B0604020202020204" pitchFamily="34" charset="0"/>
               <a:cs typeface="Arial" panose="020B0604020202020204" pitchFamily="34" charset="0"/>
             </a:endParaRPr>
+          </a:p>
+          <a:p>
+            <a:pPr marL="857250" lvl="1" indent="-457200">
+              <a:buFont typeface="+mj-lt"/>
+              <a:buAutoNum type="arabicPeriod"/>
+            </a:pPr>
+            <a:r>
+              <a:rPr lang="es-ES" sz="2000" dirty="0" smtClean="0">
+                <a:latin typeface="Arial" panose="020B0604020202020204" pitchFamily="34" charset="0"/>
+                <a:cs typeface="Arial" panose="020B0604020202020204" pitchFamily="34" charset="0"/>
+              </a:rPr>
+              <a:t>Se </a:t>
+            </a:r>
+            <a:r>
+              <a:rPr lang="es-ES" sz="2000" b="1" i="1" dirty="0" smtClean="0">
+                <a:latin typeface="Arial" panose="020B0604020202020204" pitchFamily="34" charset="0"/>
+                <a:cs typeface="Arial" panose="020B0604020202020204" pitchFamily="34" charset="0"/>
+              </a:rPr>
+              <a:t>reetiqueta</a:t>
+            </a:r>
+            <a:r>
+              <a:rPr lang="es-ES" sz="2000" dirty="0" smtClean="0">
+                <a:latin typeface="Arial" panose="020B0604020202020204" pitchFamily="34" charset="0"/>
+                <a:cs typeface="Arial" panose="020B0604020202020204" pitchFamily="34" charset="0"/>
+              </a:rPr>
+              <a:t> el nuevo conjunto</a:t>
+            </a:r>
           </a:p>
         </p:txBody>
       </p:sp>
@@ -12970,7 +12949,7 @@
               <a:pPr>
                 <a:defRPr/>
               </a:pPr>
-              <a:t>10/05/2017</a:t>
+              <a:t>12/05/2017</a:t>
             </a:fld>
             <a:endParaRPr lang="es-ES" dirty="0"/>
           </a:p>
@@ -13026,6 +13005,312 @@
                 <a:defRPr/>
               </a:pPr>
               <a:t>30</a:t>
+            </a:fld>
+            <a:endParaRPr lang="es-ES" dirty="0"/>
+          </a:p>
+        </p:txBody>
+      </p:sp>
+      <p:sp>
+        <p:nvSpPr>
+          <p:cNvPr id="10" name="CuadroTexto 9"/>
+          <p:cNvSpPr txBox="1"/>
+          <p:nvPr/>
+        </p:nvSpPr>
+        <p:spPr>
+          <a:xfrm>
+            <a:off x="3491880" y="5157000"/>
+            <a:ext cx="5472608" cy="1200329"/>
+          </a:xfrm>
+          <a:prstGeom prst="rect">
+            <a:avLst/>
+          </a:prstGeom>
+          <a:noFill/>
+        </p:spPr>
+        <p:txBody>
+          <a:bodyPr wrap="square" rtlCol="0">
+            <a:spAutoFit/>
+          </a:bodyPr>
+          <a:lstStyle/>
+          <a:p>
+            <a:r>
+              <a:rPr lang="es-ES" dirty="0" smtClean="0"/>
+              <a:t>Obtenemos un </a:t>
+            </a:r>
+            <a:r>
+              <a:rPr lang="es-ES" b="1" i="1" dirty="0" smtClean="0"/>
+              <a:t>nuevo conjunto de </a:t>
+            </a:r>
+            <a:r>
+              <a:rPr lang="es-ES" dirty="0" smtClean="0"/>
+              <a:t>tuits filtrados que reetiquetados.</a:t>
+            </a:r>
+          </a:p>
+          <a:p>
+            <a:r>
+              <a:rPr lang="es-ES" dirty="0" smtClean="0"/>
+              <a:t>El proceso se detiene cuando no se obtenga mejora apreciable. </a:t>
+            </a:r>
+            <a:endParaRPr lang="es-ES" dirty="0"/>
+          </a:p>
+        </p:txBody>
+      </p:sp>
+      <p:pic>
+        <p:nvPicPr>
+          <p:cNvPr id="7" name="Imagen 6"/>
+          <p:cNvPicPr>
+            <a:picLocks noChangeAspect="1"/>
+          </p:cNvPicPr>
+          <p:nvPr/>
+        </p:nvPicPr>
+        <p:blipFill>
+          <a:blip r:embed="rId2"/>
+          <a:stretch>
+            <a:fillRect/>
+          </a:stretch>
+        </p:blipFill>
+        <p:spPr>
+          <a:xfrm>
+            <a:off x="-28847" y="1103763"/>
+            <a:ext cx="3179197" cy="4719017"/>
+          </a:xfrm>
+          <a:prstGeom prst="rect">
+            <a:avLst/>
+          </a:prstGeom>
+        </p:spPr>
+      </p:pic>
+    </p:spTree>
+    <p:extLst>
+      <p:ext uri="{BB962C8B-B14F-4D97-AF65-F5344CB8AC3E}">
+        <p14:creationId xmlns:p14="http://schemas.microsoft.com/office/powerpoint/2010/main" xmlns="" val="4195923287"/>
+      </p:ext>
+    </p:extLst>
+  </p:cSld>
+  <p:clrMapOvr>
+    <a:masterClrMapping/>
+  </p:clrMapOvr>
+  <p:timing>
+    <p:tnLst>
+      <p:par>
+        <p:cTn id="1" dur="indefinite" restart="never" nodeType="tmRoot"/>
+      </p:par>
+    </p:tnLst>
+  </p:timing>
+</p:sld>
+</file>
+
+<file path=ppt/slides/slide31.xml><?xml version="1.0" encoding="utf-8"?>
+<p:sld xmlns:a="http://schemas.openxmlformats.org/drawingml/2006/main" xmlns:r="http://schemas.openxmlformats.org/officeDocument/2006/relationships" xmlns:p="http://schemas.openxmlformats.org/presentationml/2006/main">
+  <p:cSld>
+    <p:spTree>
+      <p:nvGrpSpPr>
+        <p:cNvPr id="1" name=""/>
+        <p:cNvGrpSpPr/>
+        <p:nvPr/>
+      </p:nvGrpSpPr>
+      <p:grpSpPr>
+        <a:xfrm>
+          <a:off x="0" y="0"/>
+          <a:ext cx="0" cy="0"/>
+          <a:chOff x="0" y="0"/>
+          <a:chExt cx="0" cy="0"/>
+        </a:xfrm>
+      </p:grpSpPr>
+      <p:sp>
+        <p:nvSpPr>
+          <p:cNvPr id="2" name="Marcador de contenido 1"/>
+          <p:cNvSpPr>
+            <a:spLocks noGrp="1"/>
+          </p:cNvSpPr>
+          <p:nvPr>
+            <p:ph idx="1"/>
+          </p:nvPr>
+        </p:nvSpPr>
+        <p:spPr>
+          <a:xfrm>
+            <a:off x="3059832" y="1268760"/>
+            <a:ext cx="5760640" cy="4525963"/>
+          </a:xfrm>
+        </p:spPr>
+        <p:txBody>
+          <a:bodyPr/>
+          <a:lstStyle/>
+          <a:p>
+            <a:r>
+              <a:rPr lang="es-ES" sz="2000" b="1" dirty="0" smtClean="0">
+                <a:latin typeface="Arial" panose="020B0604020202020204" pitchFamily="34" charset="0"/>
+                <a:cs typeface="Arial" panose="020B0604020202020204" pitchFamily="34" charset="0"/>
+              </a:rPr>
+              <a:t>Módulo 5: </a:t>
+            </a:r>
+            <a:r>
+              <a:rPr lang="es-ES" sz="2000" b="1" i="1" dirty="0" smtClean="0">
+                <a:latin typeface="Arial" panose="020B0604020202020204" pitchFamily="34" charset="0"/>
+                <a:cs typeface="Arial" panose="020B0604020202020204" pitchFamily="34" charset="0"/>
+              </a:rPr>
+              <a:t>Selección de atributos.</a:t>
+            </a:r>
+          </a:p>
+          <a:p>
+            <a:endParaRPr lang="es-ES" sz="2000" b="1" i="1" dirty="0" smtClean="0">
+              <a:latin typeface="Arial" panose="020B0604020202020204" pitchFamily="34" charset="0"/>
+              <a:cs typeface="Arial" panose="020B0604020202020204" pitchFamily="34" charset="0"/>
+            </a:endParaRPr>
+          </a:p>
+          <a:p>
+            <a:pPr marL="857250" lvl="1" indent="-457200">
+              <a:buFont typeface="+mj-lt"/>
+              <a:buAutoNum type="arabicPeriod"/>
+            </a:pPr>
+            <a:r>
+              <a:rPr lang="es-ES" sz="2000" dirty="0" smtClean="0">
+                <a:latin typeface="Arial" panose="020B0604020202020204" pitchFamily="34" charset="0"/>
+                <a:cs typeface="Arial" panose="020B0604020202020204" pitchFamily="34" charset="0"/>
+              </a:rPr>
+              <a:t>Los atributos se seleccionan entre </a:t>
+            </a:r>
+            <a:r>
+              <a:rPr lang="es-ES" sz="2000" b="1" i="1" dirty="0" smtClean="0">
+                <a:latin typeface="Arial" panose="020B0604020202020204" pitchFamily="34" charset="0"/>
+                <a:cs typeface="Arial" panose="020B0604020202020204" pitchFamily="34" charset="0"/>
+              </a:rPr>
+              <a:t>unigramas</a:t>
+            </a:r>
+            <a:r>
+              <a:rPr lang="es-ES" sz="2000" dirty="0" smtClean="0">
+                <a:latin typeface="Arial" panose="020B0604020202020204" pitchFamily="34" charset="0"/>
+                <a:cs typeface="Arial" panose="020B0604020202020204" pitchFamily="34" charset="0"/>
+              </a:rPr>
+              <a:t> (términos) y </a:t>
+            </a:r>
+            <a:r>
+              <a:rPr lang="es-ES" sz="2000" b="1" i="1" dirty="0" smtClean="0">
+                <a:latin typeface="Arial" panose="020B0604020202020204" pitchFamily="34" charset="0"/>
+                <a:cs typeface="Arial" panose="020B0604020202020204" pitchFamily="34" charset="0"/>
+              </a:rPr>
+              <a:t>bigramas</a:t>
+            </a:r>
+            <a:r>
+              <a:rPr lang="es-ES" sz="2000" dirty="0" smtClean="0">
+                <a:latin typeface="Arial" panose="020B0604020202020204" pitchFamily="34" charset="0"/>
+                <a:cs typeface="Arial" panose="020B0604020202020204" pitchFamily="34" charset="0"/>
+              </a:rPr>
+              <a:t>.</a:t>
+            </a:r>
+          </a:p>
+          <a:p>
+            <a:pPr marL="857250" lvl="1" indent="-457200">
+              <a:buFont typeface="+mj-lt"/>
+              <a:buAutoNum type="arabicPeriod"/>
+            </a:pPr>
+            <a:endParaRPr lang="es-ES" sz="2000" dirty="0" smtClean="0">
+              <a:latin typeface="Arial" panose="020B0604020202020204" pitchFamily="34" charset="0"/>
+              <a:cs typeface="Arial" panose="020B0604020202020204" pitchFamily="34" charset="0"/>
+            </a:endParaRPr>
+          </a:p>
+          <a:p>
+            <a:pPr marL="857250" lvl="1" indent="-457200">
+              <a:buFont typeface="+mj-lt"/>
+              <a:buAutoNum type="arabicPeriod"/>
+            </a:pPr>
+            <a:r>
+              <a:rPr lang="es-ES" sz="2000" dirty="0" smtClean="0">
+                <a:latin typeface="Arial" panose="020B0604020202020204" pitchFamily="34" charset="0"/>
+                <a:cs typeface="Arial" panose="020B0604020202020204" pitchFamily="34" charset="0"/>
+              </a:rPr>
+              <a:t>El método utilizado es el de la </a:t>
+            </a:r>
+          </a:p>
+          <a:p>
+            <a:pPr marL="857250" lvl="1" indent="-457200">
+              <a:buFont typeface="+mj-lt"/>
+              <a:buAutoNum type="arabicPeriod"/>
+            </a:pPr>
+            <a:endParaRPr lang="es-ES" sz="2000" dirty="0" smtClean="0">
+              <a:latin typeface="Arial" panose="020B0604020202020204" pitchFamily="34" charset="0"/>
+              <a:cs typeface="Arial" panose="020B0604020202020204" pitchFamily="34" charset="0"/>
+            </a:endParaRPr>
+          </a:p>
+        </p:txBody>
+      </p:sp>
+      <p:sp>
+        <p:nvSpPr>
+          <p:cNvPr id="3" name="Marcador de fecha 2"/>
+          <p:cNvSpPr>
+            <a:spLocks noGrp="1"/>
+          </p:cNvSpPr>
+          <p:nvPr>
+            <p:ph type="dt" sz="half" idx="10"/>
+          </p:nvPr>
+        </p:nvSpPr>
+        <p:spPr/>
+        <p:txBody>
+          <a:bodyPr/>
+          <a:lstStyle/>
+          <a:p>
+            <a:pPr>
+              <a:defRPr/>
+            </a:pPr>
+            <a:fld id="{882F50FD-F3D2-4536-8E00-A7860B730F6A}" type="datetime1">
+              <a:rPr lang="es-ES" smtClean="0"/>
+              <a:pPr>
+                <a:defRPr/>
+              </a:pPr>
+              <a:t>12/05/2017</a:t>
+            </a:fld>
+            <a:endParaRPr lang="es-ES" dirty="0"/>
+          </a:p>
+        </p:txBody>
+      </p:sp>
+      <p:sp>
+        <p:nvSpPr>
+          <p:cNvPr id="4" name="Marcador de pie de página 3"/>
+          <p:cNvSpPr>
+            <a:spLocks noGrp="1"/>
+          </p:cNvSpPr>
+          <p:nvPr>
+            <p:ph type="ftr" sz="quarter" idx="11"/>
+          </p:nvPr>
+        </p:nvSpPr>
+        <p:spPr/>
+        <p:txBody>
+          <a:bodyPr/>
+          <a:lstStyle/>
+          <a:p>
+            <a:pPr>
+              <a:defRPr/>
+            </a:pPr>
+            <a:r>
+              <a:rPr lang="es-ES" dirty="0" smtClean="0"/>
+              <a:t>Clasificación de Tuits y PNL</a:t>
+            </a:r>
+            <a:endParaRPr lang="es-ES" dirty="0"/>
+          </a:p>
+        </p:txBody>
+      </p:sp>
+      <p:sp>
+        <p:nvSpPr>
+          <p:cNvPr id="5" name="Marcador de número de diapositiva 4"/>
+          <p:cNvSpPr>
+            <a:spLocks noGrp="1"/>
+          </p:cNvSpPr>
+          <p:nvPr>
+            <p:ph type="sldNum" sz="quarter" idx="12"/>
+          </p:nvPr>
+        </p:nvSpPr>
+        <p:spPr/>
+        <p:txBody>
+          <a:bodyPr/>
+          <a:lstStyle/>
+          <a:p>
+            <a:pPr>
+              <a:defRPr/>
+            </a:pPr>
+            <a:fld id="{07ABBCD0-34FF-4EE4-BE2E-55B98D8D62A6}" type="slidenum">
+              <a:rPr lang="es-ES" smtClean="0"/>
+              <a:pPr>
+                <a:defRPr/>
+              </a:pPr>
+              <a:t>31</a:t>
             </a:fld>
             <a:endParaRPr lang="es-ES" dirty="0"/>
           </a:p>
@@ -13119,311 +13404,7 @@
     </p:spTree>
     <p:extLst>
       <p:ext uri="{BB962C8B-B14F-4D97-AF65-F5344CB8AC3E}">
-        <p14:creationId xmlns:p14="http://schemas.microsoft.com/office/powerpoint/2010/main" val="3407416649"/>
-      </p:ext>
-    </p:extLst>
-  </p:cSld>
-  <p:clrMapOvr>
-    <a:masterClrMapping/>
-  </p:clrMapOvr>
-  <p:timing>
-    <p:tnLst>
-      <p:par>
-        <p:cTn id="1" dur="indefinite" restart="never" nodeType="tmRoot"/>
-      </p:par>
-    </p:tnLst>
-  </p:timing>
-</p:sld>
-</file>
-
-<file path=ppt/slides/slide31.xml><?xml version="1.0" encoding="utf-8"?>
-<p:sld xmlns:a="http://schemas.openxmlformats.org/drawingml/2006/main" xmlns:r="http://schemas.openxmlformats.org/officeDocument/2006/relationships" xmlns:p="http://schemas.openxmlformats.org/presentationml/2006/main">
-  <p:cSld>
-    <p:spTree>
-      <p:nvGrpSpPr>
-        <p:cNvPr id="1" name=""/>
-        <p:cNvGrpSpPr/>
-        <p:nvPr/>
-      </p:nvGrpSpPr>
-      <p:grpSpPr>
-        <a:xfrm>
-          <a:off x="0" y="0"/>
-          <a:ext cx="0" cy="0"/>
-          <a:chOff x="0" y="0"/>
-          <a:chExt cx="0" cy="0"/>
-        </a:xfrm>
-      </p:grpSpPr>
-      <p:pic>
-        <p:nvPicPr>
-          <p:cNvPr id="6" name="Marcador de contenido 5"/>
-          <p:cNvPicPr>
-            <a:picLocks noGrp="1" noChangeAspect="1"/>
-          </p:cNvPicPr>
-          <p:nvPr>
-            <p:ph idx="1"/>
-          </p:nvPr>
-        </p:nvPicPr>
-        <p:blipFill>
-          <a:blip r:embed="rId2"/>
-          <a:stretch>
-            <a:fillRect/>
-          </a:stretch>
-        </p:blipFill>
-        <p:spPr>
-          <a:xfrm>
-            <a:off x="220538" y="1988840"/>
-            <a:ext cx="2413096" cy="3528392"/>
-          </a:xfrm>
-          <a:prstGeom prst="rect">
-            <a:avLst/>
-          </a:prstGeom>
-        </p:spPr>
-      </p:pic>
-      <p:sp>
-        <p:nvSpPr>
-          <p:cNvPr id="3" name="Marcador de fecha 2"/>
-          <p:cNvSpPr>
-            <a:spLocks noGrp="1"/>
-          </p:cNvSpPr>
-          <p:nvPr>
-            <p:ph type="dt" sz="half" idx="10"/>
-          </p:nvPr>
-        </p:nvSpPr>
-        <p:spPr/>
-        <p:txBody>
-          <a:bodyPr/>
-          <a:lstStyle/>
-          <a:p>
-            <a:pPr>
-              <a:defRPr/>
-            </a:pPr>
-            <a:fld id="{882F50FD-F3D2-4536-8E00-A7860B730F6A}" type="datetime1">
-              <a:rPr lang="es-ES" smtClean="0"/>
-              <a:pPr>
-                <a:defRPr/>
-              </a:pPr>
-              <a:t>10/05/2017</a:t>
-            </a:fld>
-            <a:endParaRPr lang="es-ES" dirty="0"/>
-          </a:p>
-        </p:txBody>
-      </p:sp>
-      <p:sp>
-        <p:nvSpPr>
-          <p:cNvPr id="4" name="Marcador de pie de página 3"/>
-          <p:cNvSpPr>
-            <a:spLocks noGrp="1"/>
-          </p:cNvSpPr>
-          <p:nvPr>
-            <p:ph type="ftr" sz="quarter" idx="11"/>
-          </p:nvPr>
-        </p:nvSpPr>
-        <p:spPr/>
-        <p:txBody>
-          <a:bodyPr/>
-          <a:lstStyle/>
-          <a:p>
-            <a:pPr>
-              <a:defRPr/>
-            </a:pPr>
-            <a:r>
-              <a:rPr lang="es-ES" dirty="0" smtClean="0"/>
-              <a:t>Clasificación de Tuits y PNL</a:t>
-            </a:r>
-            <a:endParaRPr lang="es-ES" dirty="0"/>
-          </a:p>
-        </p:txBody>
-      </p:sp>
-      <p:sp>
-        <p:nvSpPr>
-          <p:cNvPr id="5" name="Marcador de número de diapositiva 4"/>
-          <p:cNvSpPr>
-            <a:spLocks noGrp="1"/>
-          </p:cNvSpPr>
-          <p:nvPr>
-            <p:ph type="sldNum" sz="quarter" idx="12"/>
-          </p:nvPr>
-        </p:nvSpPr>
-        <p:spPr/>
-        <p:txBody>
-          <a:bodyPr/>
-          <a:lstStyle/>
-          <a:p>
-            <a:pPr>
-              <a:defRPr/>
-            </a:pPr>
-            <a:fld id="{07ABBCD0-34FF-4EE4-BE2E-55B98D8D62A6}" type="slidenum">
-              <a:rPr lang="es-ES" smtClean="0"/>
-              <a:pPr>
-                <a:defRPr/>
-              </a:pPr>
-              <a:t>31</a:t>
-            </a:fld>
-            <a:endParaRPr lang="es-ES" dirty="0"/>
-          </a:p>
-        </p:txBody>
-      </p:sp>
-      <p:sp>
-        <p:nvSpPr>
-          <p:cNvPr id="7" name="CuadroTexto 6"/>
-          <p:cNvSpPr txBox="1"/>
-          <p:nvPr/>
-        </p:nvSpPr>
-        <p:spPr>
-          <a:xfrm>
-            <a:off x="2815208" y="1988840"/>
-            <a:ext cx="6120680" cy="2554545"/>
-          </a:xfrm>
-          <a:prstGeom prst="rect">
-            <a:avLst/>
-          </a:prstGeom>
-          <a:noFill/>
-        </p:spPr>
-        <p:txBody>
-          <a:bodyPr wrap="square" rtlCol="0">
-            <a:spAutoFit/>
-          </a:bodyPr>
-          <a:lstStyle/>
-          <a:p>
-            <a:pPr marL="285750" indent="-285750">
-              <a:buFont typeface="Arial" panose="020B0604020202020204" pitchFamily="34" charset="0"/>
-              <a:buChar char="•"/>
-            </a:pPr>
-            <a:r>
-              <a:rPr lang="es-ES" sz="2000" b="1" dirty="0" smtClean="0"/>
-              <a:t>Módulo 6: </a:t>
-            </a:r>
-            <a:r>
-              <a:rPr lang="es-ES" sz="2000" b="1" i="1" dirty="0" smtClean="0"/>
-              <a:t>clasificación</a:t>
-            </a:r>
-          </a:p>
-          <a:p>
-            <a:pPr marL="914400" lvl="1" indent="-457200">
-              <a:buFont typeface="+mj-lt"/>
-              <a:buAutoNum type="arabicPeriod"/>
-            </a:pPr>
-            <a:r>
-              <a:rPr lang="es-ES" sz="2000" dirty="0" smtClean="0"/>
-              <a:t>Elegidos los </a:t>
-            </a:r>
-            <a:r>
-              <a:rPr lang="es-ES" sz="2000" b="1" i="1" dirty="0" smtClean="0"/>
-              <a:t>atributos</a:t>
-            </a:r>
-            <a:r>
-              <a:rPr lang="es-ES" sz="2000" dirty="0" smtClean="0"/>
-              <a:t> - </a:t>
-            </a:r>
-            <a:r>
-              <a:rPr lang="es-ES" sz="2000" i="1" dirty="0" smtClean="0"/>
-              <a:t>términos</a:t>
-            </a:r>
-            <a:r>
-              <a:rPr lang="es-ES" sz="2000" dirty="0" smtClean="0"/>
-              <a:t> y </a:t>
-            </a:r>
-            <a:r>
-              <a:rPr lang="es-ES" sz="2000" i="1" dirty="0" smtClean="0"/>
-              <a:t>bigramas</a:t>
-            </a:r>
-            <a:r>
-              <a:rPr lang="es-ES" sz="2000" dirty="0" smtClean="0"/>
-              <a:t> - a usar en la clasificación mediante </a:t>
-            </a:r>
-            <a:r>
-              <a:rPr lang="el-GR" sz="2000" dirty="0" smtClean="0">
-                <a:latin typeface="Times New Roman" panose="02020603050405020304" pitchFamily="18" charset="0"/>
-                <a:cs typeface="Times New Roman" panose="02020603050405020304" pitchFamily="18" charset="0"/>
-              </a:rPr>
-              <a:t>χ</a:t>
-            </a:r>
-            <a:r>
-              <a:rPr lang="es-ES" sz="2000" baseline="30000" dirty="0" smtClean="0">
-                <a:latin typeface="Times New Roman" panose="02020603050405020304" pitchFamily="18" charset="0"/>
-                <a:cs typeface="Times New Roman" panose="02020603050405020304" pitchFamily="18" charset="0"/>
-              </a:rPr>
-              <a:t>2</a:t>
-            </a:r>
-            <a:r>
-              <a:rPr lang="es-ES" sz="2000" dirty="0" smtClean="0">
-                <a:latin typeface="Times New Roman" panose="02020603050405020304" pitchFamily="18" charset="0"/>
-                <a:cs typeface="Times New Roman" panose="02020603050405020304" pitchFamily="18" charset="0"/>
-              </a:rPr>
-              <a:t> </a:t>
-            </a:r>
-          </a:p>
-          <a:p>
-            <a:pPr marL="914400" lvl="1" indent="-457200">
-              <a:buFont typeface="+mj-lt"/>
-              <a:buAutoNum type="arabicPeriod"/>
-            </a:pPr>
-            <a:endParaRPr lang="es-ES" sz="2000" dirty="0" smtClean="0">
-              <a:latin typeface="Arial" panose="020B0604020202020204" pitchFamily="34" charset="0"/>
-              <a:cs typeface="Arial" panose="020B0604020202020204" pitchFamily="34" charset="0"/>
-            </a:endParaRPr>
-          </a:p>
-          <a:p>
-            <a:pPr marL="914400" lvl="1" indent="-457200">
-              <a:buFont typeface="+mj-lt"/>
-              <a:buAutoNum type="arabicPeriod"/>
-            </a:pPr>
-            <a:r>
-              <a:rPr lang="es-ES" sz="2000" dirty="0" smtClean="0">
-                <a:latin typeface="Arial" panose="020B0604020202020204" pitchFamily="34" charset="0"/>
-                <a:cs typeface="Arial" panose="020B0604020202020204" pitchFamily="34" charset="0"/>
-              </a:rPr>
-              <a:t>Se aplican y evalúan los algoritmos de clasificación.</a:t>
-            </a:r>
-          </a:p>
-          <a:p>
-            <a:pPr lvl="1"/>
-            <a:endParaRPr lang="es-ES" sz="2000" b="1" dirty="0"/>
-          </a:p>
-        </p:txBody>
-      </p:sp>
-      <p:sp>
-        <p:nvSpPr>
-          <p:cNvPr id="8" name="CuadroTexto 7"/>
-          <p:cNvSpPr txBox="1"/>
-          <p:nvPr/>
-        </p:nvSpPr>
-        <p:spPr>
-          <a:xfrm>
-            <a:off x="2815208" y="4829911"/>
-            <a:ext cx="5842992" cy="646331"/>
-          </a:xfrm>
-          <a:prstGeom prst="rect">
-            <a:avLst/>
-          </a:prstGeom>
-          <a:noFill/>
-        </p:spPr>
-        <p:txBody>
-          <a:bodyPr wrap="square" rtlCol="0">
-            <a:spAutoFit/>
-          </a:bodyPr>
-          <a:lstStyle/>
-          <a:p>
-            <a:r>
-              <a:rPr lang="es-ES" dirty="0" smtClean="0"/>
-              <a:t>Seleccionando el algoritmo con mejor desempeño, </a:t>
-            </a:r>
-            <a:r>
-              <a:rPr lang="es-ES" b="1" i="1" dirty="0" smtClean="0"/>
-              <a:t>clasificaremos los tuits </a:t>
-            </a:r>
-            <a:r>
-              <a:rPr lang="es-ES" dirty="0" smtClean="0"/>
-              <a:t>en una de las dos categorías.</a:t>
-            </a:r>
-            <a:endParaRPr lang="es-ES" dirty="0"/>
-          </a:p>
-        </p:txBody>
-      </p:sp>
-    </p:spTree>
-    <p:extLst>
-      <p:ext uri="{BB962C8B-B14F-4D97-AF65-F5344CB8AC3E}">
-        <p14:creationId xmlns:p14="http://schemas.microsoft.com/office/powerpoint/2010/main" val="1937633085"/>
+        <p14:creationId xmlns:p14="http://schemas.microsoft.com/office/powerpoint/2010/main" xmlns="" val="3407416649"/>
       </p:ext>
     </p:extLst>
   </p:cSld>
@@ -13457,6 +13438,310 @@
           <a:chExt cx="0" cy="0"/>
         </a:xfrm>
       </p:grpSpPr>
+      <p:pic>
+        <p:nvPicPr>
+          <p:cNvPr id="6" name="Marcador de contenido 5"/>
+          <p:cNvPicPr>
+            <a:picLocks noGrp="1" noChangeAspect="1"/>
+          </p:cNvPicPr>
+          <p:nvPr>
+            <p:ph idx="1"/>
+          </p:nvPr>
+        </p:nvPicPr>
+        <p:blipFill>
+          <a:blip r:embed="rId2"/>
+          <a:stretch>
+            <a:fillRect/>
+          </a:stretch>
+        </p:blipFill>
+        <p:spPr>
+          <a:xfrm>
+            <a:off x="220538" y="1988840"/>
+            <a:ext cx="2413096" cy="3528392"/>
+          </a:xfrm>
+          <a:prstGeom prst="rect">
+            <a:avLst/>
+          </a:prstGeom>
+        </p:spPr>
+      </p:pic>
+      <p:sp>
+        <p:nvSpPr>
+          <p:cNvPr id="3" name="Marcador de fecha 2"/>
+          <p:cNvSpPr>
+            <a:spLocks noGrp="1"/>
+          </p:cNvSpPr>
+          <p:nvPr>
+            <p:ph type="dt" sz="half" idx="10"/>
+          </p:nvPr>
+        </p:nvSpPr>
+        <p:spPr/>
+        <p:txBody>
+          <a:bodyPr/>
+          <a:lstStyle/>
+          <a:p>
+            <a:pPr>
+              <a:defRPr/>
+            </a:pPr>
+            <a:fld id="{882F50FD-F3D2-4536-8E00-A7860B730F6A}" type="datetime1">
+              <a:rPr lang="es-ES" smtClean="0"/>
+              <a:pPr>
+                <a:defRPr/>
+              </a:pPr>
+              <a:t>12/05/2017</a:t>
+            </a:fld>
+            <a:endParaRPr lang="es-ES" dirty="0"/>
+          </a:p>
+        </p:txBody>
+      </p:sp>
+      <p:sp>
+        <p:nvSpPr>
+          <p:cNvPr id="4" name="Marcador de pie de página 3"/>
+          <p:cNvSpPr>
+            <a:spLocks noGrp="1"/>
+          </p:cNvSpPr>
+          <p:nvPr>
+            <p:ph type="ftr" sz="quarter" idx="11"/>
+          </p:nvPr>
+        </p:nvSpPr>
+        <p:spPr/>
+        <p:txBody>
+          <a:bodyPr/>
+          <a:lstStyle/>
+          <a:p>
+            <a:pPr>
+              <a:defRPr/>
+            </a:pPr>
+            <a:r>
+              <a:rPr lang="es-ES" dirty="0" smtClean="0"/>
+              <a:t>Clasificación de Tuits y PNL</a:t>
+            </a:r>
+            <a:endParaRPr lang="es-ES" dirty="0"/>
+          </a:p>
+        </p:txBody>
+      </p:sp>
+      <p:sp>
+        <p:nvSpPr>
+          <p:cNvPr id="5" name="Marcador de número de diapositiva 4"/>
+          <p:cNvSpPr>
+            <a:spLocks noGrp="1"/>
+          </p:cNvSpPr>
+          <p:nvPr>
+            <p:ph type="sldNum" sz="quarter" idx="12"/>
+          </p:nvPr>
+        </p:nvSpPr>
+        <p:spPr/>
+        <p:txBody>
+          <a:bodyPr/>
+          <a:lstStyle/>
+          <a:p>
+            <a:pPr>
+              <a:defRPr/>
+            </a:pPr>
+            <a:fld id="{07ABBCD0-34FF-4EE4-BE2E-55B98D8D62A6}" type="slidenum">
+              <a:rPr lang="es-ES" smtClean="0"/>
+              <a:pPr>
+                <a:defRPr/>
+              </a:pPr>
+              <a:t>32</a:t>
+            </a:fld>
+            <a:endParaRPr lang="es-ES" dirty="0"/>
+          </a:p>
+        </p:txBody>
+      </p:sp>
+      <p:sp>
+        <p:nvSpPr>
+          <p:cNvPr id="7" name="CuadroTexto 6"/>
+          <p:cNvSpPr txBox="1"/>
+          <p:nvPr/>
+        </p:nvSpPr>
+        <p:spPr>
+          <a:xfrm>
+            <a:off x="2815208" y="1988840"/>
+            <a:ext cx="6120680" cy="2554545"/>
+          </a:xfrm>
+          <a:prstGeom prst="rect">
+            <a:avLst/>
+          </a:prstGeom>
+          <a:noFill/>
+        </p:spPr>
+        <p:txBody>
+          <a:bodyPr wrap="square" rtlCol="0">
+            <a:spAutoFit/>
+          </a:bodyPr>
+          <a:lstStyle/>
+          <a:p>
+            <a:pPr marL="285750" indent="-285750">
+              <a:buFont typeface="Arial" panose="020B0604020202020204" pitchFamily="34" charset="0"/>
+              <a:buChar char="•"/>
+            </a:pPr>
+            <a:r>
+              <a:rPr lang="es-ES" sz="2000" b="1" dirty="0" smtClean="0"/>
+              <a:t>Módulo 6: </a:t>
+            </a:r>
+            <a:r>
+              <a:rPr lang="es-ES" sz="2000" b="1" i="1" dirty="0" smtClean="0"/>
+              <a:t>clasificación</a:t>
+            </a:r>
+          </a:p>
+          <a:p>
+            <a:pPr marL="914400" lvl="1" indent="-457200">
+              <a:buFont typeface="+mj-lt"/>
+              <a:buAutoNum type="arabicPeriod"/>
+            </a:pPr>
+            <a:r>
+              <a:rPr lang="es-ES" sz="2000" dirty="0" smtClean="0"/>
+              <a:t>Elegidos los </a:t>
+            </a:r>
+            <a:r>
+              <a:rPr lang="es-ES" sz="2000" b="1" i="1" dirty="0" smtClean="0"/>
+              <a:t>atributos</a:t>
+            </a:r>
+            <a:r>
+              <a:rPr lang="es-ES" sz="2000" dirty="0" smtClean="0"/>
+              <a:t> - </a:t>
+            </a:r>
+            <a:r>
+              <a:rPr lang="es-ES" sz="2000" i="1" dirty="0" smtClean="0"/>
+              <a:t>términos</a:t>
+            </a:r>
+            <a:r>
+              <a:rPr lang="es-ES" sz="2000" dirty="0" smtClean="0"/>
+              <a:t> y </a:t>
+            </a:r>
+            <a:r>
+              <a:rPr lang="es-ES" sz="2000" i="1" dirty="0" smtClean="0"/>
+              <a:t>bigramas</a:t>
+            </a:r>
+            <a:r>
+              <a:rPr lang="es-ES" sz="2000" dirty="0" smtClean="0"/>
+              <a:t> - a usar en la clasificación mediante </a:t>
+            </a:r>
+            <a:r>
+              <a:rPr lang="el-GR" sz="2000" dirty="0" smtClean="0">
+                <a:latin typeface="Times New Roman" panose="02020603050405020304" pitchFamily="18" charset="0"/>
+                <a:cs typeface="Times New Roman" panose="02020603050405020304" pitchFamily="18" charset="0"/>
+              </a:rPr>
+              <a:t>χ</a:t>
+            </a:r>
+            <a:r>
+              <a:rPr lang="es-ES" sz="2000" baseline="30000" dirty="0" smtClean="0">
+                <a:latin typeface="Times New Roman" panose="02020603050405020304" pitchFamily="18" charset="0"/>
+                <a:cs typeface="Times New Roman" panose="02020603050405020304" pitchFamily="18" charset="0"/>
+              </a:rPr>
+              <a:t>2</a:t>
+            </a:r>
+            <a:r>
+              <a:rPr lang="es-ES" sz="2000" dirty="0" smtClean="0">
+                <a:latin typeface="Times New Roman" panose="02020603050405020304" pitchFamily="18" charset="0"/>
+                <a:cs typeface="Times New Roman" panose="02020603050405020304" pitchFamily="18" charset="0"/>
+              </a:rPr>
+              <a:t> </a:t>
+            </a:r>
+          </a:p>
+          <a:p>
+            <a:pPr marL="914400" lvl="1" indent="-457200">
+              <a:buFont typeface="+mj-lt"/>
+              <a:buAutoNum type="arabicPeriod"/>
+            </a:pPr>
+            <a:endParaRPr lang="es-ES" sz="2000" dirty="0" smtClean="0">
+              <a:latin typeface="Arial" panose="020B0604020202020204" pitchFamily="34" charset="0"/>
+              <a:cs typeface="Arial" panose="020B0604020202020204" pitchFamily="34" charset="0"/>
+            </a:endParaRPr>
+          </a:p>
+          <a:p>
+            <a:pPr marL="914400" lvl="1" indent="-457200">
+              <a:buFont typeface="+mj-lt"/>
+              <a:buAutoNum type="arabicPeriod"/>
+            </a:pPr>
+            <a:r>
+              <a:rPr lang="es-ES" sz="2000" dirty="0" smtClean="0">
+                <a:latin typeface="Arial" panose="020B0604020202020204" pitchFamily="34" charset="0"/>
+                <a:cs typeface="Arial" panose="020B0604020202020204" pitchFamily="34" charset="0"/>
+              </a:rPr>
+              <a:t>Se aplican y evalúan los algoritmos de clasificación.</a:t>
+            </a:r>
+          </a:p>
+          <a:p>
+            <a:pPr lvl="1"/>
+            <a:endParaRPr lang="es-ES" sz="2000" b="1" dirty="0"/>
+          </a:p>
+        </p:txBody>
+      </p:sp>
+      <p:sp>
+        <p:nvSpPr>
+          <p:cNvPr id="8" name="CuadroTexto 7"/>
+          <p:cNvSpPr txBox="1"/>
+          <p:nvPr/>
+        </p:nvSpPr>
+        <p:spPr>
+          <a:xfrm>
+            <a:off x="2815208" y="4829911"/>
+            <a:ext cx="5842992" cy="646331"/>
+          </a:xfrm>
+          <a:prstGeom prst="rect">
+            <a:avLst/>
+          </a:prstGeom>
+          <a:noFill/>
+        </p:spPr>
+        <p:txBody>
+          <a:bodyPr wrap="square" rtlCol="0">
+            <a:spAutoFit/>
+          </a:bodyPr>
+          <a:lstStyle/>
+          <a:p>
+            <a:r>
+              <a:rPr lang="es-ES" dirty="0" smtClean="0"/>
+              <a:t>Seleccionando el algoritmo con mejor desempeño, </a:t>
+            </a:r>
+            <a:r>
+              <a:rPr lang="es-ES" b="1" i="1" dirty="0" smtClean="0"/>
+              <a:t>clasificaremos los tuits </a:t>
+            </a:r>
+            <a:r>
+              <a:rPr lang="es-ES" dirty="0" smtClean="0"/>
+              <a:t>en una de las dos categorías.</a:t>
+            </a:r>
+            <a:endParaRPr lang="es-ES" dirty="0"/>
+          </a:p>
+        </p:txBody>
+      </p:sp>
+    </p:spTree>
+    <p:extLst>
+      <p:ext uri="{BB962C8B-B14F-4D97-AF65-F5344CB8AC3E}">
+        <p14:creationId xmlns:p14="http://schemas.microsoft.com/office/powerpoint/2010/main" xmlns="" val="1937633085"/>
+      </p:ext>
+    </p:extLst>
+  </p:cSld>
+  <p:clrMapOvr>
+    <a:masterClrMapping/>
+  </p:clrMapOvr>
+  <p:timing>
+    <p:tnLst>
+      <p:par>
+        <p:cTn id="1" dur="indefinite" restart="never" nodeType="tmRoot"/>
+      </p:par>
+    </p:tnLst>
+  </p:timing>
+</p:sld>
+</file>
+
+<file path=ppt/slides/slide33.xml><?xml version="1.0" encoding="utf-8"?>
+<p:sld xmlns:a="http://schemas.openxmlformats.org/drawingml/2006/main" xmlns:r="http://schemas.openxmlformats.org/officeDocument/2006/relationships" xmlns:p="http://schemas.openxmlformats.org/presentationml/2006/main">
+  <p:cSld>
+    <p:spTree>
+      <p:nvGrpSpPr>
+        <p:cNvPr id="1" name=""/>
+        <p:cNvGrpSpPr/>
+        <p:nvPr/>
+      </p:nvGrpSpPr>
+      <p:grpSpPr>
+        <a:xfrm>
+          <a:off x="0" y="0"/>
+          <a:ext cx="0" cy="0"/>
+          <a:chOff x="0" y="0"/>
+          <a:chExt cx="0" cy="0"/>
+        </a:xfrm>
+      </p:grpSpPr>
       <p:sp>
         <p:nvSpPr>
           <p:cNvPr id="2" name="Marcador de contenido 1"/>
@@ -13680,7 +13965,7 @@
               <a:pPr>
                 <a:defRPr/>
               </a:pPr>
-              <a:t>10/05/2017</a:t>
+              <a:t>12/05/2017</a:t>
             </a:fld>
             <a:endParaRPr lang="es-ES" dirty="0"/>
           </a:p>
@@ -13735,7 +14020,7 @@
               <a:pPr>
                 <a:defRPr/>
               </a:pPr>
-              <a:t>32</a:t>
+              <a:t>33</a:t>
             </a:fld>
             <a:endParaRPr lang="es-ES" dirty="0"/>
           </a:p>
@@ -13792,7 +14077,7 @@
     </p:spTree>
     <p:extLst>
       <p:ext uri="{BB962C8B-B14F-4D97-AF65-F5344CB8AC3E}">
-        <p14:creationId xmlns:p14="http://schemas.microsoft.com/office/powerpoint/2010/main" val="2286262721"/>
+        <p14:creationId xmlns:p14="http://schemas.microsoft.com/office/powerpoint/2010/main" xmlns="" val="2286262721"/>
       </p:ext>
     </p:extLst>
   </p:cSld>
@@ -13809,7 +14094,7 @@
 </p:sld>
 </file>
 
-<file path=ppt/slides/slide33.xml><?xml version="1.0" encoding="utf-8"?>
+<file path=ppt/slides/slide34.xml><?xml version="1.0" encoding="utf-8"?>
 <p:sld xmlns:a="http://schemas.openxmlformats.org/drawingml/2006/main" xmlns:r="http://schemas.openxmlformats.org/officeDocument/2006/relationships" xmlns:p="http://schemas.openxmlformats.org/presentationml/2006/main">
   <p:cSld>
     <p:spTree>
@@ -13827,7 +14112,7 @@
         </a:xfrm>
       </p:grpSpPr>
       <mc:AlternateContent xmlns:mc="http://schemas.openxmlformats.org/markup-compatibility/2006">
-        <mc:Choice xmlns:a14="http://schemas.microsoft.com/office/drawing/2010/main" Requires="a14">
+        <mc:Choice xmlns:a14="http://schemas.microsoft.com/office/drawing/2010/main" xmlns="" Requires="a14">
           <p:sp>
             <p:nvSpPr>
               <p:cNvPr id="2" name="Marcador de contenido 1"/>
@@ -13883,7 +14168,7 @@
                 </a:r>
                 <a:r>
                   <a:rPr lang="es-ES" sz="2000" i="1" dirty="0" smtClean="0"/>
-                  <a:t> </a:t>
+                  <a:t/>
                 </a:r>
                 <a:r>
                   <a:rPr lang="es-ES" sz="2000" dirty="0" smtClean="0"/>
@@ -13899,7 +14184,7 @@
                 </a:r>
                 <a:r>
                   <a:rPr lang="es-ES" sz="2000" i="1" dirty="0" smtClean="0"/>
-                  <a:t> </a:t>
+                  <a:t/>
                 </a:r>
                 <a:r>
                   <a:rPr lang="es-ES" sz="2000" dirty="0" smtClean="0"/>
@@ -14031,7 +14316,7 @@
                 </a:r>
                 <a:r>
                   <a:rPr lang="es-ES" sz="2000" i="1" dirty="0"/>
-                  <a:t> </a:t>
+                  <a:t/>
                 </a:r>
                 <a:r>
                   <a:rPr lang="es-ES" sz="2000" dirty="0"/>
@@ -14051,7 +14336,7 @@
                 </a:r>
                 <a:r>
                   <a:rPr lang="es-ES" sz="2000" i="1" dirty="0"/>
-                  <a:t> </a:t>
+                  <a:t/>
                 </a:r>
                 <a:r>
                   <a:rPr lang="es-ES" sz="2000" dirty="0" smtClean="0"/>
@@ -14085,7 +14370,7 @@
                 </a:r>
                 <a:r>
                   <a:rPr lang="es-ES" sz="2000" b="1" baseline="30000" dirty="0" smtClean="0"/>
-                  <a:t> </a:t>
+                  <a:t/>
                 </a:r>
                 <a:r>
                   <a:rPr lang="es-ES" sz="1600" dirty="0"/>
@@ -14097,7 +14382,7 @@
                 </a:r>
                 <a:r>
                   <a:rPr lang="es-ES" sz="2000" b="1" baseline="30000" dirty="0" smtClean="0"/>
-                  <a:t> </a:t>
+                  <a:t/>
                 </a:r>
                 <a:r>
                   <a:rPr lang="es-ES" sz="2000" dirty="0" smtClean="0"/>
@@ -14256,7 +14541,7 @@
               <a:pPr>
                 <a:defRPr/>
               </a:pPr>
-              <a:t>10/05/2017</a:t>
+              <a:t>12/05/2017</a:t>
             </a:fld>
             <a:endParaRPr lang="es-ES" dirty="0"/>
           </a:p>
@@ -14311,7 +14596,7 @@
               <a:pPr>
                 <a:defRPr/>
               </a:pPr>
-              <a:t>33</a:t>
+              <a:t>34</a:t>
             </a:fld>
             <a:endParaRPr lang="es-ES" dirty="0"/>
           </a:p>
@@ -14432,447 +14717,7 @@
     </p:spTree>
     <p:extLst>
       <p:ext uri="{BB962C8B-B14F-4D97-AF65-F5344CB8AC3E}">
-        <p14:creationId xmlns:p14="http://schemas.microsoft.com/office/powerpoint/2010/main" val="55723620"/>
-      </p:ext>
-    </p:extLst>
-  </p:cSld>
-  <p:clrMapOvr>
-    <a:masterClrMapping/>
-  </p:clrMapOvr>
-  <p:timing>
-    <p:tnLst>
-      <p:par>
-        <p:cTn id="1" dur="indefinite" restart="never" nodeType="tmRoot"/>
-      </p:par>
-    </p:tnLst>
-  </p:timing>
-</p:sld>
-</file>
-
-<file path=ppt/slides/slide34.xml><?xml version="1.0" encoding="utf-8"?>
-<p:sld xmlns:a="http://schemas.openxmlformats.org/drawingml/2006/main" xmlns:r="http://schemas.openxmlformats.org/officeDocument/2006/relationships" xmlns:p="http://schemas.openxmlformats.org/presentationml/2006/main">
-  <p:cSld>
-    <p:spTree>
-      <p:nvGrpSpPr>
-        <p:cNvPr id="1" name=""/>
-        <p:cNvGrpSpPr/>
-        <p:nvPr/>
-      </p:nvGrpSpPr>
-      <p:grpSpPr>
-        <a:xfrm>
-          <a:off x="0" y="0"/>
-          <a:ext cx="0" cy="0"/>
-          <a:chOff x="0" y="0"/>
-          <a:chExt cx="0" cy="0"/>
-        </a:xfrm>
-      </p:grpSpPr>
-      <p:sp>
-        <p:nvSpPr>
-          <p:cNvPr id="2" name="Marcador de contenido 1"/>
-          <p:cNvSpPr>
-            <a:spLocks noGrp="1"/>
-          </p:cNvSpPr>
-          <p:nvPr>
-            <p:ph idx="1"/>
-          </p:nvPr>
-        </p:nvSpPr>
-        <p:spPr>
-          <a:xfrm>
-            <a:off x="457200" y="1268760"/>
-            <a:ext cx="8229600" cy="4525963"/>
-          </a:xfrm>
-        </p:spPr>
-        <p:txBody>
-          <a:bodyPr/>
-          <a:lstStyle/>
-          <a:p>
-            <a:pPr marL="0" indent="0" algn="ctr">
-              <a:buNone/>
-            </a:pPr>
-            <a:r>
-              <a:rPr lang="es-ES" b="1" dirty="0" smtClean="0"/>
-              <a:t>Breve repaso a ponderaciones tf-idf </a:t>
-            </a:r>
-            <a:r>
-              <a:rPr lang="es-ES" dirty="0" smtClean="0"/>
-              <a:t>(3)</a:t>
-            </a:r>
-          </a:p>
-          <a:p>
-            <a:pPr>
-              <a:buFont typeface="+mj-lt"/>
-              <a:buAutoNum type="arabicPeriod"/>
-            </a:pPr>
-            <a:r>
-              <a:rPr lang="es-ES" sz="2400" b="1" dirty="0" smtClean="0"/>
-              <a:t>idf</a:t>
-            </a:r>
-            <a:r>
-              <a:rPr lang="es-ES" sz="2400" b="1" baseline="-25000" dirty="0" smtClean="0"/>
-              <a:t>t </a:t>
-            </a:r>
-            <a:r>
-              <a:rPr lang="es-ES" sz="2400" dirty="0" smtClean="0"/>
-              <a:t> corrige a </a:t>
-            </a:r>
-            <a:r>
-              <a:rPr lang="es-ES" sz="2400" b="1" dirty="0" smtClean="0"/>
-              <a:t>tf </a:t>
-            </a:r>
-            <a:r>
-              <a:rPr lang="es-ES" sz="2400" dirty="0" smtClean="0"/>
-              <a:t>dando ponderaciones:</a:t>
-            </a:r>
-          </a:p>
-          <a:p>
-            <a:pPr lvl="1">
-              <a:buFont typeface="+mj-lt"/>
-              <a:buAutoNum type="arabicPeriod"/>
-            </a:pPr>
-            <a:r>
-              <a:rPr lang="es-ES" sz="2400" i="1" dirty="0" smtClean="0"/>
-              <a:t>elevadas</a:t>
-            </a:r>
-            <a:r>
-              <a:rPr lang="es-ES" sz="2400" dirty="0" smtClean="0"/>
-              <a:t>   a términos </a:t>
-            </a:r>
-            <a:r>
-              <a:rPr lang="es-ES" sz="2400" i="1" dirty="0" smtClean="0"/>
-              <a:t>raros</a:t>
-            </a:r>
-          </a:p>
-          <a:p>
-            <a:pPr lvl="1">
-              <a:buFont typeface="+mj-lt"/>
-              <a:buAutoNum type="arabicPeriod"/>
-            </a:pPr>
-            <a:r>
-              <a:rPr lang="es-ES" sz="2400" i="1" dirty="0" smtClean="0"/>
-              <a:t>bajas </a:t>
-            </a:r>
-            <a:r>
-              <a:rPr lang="es-ES" sz="2400" dirty="0" smtClean="0"/>
-              <a:t>a términos </a:t>
-            </a:r>
-            <a:r>
-              <a:rPr lang="es-ES" sz="2400" i="1" dirty="0" smtClean="0"/>
-              <a:t>frecuentes</a:t>
-            </a:r>
-          </a:p>
-          <a:p>
-            <a:pPr>
-              <a:buFont typeface="+mj-lt"/>
-              <a:buAutoNum type="arabicPeriod"/>
-            </a:pPr>
-            <a:r>
-              <a:rPr lang="es-ES" sz="2400" dirty="0" smtClean="0"/>
-              <a:t>Por tanto asignamos </a:t>
-            </a:r>
-            <a:r>
-              <a:rPr lang="es-ES" sz="2400" i="1" dirty="0" smtClean="0"/>
-              <a:t>un peso tf-idf  </a:t>
-            </a:r>
-            <a:r>
-              <a:rPr lang="es-ES" sz="2400" dirty="0" smtClean="0"/>
-              <a:t>a cada término t en el documento d:</a:t>
-            </a:r>
-          </a:p>
-          <a:p>
-            <a:pPr>
-              <a:buFont typeface="+mj-lt"/>
-              <a:buAutoNum type="arabicPeriod"/>
-            </a:pPr>
-            <a:endParaRPr lang="es-ES" sz="2400" dirty="0" smtClean="0"/>
-          </a:p>
-          <a:p>
-            <a:pPr>
-              <a:buFont typeface="+mj-lt"/>
-              <a:buAutoNum type="arabicPeriod"/>
-            </a:pPr>
-            <a:r>
-              <a:rPr lang="es-ES" sz="2400" b="1" dirty="0" smtClean="0"/>
-              <a:t>W</a:t>
-            </a:r>
-            <a:r>
-              <a:rPr lang="es-ES" sz="2400" b="1" baseline="-25000" dirty="0" smtClean="0"/>
-              <a:t>t,d</a:t>
-            </a:r>
-            <a:r>
-              <a:rPr lang="es-ES" sz="2400" dirty="0" smtClean="0"/>
-              <a:t> :</a:t>
-            </a:r>
-          </a:p>
-          <a:p>
-            <a:pPr lvl="1">
-              <a:buFont typeface="+mj-lt"/>
-              <a:buAutoNum type="arabicPeriod"/>
-            </a:pPr>
-            <a:r>
-              <a:rPr lang="es-ES" sz="2000" dirty="0" smtClean="0"/>
-              <a:t>aumenta con </a:t>
-            </a:r>
-            <a:r>
-              <a:rPr lang="es-ES" sz="2000" i="1" dirty="0" smtClean="0"/>
-              <a:t>tf</a:t>
-            </a:r>
-            <a:r>
-              <a:rPr lang="es-ES" sz="2000" dirty="0" smtClean="0"/>
-              <a:t>  (</a:t>
-            </a:r>
-            <a:r>
-              <a:rPr lang="es-ES" sz="2000" i="1" dirty="0" smtClean="0"/>
-              <a:t>ocurrencias</a:t>
-            </a:r>
-            <a:r>
-              <a:rPr lang="es-ES" sz="2000" dirty="0" smtClean="0"/>
-              <a:t> de </a:t>
-            </a:r>
-            <a:r>
-              <a:rPr lang="es-ES" sz="2000" i="1" dirty="0" smtClean="0"/>
-              <a:t>t</a:t>
-            </a:r>
-            <a:r>
-              <a:rPr lang="es-ES" sz="2000" dirty="0" smtClean="0"/>
-              <a:t> en un documento </a:t>
-            </a:r>
-            <a:r>
-              <a:rPr lang="es-ES" sz="2000" i="1" dirty="0" smtClean="0"/>
-              <a:t>d</a:t>
-            </a:r>
-            <a:r>
-              <a:rPr lang="es-ES" sz="2000" dirty="0" smtClean="0"/>
-              <a:t>)</a:t>
-            </a:r>
-          </a:p>
-          <a:p>
-            <a:pPr lvl="1">
-              <a:buFont typeface="+mj-lt"/>
-              <a:buAutoNum type="arabicPeriod"/>
-            </a:pPr>
-            <a:r>
-              <a:rPr lang="es-ES" sz="2000" dirty="0" smtClean="0"/>
-              <a:t>Aumenta con la </a:t>
-            </a:r>
-            <a:r>
-              <a:rPr lang="es-ES" sz="2000" i="1" dirty="0" smtClean="0"/>
-              <a:t>rareza </a:t>
-            </a:r>
-            <a:r>
-              <a:rPr lang="es-ES" sz="2000" dirty="0" smtClean="0"/>
-              <a:t>del término </a:t>
-            </a:r>
-            <a:r>
-              <a:rPr lang="es-ES" sz="2000" i="1" dirty="0" smtClean="0"/>
-              <a:t>t</a:t>
-            </a:r>
-            <a:r>
-              <a:rPr lang="es-ES" sz="2000" dirty="0" smtClean="0"/>
-              <a:t> en el corpus.</a:t>
-            </a:r>
-          </a:p>
-          <a:p>
-            <a:pPr marL="57150" indent="0">
-              <a:buNone/>
-            </a:pPr>
-            <a:endParaRPr lang="es-ES" sz="2400" dirty="0" smtClean="0"/>
-          </a:p>
-          <a:p>
-            <a:pPr marL="457200" lvl="1" indent="0">
-              <a:buNone/>
-            </a:pPr>
-            <a:r>
-              <a:rPr lang="es-ES" sz="1200" b="1" dirty="0" smtClean="0"/>
-              <a:t>Nota</a:t>
-            </a:r>
-            <a:r>
-              <a:rPr lang="es-ES" sz="1200" dirty="0" smtClean="0"/>
-              <a:t>: El esquema completo de ponderación requiere además un factor de </a:t>
-            </a:r>
-            <a:r>
-              <a:rPr lang="es-ES" sz="1200" b="1" dirty="0" smtClean="0"/>
-              <a:t>normalización </a:t>
-            </a:r>
-            <a:r>
-              <a:rPr lang="es-ES" sz="1200" dirty="0" smtClean="0"/>
-              <a:t>que tome en cuanta las diferentes longitudes de los documentos. En el caso de tuits, este factor es despreciable. </a:t>
-            </a:r>
-            <a:endParaRPr lang="es-ES" sz="1200" b="1" dirty="0" smtClean="0"/>
-          </a:p>
-          <a:p>
-            <a:pPr lvl="1" indent="-342900">
-              <a:buFont typeface="+mj-lt"/>
-              <a:buAutoNum type="arabicPeriod"/>
-            </a:pPr>
-            <a:endParaRPr lang="es-ES" sz="1600" dirty="0" smtClean="0"/>
-          </a:p>
-          <a:p>
-            <a:pPr lvl="1" indent="-342900">
-              <a:buFont typeface="+mj-lt"/>
-              <a:buAutoNum type="arabicPeriod"/>
-            </a:pPr>
-            <a:endParaRPr lang="es-ES" sz="1600" dirty="0" smtClean="0"/>
-          </a:p>
-          <a:p>
-            <a:pPr lvl="1" indent="-342900">
-              <a:buFont typeface="+mj-lt"/>
-              <a:buAutoNum type="arabicPeriod"/>
-            </a:pPr>
-            <a:endParaRPr lang="es-ES" sz="1600" dirty="0" smtClean="0"/>
-          </a:p>
-          <a:p>
-            <a:pPr>
-              <a:buFont typeface="+mj-lt"/>
-              <a:buAutoNum type="arabicPeriod"/>
-            </a:pPr>
-            <a:endParaRPr lang="es-ES" sz="2000" b="1" dirty="0" smtClean="0"/>
-          </a:p>
-          <a:p>
-            <a:pPr marL="457200" indent="-457200">
-              <a:buFont typeface="+mj-lt"/>
-              <a:buAutoNum type="arabicPeriod"/>
-            </a:pPr>
-            <a:endParaRPr lang="es-ES" sz="2000" i="1" dirty="0" smtClean="0"/>
-          </a:p>
-          <a:p>
-            <a:pPr marL="0" indent="0">
-              <a:buNone/>
-            </a:pPr>
-            <a:endParaRPr lang="es-ES" sz="2000" i="1" dirty="0" smtClean="0"/>
-          </a:p>
-          <a:p>
-            <a:pPr marL="400050" lvl="1" indent="0">
-              <a:buNone/>
-            </a:pPr>
-            <a:endParaRPr lang="es-ES" sz="2000" i="1" dirty="0" smtClean="0"/>
-          </a:p>
-          <a:p>
-            <a:pPr marL="457200" indent="-457200">
-              <a:buFont typeface="+mj-lt"/>
-              <a:buAutoNum type="arabicPeriod"/>
-            </a:pPr>
-            <a:endParaRPr lang="es-ES" sz="2400" i="1" dirty="0" smtClean="0"/>
-          </a:p>
-          <a:p>
-            <a:pPr marL="0" indent="0">
-              <a:buNone/>
-            </a:pPr>
-            <a:endParaRPr lang="es-ES" sz="2000" i="1" dirty="0"/>
-          </a:p>
-        </p:txBody>
-      </p:sp>
-      <p:sp>
-        <p:nvSpPr>
-          <p:cNvPr id="3" name="Marcador de fecha 2"/>
-          <p:cNvSpPr>
-            <a:spLocks noGrp="1"/>
-          </p:cNvSpPr>
-          <p:nvPr>
-            <p:ph type="dt" sz="half" idx="10"/>
-          </p:nvPr>
-        </p:nvSpPr>
-        <p:spPr/>
-        <p:txBody>
-          <a:bodyPr/>
-          <a:lstStyle/>
-          <a:p>
-            <a:pPr>
-              <a:defRPr/>
-            </a:pPr>
-            <a:fld id="{882F50FD-F3D2-4536-8E00-A7860B730F6A}" type="datetime1">
-              <a:rPr lang="es-ES" smtClean="0"/>
-              <a:pPr>
-                <a:defRPr/>
-              </a:pPr>
-              <a:t>10/05/2017</a:t>
-            </a:fld>
-            <a:endParaRPr lang="es-ES" dirty="0"/>
-          </a:p>
-        </p:txBody>
-      </p:sp>
-      <p:sp>
-        <p:nvSpPr>
-          <p:cNvPr id="4" name="Marcador de pie de página 3"/>
-          <p:cNvSpPr>
-            <a:spLocks noGrp="1"/>
-          </p:cNvSpPr>
-          <p:nvPr>
-            <p:ph type="ftr" sz="quarter" idx="11"/>
-          </p:nvPr>
-        </p:nvSpPr>
-        <p:spPr/>
-        <p:txBody>
-          <a:bodyPr/>
-          <a:lstStyle/>
-          <a:p>
-            <a:pPr>
-              <a:defRPr/>
-            </a:pPr>
-            <a:r>
-              <a:rPr lang="es-ES" dirty="0" smtClean="0"/>
-              <a:t>Clasificación de Tuits y PNL</a:t>
-            </a:r>
-            <a:endParaRPr lang="es-ES" dirty="0"/>
-          </a:p>
-        </p:txBody>
-      </p:sp>
-      <p:sp>
-        <p:nvSpPr>
-          <p:cNvPr id="5" name="Marcador de número de diapositiva 4"/>
-          <p:cNvSpPr>
-            <a:spLocks noGrp="1"/>
-          </p:cNvSpPr>
-          <p:nvPr>
-            <p:ph type="sldNum" sz="quarter" idx="12"/>
-          </p:nvPr>
-        </p:nvSpPr>
-        <p:spPr/>
-        <p:txBody>
-          <a:bodyPr/>
-          <a:lstStyle/>
-          <a:p>
-            <a:pPr>
-              <a:defRPr/>
-            </a:pPr>
-            <a:fld id="{07ABBCD0-34FF-4EE4-BE2E-55B98D8D62A6}" type="slidenum">
-              <a:rPr lang="es-ES" smtClean="0"/>
-              <a:pPr>
-                <a:defRPr/>
-              </a:pPr>
-              <a:t>34</a:t>
-            </a:fld>
-            <a:endParaRPr lang="es-ES" dirty="0"/>
-          </a:p>
-        </p:txBody>
-      </p:sp>
-      <p:pic>
-        <p:nvPicPr>
-          <p:cNvPr id="8" name="Imagen 7"/>
-          <p:cNvPicPr>
-            <a:picLocks noChangeAspect="1"/>
-          </p:cNvPicPr>
-          <p:nvPr/>
-        </p:nvPicPr>
-        <p:blipFill>
-          <a:blip r:embed="rId2"/>
-          <a:stretch>
-            <a:fillRect/>
-          </a:stretch>
-        </p:blipFill>
-        <p:spPr>
-          <a:xfrm>
-            <a:off x="2247900" y="4005064"/>
-            <a:ext cx="4305300" cy="628650"/>
-          </a:xfrm>
-          <a:prstGeom prst="rect">
-            <a:avLst/>
-          </a:prstGeom>
-        </p:spPr>
-      </p:pic>
-    </p:spTree>
-    <p:extLst>
-      <p:ext uri="{BB962C8B-B14F-4D97-AF65-F5344CB8AC3E}">
-        <p14:creationId xmlns:p14="http://schemas.microsoft.com/office/powerpoint/2010/main" val="714492658"/>
+        <p14:creationId xmlns:p14="http://schemas.microsoft.com/office/powerpoint/2010/main" xmlns="" val="55723620"/>
       </p:ext>
     </p:extLst>
   </p:cSld>
@@ -14918,8 +14763,8 @@
         </p:nvSpPr>
         <p:spPr>
           <a:xfrm>
-            <a:off x="457200" y="1052736"/>
-            <a:ext cx="8229600" cy="5073427"/>
+            <a:off x="457200" y="1268760"/>
+            <a:ext cx="8229600" cy="4525963"/>
           </a:xfrm>
         </p:spPr>
         <p:txBody>
@@ -14930,45 +14775,274 @@
               <a:buNone/>
             </a:pPr>
             <a:r>
-              <a:rPr lang="es-ES" b="1" dirty="0"/>
+              <a:rPr lang="es-ES" b="1" dirty="0" smtClean="0"/>
               <a:t>Breve repaso a ponderaciones tf-idf </a:t>
             </a:r>
             <a:r>
               <a:rPr lang="es-ES" dirty="0" smtClean="0"/>
-              <a:t>(4)</a:t>
-            </a:r>
-          </a:p>
-          <a:p>
-            <a:r>
-              <a:rPr lang="es-ES" dirty="0" smtClean="0"/>
-              <a:t>Vector de pesos tf-idf</a:t>
-            </a:r>
-          </a:p>
-          <a:p>
-            <a:endParaRPr lang="es-ES" dirty="0"/>
-          </a:p>
-          <a:p>
-            <a:endParaRPr lang="es-ES" dirty="0" smtClean="0"/>
-          </a:p>
-          <a:p>
-            <a:endParaRPr lang="es-ES" dirty="0"/>
-          </a:p>
-          <a:p>
-            <a:endParaRPr lang="es-ES" dirty="0" smtClean="0"/>
-          </a:p>
-          <a:p>
-            <a:r>
-              <a:rPr lang="es-ES" sz="2800" dirty="0" smtClean="0"/>
-              <a:t>Si se normaliza por </a:t>
-            </a:r>
-            <a:r>
-              <a:rPr lang="es-ES" sz="2800" i="1" dirty="0" smtClean="0"/>
-              <a:t>longitud</a:t>
-            </a:r>
-            <a:endParaRPr lang="es-ES" sz="2800" i="1" dirty="0"/>
-          </a:p>
-          <a:p>
-            <a:endParaRPr lang="es-ES" dirty="0"/>
+              <a:t>(3)</a:t>
+            </a:r>
+          </a:p>
+          <a:p>
+            <a:pPr>
+              <a:buFont typeface="+mj-lt"/>
+              <a:buAutoNum type="arabicPeriod"/>
+            </a:pPr>
+            <a:r>
+              <a:rPr lang="es-ES" sz="2400" b="1" dirty="0" smtClean="0"/>
+              <a:t>idf</a:t>
+            </a:r>
+            <a:r>
+              <a:rPr lang="es-ES" sz="2400" b="1" baseline="-25000" dirty="0" smtClean="0"/>
+              <a:t>t </a:t>
+            </a:r>
+            <a:r>
+              <a:rPr lang="es-ES" sz="2400" dirty="0" smtClean="0"/>
+              <a:t> corrige a </a:t>
+            </a:r>
+            <a:r>
+              <a:rPr lang="es-ES" sz="2400" b="1" dirty="0" smtClean="0"/>
+              <a:t>tf </a:t>
+            </a:r>
+            <a:r>
+              <a:rPr lang="es-ES" sz="2400" dirty="0" smtClean="0"/>
+              <a:t>dando ponderaciones:</a:t>
+            </a:r>
+          </a:p>
+          <a:p>
+            <a:pPr lvl="1">
+              <a:buFont typeface="+mj-lt"/>
+              <a:buAutoNum type="arabicPeriod"/>
+            </a:pPr>
+            <a:r>
+              <a:rPr lang="es-ES" sz="2400" i="1" dirty="0" smtClean="0"/>
+              <a:t>elevadas</a:t>
+            </a:r>
+            <a:r>
+              <a:rPr lang="es-ES" sz="2400" dirty="0" smtClean="0"/>
+              <a:t>   a términos </a:t>
+            </a:r>
+            <a:r>
+              <a:rPr lang="es-ES" sz="2400" i="1" dirty="0" smtClean="0"/>
+              <a:t>raros</a:t>
+            </a:r>
+          </a:p>
+          <a:p>
+            <a:pPr lvl="1">
+              <a:buFont typeface="+mj-lt"/>
+              <a:buAutoNum type="arabicPeriod"/>
+            </a:pPr>
+            <a:r>
+              <a:rPr lang="es-ES" sz="2400" i="1" dirty="0" smtClean="0"/>
+              <a:t>bajas </a:t>
+            </a:r>
+            <a:r>
+              <a:rPr lang="es-ES" sz="2400" dirty="0" smtClean="0"/>
+              <a:t>a términos </a:t>
+            </a:r>
+            <a:r>
+              <a:rPr lang="es-ES" sz="2400" i="1" dirty="0" smtClean="0"/>
+              <a:t>frecuentes</a:t>
+            </a:r>
+          </a:p>
+          <a:p>
+            <a:pPr>
+              <a:buFont typeface="+mj-lt"/>
+              <a:buAutoNum type="arabicPeriod"/>
+            </a:pPr>
+            <a:r>
+              <a:rPr lang="es-ES" sz="2400" dirty="0" smtClean="0"/>
+              <a:t>Por tanto asignamos </a:t>
+            </a:r>
+            <a:r>
+              <a:rPr lang="es-ES" sz="2400" i="1" dirty="0" smtClean="0"/>
+              <a:t>un peso tf-idf  </a:t>
+            </a:r>
+            <a:r>
+              <a:rPr lang="es-ES" sz="2400" dirty="0" smtClean="0"/>
+              <a:t>a cada término t en el documento d:</a:t>
+            </a:r>
+          </a:p>
+          <a:p>
+            <a:pPr>
+              <a:buFont typeface="+mj-lt"/>
+              <a:buAutoNum type="arabicPeriod"/>
+            </a:pPr>
+            <a:endParaRPr lang="es-ES" sz="2400" dirty="0" smtClean="0"/>
+          </a:p>
+          <a:p>
+            <a:pPr>
+              <a:buFont typeface="+mj-lt"/>
+              <a:buAutoNum type="arabicPeriod"/>
+            </a:pPr>
+            <a:r>
+              <a:rPr lang="es-ES" sz="2400" b="1" dirty="0" smtClean="0"/>
+              <a:t>W</a:t>
+            </a:r>
+            <a:r>
+              <a:rPr lang="es-ES" sz="2400" b="1" baseline="-25000" dirty="0" smtClean="0"/>
+              <a:t>t,d</a:t>
+            </a:r>
+            <a:r>
+              <a:rPr lang="es-ES" sz="2400" dirty="0" smtClean="0"/>
+              <a:t> :</a:t>
+            </a:r>
+          </a:p>
+          <a:p>
+            <a:pPr lvl="1">
+              <a:buFont typeface="+mj-lt"/>
+              <a:buAutoNum type="arabicPeriod"/>
+            </a:pPr>
+            <a:r>
+              <a:rPr lang="es-ES" sz="2000" dirty="0" smtClean="0"/>
+              <a:t>aumenta con </a:t>
+            </a:r>
+            <a:r>
+              <a:rPr lang="es-ES" sz="2000" i="1" dirty="0" smtClean="0"/>
+              <a:t>tf</a:t>
+            </a:r>
+            <a:r>
+              <a:rPr lang="es-ES" sz="2000" dirty="0" smtClean="0"/>
+              <a:t>  (</a:t>
+            </a:r>
+            <a:r>
+              <a:rPr lang="es-ES" sz="2000" i="1" dirty="0" smtClean="0"/>
+              <a:t>ocurrencias</a:t>
+            </a:r>
+            <a:r>
+              <a:rPr lang="es-ES" sz="2000" dirty="0" smtClean="0"/>
+              <a:t> de </a:t>
+            </a:r>
+            <a:r>
+              <a:rPr lang="es-ES" sz="2000" i="1" dirty="0" smtClean="0"/>
+              <a:t>t</a:t>
+            </a:r>
+            <a:r>
+              <a:rPr lang="es-ES" sz="2000" dirty="0" smtClean="0"/>
+              <a:t> en un documento </a:t>
+            </a:r>
+            <a:r>
+              <a:rPr lang="es-ES" sz="2000" i="1" dirty="0" smtClean="0"/>
+              <a:t>d</a:t>
+            </a:r>
+            <a:r>
+              <a:rPr lang="es-ES" sz="2000" dirty="0" smtClean="0"/>
+              <a:t>)</a:t>
+            </a:r>
+          </a:p>
+          <a:p>
+            <a:pPr lvl="1">
+              <a:buFont typeface="+mj-lt"/>
+              <a:buAutoNum type="arabicPeriod"/>
+            </a:pPr>
+            <a:r>
+              <a:rPr lang="es-ES" sz="2000" dirty="0" smtClean="0"/>
+              <a:t>Aumenta con la </a:t>
+            </a:r>
+            <a:r>
+              <a:rPr lang="es-ES" sz="2000" i="1" dirty="0" smtClean="0"/>
+              <a:t>rareza </a:t>
+            </a:r>
+            <a:r>
+              <a:rPr lang="es-ES" sz="2000" dirty="0" smtClean="0"/>
+              <a:t>del término </a:t>
+            </a:r>
+            <a:r>
+              <a:rPr lang="es-ES" sz="2000" i="1" dirty="0" smtClean="0"/>
+              <a:t>t</a:t>
+            </a:r>
+            <a:r>
+              <a:rPr lang="es-ES" sz="2000" dirty="0" smtClean="0"/>
+              <a:t> en el corpus.</a:t>
+            </a:r>
+          </a:p>
+          <a:p>
+            <a:pPr marL="57150" indent="0">
+              <a:buNone/>
+            </a:pPr>
+            <a:endParaRPr lang="es-ES" sz="2400" dirty="0" smtClean="0"/>
+          </a:p>
+          <a:p>
+            <a:pPr marL="457200" lvl="1" indent="0">
+              <a:buNone/>
+            </a:pPr>
+            <a:r>
+              <a:rPr lang="es-ES" sz="1200" b="1" dirty="0" smtClean="0"/>
+              <a:t>Nota</a:t>
+            </a:r>
+            <a:r>
+              <a:rPr lang="es-ES" sz="1200" dirty="0" smtClean="0"/>
+              <a:t>: El esquema completo de ponderación requiere además un factor de </a:t>
+            </a:r>
+            <a:r>
+              <a:rPr lang="es-ES" sz="1200" b="1" dirty="0" smtClean="0"/>
+              <a:t>normalización </a:t>
+            </a:r>
+            <a:r>
+              <a:rPr lang="es-ES" sz="1200" dirty="0" smtClean="0"/>
+              <a:t>que tome en cuanta las diferentes longitudes de los documentos. En el caso de tuits, este factor es despreciable. </a:t>
+            </a:r>
+            <a:endParaRPr lang="es-ES" sz="1200" b="1" dirty="0" smtClean="0"/>
+          </a:p>
+          <a:p>
+            <a:pPr lvl="1" indent="-342900">
+              <a:buFont typeface="+mj-lt"/>
+              <a:buAutoNum type="arabicPeriod"/>
+            </a:pPr>
+            <a:endParaRPr lang="es-ES" sz="1600" dirty="0" smtClean="0"/>
+          </a:p>
+          <a:p>
+            <a:pPr lvl="1" indent="-342900">
+              <a:buFont typeface="+mj-lt"/>
+              <a:buAutoNum type="arabicPeriod"/>
+            </a:pPr>
+            <a:endParaRPr lang="es-ES" sz="1600" dirty="0" smtClean="0"/>
+          </a:p>
+          <a:p>
+            <a:pPr lvl="1" indent="-342900">
+              <a:buFont typeface="+mj-lt"/>
+              <a:buAutoNum type="arabicPeriod"/>
+            </a:pPr>
+            <a:endParaRPr lang="es-ES" sz="1600" dirty="0" smtClean="0"/>
+          </a:p>
+          <a:p>
+            <a:pPr>
+              <a:buFont typeface="+mj-lt"/>
+              <a:buAutoNum type="arabicPeriod"/>
+            </a:pPr>
+            <a:endParaRPr lang="es-ES" sz="2000" b="1" dirty="0" smtClean="0"/>
+          </a:p>
+          <a:p>
+            <a:pPr marL="457200" indent="-457200">
+              <a:buFont typeface="+mj-lt"/>
+              <a:buAutoNum type="arabicPeriod"/>
+            </a:pPr>
+            <a:endParaRPr lang="es-ES" sz="2000" i="1" dirty="0" smtClean="0"/>
+          </a:p>
+          <a:p>
+            <a:pPr marL="0" indent="0">
+              <a:buNone/>
+            </a:pPr>
+            <a:endParaRPr lang="es-ES" sz="2000" i="1" dirty="0" smtClean="0"/>
+          </a:p>
+          <a:p>
+            <a:pPr marL="400050" lvl="1" indent="0">
+              <a:buNone/>
+            </a:pPr>
+            <a:endParaRPr lang="es-ES" sz="2000" i="1" dirty="0" smtClean="0"/>
+          </a:p>
+          <a:p>
+            <a:pPr marL="457200" indent="-457200">
+              <a:buFont typeface="+mj-lt"/>
+              <a:buAutoNum type="arabicPeriod"/>
+            </a:pPr>
+            <a:endParaRPr lang="es-ES" sz="2400" i="1" dirty="0" smtClean="0"/>
+          </a:p>
+          <a:p>
+            <a:pPr marL="0" indent="0">
+              <a:buNone/>
+            </a:pPr>
+            <a:endParaRPr lang="es-ES" sz="2000" i="1" dirty="0"/>
           </a:p>
         </p:txBody>
       </p:sp>
@@ -14995,7 +15069,7 @@
               <a:pPr>
                 <a:defRPr/>
               </a:pPr>
-              <a:t>10/05/2017</a:t>
+              <a:t>12/05/2017</a:t>
             </a:fld>
             <a:endParaRPr lang="es-ES" dirty="0"/>
           </a:p>
@@ -15051,6 +15125,217 @@
                 <a:defRPr/>
               </a:pPr>
               <a:t>35</a:t>
+            </a:fld>
+            <a:endParaRPr lang="es-ES" dirty="0"/>
+          </a:p>
+        </p:txBody>
+      </p:sp>
+      <p:pic>
+        <p:nvPicPr>
+          <p:cNvPr id="8" name="Imagen 7"/>
+          <p:cNvPicPr>
+            <a:picLocks noChangeAspect="1"/>
+          </p:cNvPicPr>
+          <p:nvPr/>
+        </p:nvPicPr>
+        <p:blipFill>
+          <a:blip r:embed="rId2"/>
+          <a:stretch>
+            <a:fillRect/>
+          </a:stretch>
+        </p:blipFill>
+        <p:spPr>
+          <a:xfrm>
+            <a:off x="2247900" y="4005064"/>
+            <a:ext cx="4305300" cy="628650"/>
+          </a:xfrm>
+          <a:prstGeom prst="rect">
+            <a:avLst/>
+          </a:prstGeom>
+        </p:spPr>
+      </p:pic>
+    </p:spTree>
+    <p:extLst>
+      <p:ext uri="{BB962C8B-B14F-4D97-AF65-F5344CB8AC3E}">
+        <p14:creationId xmlns:p14="http://schemas.microsoft.com/office/powerpoint/2010/main" xmlns="" val="714492658"/>
+      </p:ext>
+    </p:extLst>
+  </p:cSld>
+  <p:clrMapOvr>
+    <a:masterClrMapping/>
+  </p:clrMapOvr>
+  <p:timing>
+    <p:tnLst>
+      <p:par>
+        <p:cTn id="1" dur="indefinite" restart="never" nodeType="tmRoot"/>
+      </p:par>
+    </p:tnLst>
+  </p:timing>
+</p:sld>
+</file>
+
+<file path=ppt/slides/slide36.xml><?xml version="1.0" encoding="utf-8"?>
+<p:sld xmlns:a="http://schemas.openxmlformats.org/drawingml/2006/main" xmlns:r="http://schemas.openxmlformats.org/officeDocument/2006/relationships" xmlns:p="http://schemas.openxmlformats.org/presentationml/2006/main">
+  <p:cSld>
+    <p:spTree>
+      <p:nvGrpSpPr>
+        <p:cNvPr id="1" name=""/>
+        <p:cNvGrpSpPr/>
+        <p:nvPr/>
+      </p:nvGrpSpPr>
+      <p:grpSpPr>
+        <a:xfrm>
+          <a:off x="0" y="0"/>
+          <a:ext cx="0" cy="0"/>
+          <a:chOff x="0" y="0"/>
+          <a:chExt cx="0" cy="0"/>
+        </a:xfrm>
+      </p:grpSpPr>
+      <p:sp>
+        <p:nvSpPr>
+          <p:cNvPr id="2" name="Marcador de contenido 1"/>
+          <p:cNvSpPr>
+            <a:spLocks noGrp="1"/>
+          </p:cNvSpPr>
+          <p:nvPr>
+            <p:ph idx="1"/>
+          </p:nvPr>
+        </p:nvSpPr>
+        <p:spPr>
+          <a:xfrm>
+            <a:off x="457200" y="1052736"/>
+            <a:ext cx="8229600" cy="5073427"/>
+          </a:xfrm>
+        </p:spPr>
+        <p:txBody>
+          <a:bodyPr/>
+          <a:lstStyle/>
+          <a:p>
+            <a:pPr marL="0" indent="0" algn="ctr">
+              <a:buNone/>
+            </a:pPr>
+            <a:r>
+              <a:rPr lang="es-ES" b="1" dirty="0"/>
+              <a:t>Breve repaso a ponderaciones tf-idf </a:t>
+            </a:r>
+            <a:r>
+              <a:rPr lang="es-ES" dirty="0" smtClean="0"/>
+              <a:t>(4)</a:t>
+            </a:r>
+          </a:p>
+          <a:p>
+            <a:r>
+              <a:rPr lang="es-ES" dirty="0" smtClean="0"/>
+              <a:t>Vector de pesos tf-idf</a:t>
+            </a:r>
+          </a:p>
+          <a:p>
+            <a:endParaRPr lang="es-ES" dirty="0"/>
+          </a:p>
+          <a:p>
+            <a:endParaRPr lang="es-ES" dirty="0" smtClean="0"/>
+          </a:p>
+          <a:p>
+            <a:endParaRPr lang="es-ES" dirty="0"/>
+          </a:p>
+          <a:p>
+            <a:endParaRPr lang="es-ES" dirty="0" smtClean="0"/>
+          </a:p>
+          <a:p>
+            <a:r>
+              <a:rPr lang="es-ES" sz="2800" dirty="0" smtClean="0"/>
+              <a:t>Si se normaliza por </a:t>
+            </a:r>
+            <a:r>
+              <a:rPr lang="es-ES" sz="2800" i="1" dirty="0" smtClean="0"/>
+              <a:t>longitud</a:t>
+            </a:r>
+            <a:endParaRPr lang="es-ES" sz="2800" i="1" dirty="0"/>
+          </a:p>
+          <a:p>
+            <a:endParaRPr lang="es-ES" dirty="0"/>
+          </a:p>
+        </p:txBody>
+      </p:sp>
+      <p:sp>
+        <p:nvSpPr>
+          <p:cNvPr id="3" name="Marcador de fecha 2"/>
+          <p:cNvSpPr>
+            <a:spLocks noGrp="1"/>
+          </p:cNvSpPr>
+          <p:nvPr>
+            <p:ph type="dt" sz="half" idx="10"/>
+          </p:nvPr>
+        </p:nvSpPr>
+        <p:spPr/>
+        <p:txBody>
+          <a:bodyPr/>
+          <a:lstStyle/>
+          <a:p>
+            <a:pPr>
+              <a:defRPr/>
+            </a:pPr>
+            <a:fld id="{882F50FD-F3D2-4536-8E00-A7860B730F6A}" type="datetime1">
+              <a:rPr lang="es-ES" smtClean="0"/>
+              <a:pPr>
+                <a:defRPr/>
+              </a:pPr>
+              <a:t>12/05/2017</a:t>
+            </a:fld>
+            <a:endParaRPr lang="es-ES" dirty="0"/>
+          </a:p>
+        </p:txBody>
+      </p:sp>
+      <p:sp>
+        <p:nvSpPr>
+          <p:cNvPr id="4" name="Marcador de pie de página 3"/>
+          <p:cNvSpPr>
+            <a:spLocks noGrp="1"/>
+          </p:cNvSpPr>
+          <p:nvPr>
+            <p:ph type="ftr" sz="quarter" idx="11"/>
+          </p:nvPr>
+        </p:nvSpPr>
+        <p:spPr/>
+        <p:txBody>
+          <a:bodyPr/>
+          <a:lstStyle/>
+          <a:p>
+            <a:pPr>
+              <a:defRPr/>
+            </a:pPr>
+            <a:r>
+              <a:rPr lang="es-ES" dirty="0" smtClean="0"/>
+              <a:t>Clasificación de Tuits y PNL</a:t>
+            </a:r>
+            <a:endParaRPr lang="es-ES" dirty="0"/>
+          </a:p>
+        </p:txBody>
+      </p:sp>
+      <p:sp>
+        <p:nvSpPr>
+          <p:cNvPr id="5" name="Marcador de número de diapositiva 4"/>
+          <p:cNvSpPr>
+            <a:spLocks noGrp="1"/>
+          </p:cNvSpPr>
+          <p:nvPr>
+            <p:ph type="sldNum" sz="quarter" idx="12"/>
+          </p:nvPr>
+        </p:nvSpPr>
+        <p:spPr/>
+        <p:txBody>
+          <a:bodyPr/>
+          <a:lstStyle/>
+          <a:p>
+            <a:pPr>
+              <a:defRPr/>
+            </a:pPr>
+            <a:fld id="{07ABBCD0-34FF-4EE4-BE2E-55B98D8D62A6}" type="slidenum">
+              <a:rPr lang="es-ES" smtClean="0"/>
+              <a:pPr>
+                <a:defRPr/>
+              </a:pPr>
+              <a:t>36</a:t>
             </a:fld>
             <a:endParaRPr lang="es-ES" dirty="0"/>
           </a:p>
@@ -15195,328 +15480,7 @@
     </p:spTree>
     <p:extLst>
       <p:ext uri="{BB962C8B-B14F-4D97-AF65-F5344CB8AC3E}">
-        <p14:creationId xmlns:p14="http://schemas.microsoft.com/office/powerpoint/2010/main" val="1119685933"/>
-      </p:ext>
-    </p:extLst>
-  </p:cSld>
-  <p:clrMapOvr>
-    <a:masterClrMapping/>
-  </p:clrMapOvr>
-  <p:timing>
-    <p:tnLst>
-      <p:par>
-        <p:cTn id="1" dur="indefinite" restart="never" nodeType="tmRoot"/>
-      </p:par>
-    </p:tnLst>
-  </p:timing>
-</p:sld>
-</file>
-
-<file path=ppt/slides/slide36.xml><?xml version="1.0" encoding="utf-8"?>
-<p:sld xmlns:a="http://schemas.openxmlformats.org/drawingml/2006/main" xmlns:r="http://schemas.openxmlformats.org/officeDocument/2006/relationships" xmlns:p="http://schemas.openxmlformats.org/presentationml/2006/main">
-  <p:cSld>
-    <p:spTree>
-      <p:nvGrpSpPr>
-        <p:cNvPr id="1" name=""/>
-        <p:cNvGrpSpPr/>
-        <p:nvPr/>
-      </p:nvGrpSpPr>
-      <p:grpSpPr>
-        <a:xfrm>
-          <a:off x="0" y="0"/>
-          <a:ext cx="0" cy="0"/>
-          <a:chOff x="0" y="0"/>
-          <a:chExt cx="0" cy="0"/>
-        </a:xfrm>
-      </p:grpSpPr>
-      <p:sp>
-        <p:nvSpPr>
-          <p:cNvPr id="2" name="Marcador de contenido 1"/>
-          <p:cNvSpPr>
-            <a:spLocks noGrp="1"/>
-          </p:cNvSpPr>
-          <p:nvPr>
-            <p:ph idx="1"/>
-          </p:nvPr>
-        </p:nvSpPr>
-        <p:spPr>
-          <a:xfrm>
-            <a:off x="457200" y="1181052"/>
-            <a:ext cx="8229600" cy="5073427"/>
-          </a:xfrm>
-        </p:spPr>
-        <p:txBody>
-          <a:bodyPr/>
-          <a:lstStyle/>
-          <a:p>
-            <a:pPr marL="0" indent="0" algn="ctr">
-              <a:buNone/>
-            </a:pPr>
-            <a:r>
-              <a:rPr lang="es-ES" b="1" dirty="0" smtClean="0"/>
-              <a:t>Ponderaciones tf-icf</a:t>
-            </a:r>
-          </a:p>
-        </p:txBody>
-      </p:sp>
-      <p:sp>
-        <p:nvSpPr>
-          <p:cNvPr id="3" name="Marcador de fecha 2"/>
-          <p:cNvSpPr>
-            <a:spLocks noGrp="1"/>
-          </p:cNvSpPr>
-          <p:nvPr>
-            <p:ph type="dt" sz="half" idx="10"/>
-          </p:nvPr>
-        </p:nvSpPr>
-        <p:spPr/>
-        <p:txBody>
-          <a:bodyPr/>
-          <a:lstStyle/>
-          <a:p>
-            <a:pPr>
-              <a:defRPr/>
-            </a:pPr>
-            <a:fld id="{882F50FD-F3D2-4536-8E00-A7860B730F6A}" type="datetime1">
-              <a:rPr lang="es-ES" smtClean="0"/>
-              <a:pPr>
-                <a:defRPr/>
-              </a:pPr>
-              <a:t>10/05/2017</a:t>
-            </a:fld>
-            <a:endParaRPr lang="es-ES" dirty="0"/>
-          </a:p>
-        </p:txBody>
-      </p:sp>
-      <p:sp>
-        <p:nvSpPr>
-          <p:cNvPr id="4" name="Marcador de pie de página 3"/>
-          <p:cNvSpPr>
-            <a:spLocks noGrp="1"/>
-          </p:cNvSpPr>
-          <p:nvPr>
-            <p:ph type="ftr" sz="quarter" idx="11"/>
-          </p:nvPr>
-        </p:nvSpPr>
-        <p:spPr/>
-        <p:txBody>
-          <a:bodyPr/>
-          <a:lstStyle/>
-          <a:p>
-            <a:pPr>
-              <a:defRPr/>
-            </a:pPr>
-            <a:r>
-              <a:rPr lang="es-ES" dirty="0" smtClean="0"/>
-              <a:t>Clasificación de Tuits y PNL</a:t>
-            </a:r>
-            <a:endParaRPr lang="es-ES" dirty="0"/>
-          </a:p>
-        </p:txBody>
-      </p:sp>
-      <p:sp>
-        <p:nvSpPr>
-          <p:cNvPr id="5" name="Marcador de número de diapositiva 4"/>
-          <p:cNvSpPr>
-            <a:spLocks noGrp="1"/>
-          </p:cNvSpPr>
-          <p:nvPr>
-            <p:ph type="sldNum" sz="quarter" idx="12"/>
-          </p:nvPr>
-        </p:nvSpPr>
-        <p:spPr/>
-        <p:txBody>
-          <a:bodyPr/>
-          <a:lstStyle/>
-          <a:p>
-            <a:pPr>
-              <a:defRPr/>
-            </a:pPr>
-            <a:fld id="{07ABBCD0-34FF-4EE4-BE2E-55B98D8D62A6}" type="slidenum">
-              <a:rPr lang="es-ES" smtClean="0"/>
-              <a:pPr>
-                <a:defRPr/>
-              </a:pPr>
-              <a:t>36</a:t>
-            </a:fld>
-            <a:endParaRPr lang="es-ES" dirty="0"/>
-          </a:p>
-        </p:txBody>
-      </p:sp>
-      <p:sp>
-        <p:nvSpPr>
-          <p:cNvPr id="6" name="CuadroTexto 5"/>
-          <p:cNvSpPr txBox="1"/>
-          <p:nvPr/>
-        </p:nvSpPr>
-        <p:spPr>
-          <a:xfrm>
-            <a:off x="457200" y="1655448"/>
-            <a:ext cx="7571184" cy="3416320"/>
-          </a:xfrm>
-          <a:prstGeom prst="rect">
-            <a:avLst/>
-          </a:prstGeom>
-          <a:noFill/>
-        </p:spPr>
-        <p:txBody>
-          <a:bodyPr wrap="square" rtlCol="0">
-            <a:spAutoFit/>
-          </a:bodyPr>
-          <a:lstStyle/>
-          <a:p>
-            <a:r>
-              <a:rPr lang="es-ES" sz="2400" dirty="0" smtClean="0"/>
-              <a:t>En algunos casos, para etiquetar el conjunto de entrenamiento, se usan en lugar de documentos, las </a:t>
-            </a:r>
-            <a:r>
-              <a:rPr lang="es-ES" sz="2400" i="1" dirty="0" smtClean="0"/>
-              <a:t>clases</a:t>
-            </a:r>
-            <a:r>
-              <a:rPr lang="es-ES" sz="2400" dirty="0" smtClean="0"/>
-              <a:t> </a:t>
-            </a:r>
-            <a:r>
-              <a:rPr lang="es-ES" sz="2400" i="1" dirty="0" smtClean="0"/>
-              <a:t>de documentos</a:t>
-            </a:r>
-            <a:r>
-              <a:rPr lang="es-ES" sz="2400" dirty="0" smtClean="0"/>
-              <a:t>. Puede por tanto hablarse de </a:t>
-            </a:r>
-            <a:r>
-              <a:rPr lang="es-ES" sz="2400" i="1" dirty="0" smtClean="0"/>
-              <a:t>tf-icf</a:t>
-            </a:r>
-            <a:r>
-              <a:rPr lang="es-ES" sz="2400" dirty="0" smtClean="0"/>
-              <a:t>:</a:t>
-            </a:r>
-          </a:p>
-          <a:p>
-            <a:pPr marL="342900" indent="-342900">
-              <a:buFont typeface="Arial" panose="020B0604020202020204" pitchFamily="34" charset="0"/>
-              <a:buChar char="•"/>
-            </a:pPr>
-            <a:r>
-              <a:rPr lang="es-ES" sz="2400" i="1" dirty="0" smtClean="0"/>
-              <a:t>tf</a:t>
-            </a:r>
-            <a:r>
-              <a:rPr lang="es-ES" sz="2400" i="1" baseline="-25000" dirty="0" smtClean="0"/>
-              <a:t>t,c</a:t>
-            </a:r>
-            <a:r>
-              <a:rPr lang="es-ES" sz="2400" dirty="0" smtClean="0"/>
-              <a:t> es ahora la frecuencia de un término </a:t>
-            </a:r>
-            <a:r>
-              <a:rPr lang="es-ES" sz="2400" i="1" dirty="0" smtClean="0"/>
-              <a:t>t</a:t>
-            </a:r>
-            <a:r>
-              <a:rPr lang="es-ES" sz="2400" dirty="0" smtClean="0"/>
-              <a:t> en la </a:t>
-            </a:r>
-            <a:r>
-              <a:rPr lang="es-ES" sz="2400" i="1" dirty="0" smtClean="0"/>
-              <a:t>clase</a:t>
-            </a:r>
-            <a:r>
-              <a:rPr lang="es-ES" sz="2400" dirty="0" smtClean="0"/>
-              <a:t> </a:t>
-            </a:r>
-            <a:r>
-              <a:rPr lang="es-ES" sz="2400" i="1" dirty="0" smtClean="0"/>
-              <a:t>c</a:t>
-            </a:r>
-            <a:r>
-              <a:rPr lang="es-ES" sz="2400" dirty="0" smtClean="0"/>
-              <a:t>.</a:t>
-            </a:r>
-          </a:p>
-          <a:p>
-            <a:pPr marL="342900" indent="-342900">
-              <a:buFont typeface="Arial" panose="020B0604020202020204" pitchFamily="34" charset="0"/>
-              <a:buChar char="•"/>
-            </a:pPr>
-            <a:r>
-              <a:rPr lang="es-ES" sz="2400" i="1" dirty="0"/>
-              <a:t>icf</a:t>
-            </a:r>
-            <a:r>
-              <a:rPr lang="es-ES" sz="2400" i="1" baseline="-25000" dirty="0"/>
-              <a:t>t</a:t>
-            </a:r>
-            <a:r>
-              <a:rPr lang="es-ES" sz="2400" dirty="0" smtClean="0"/>
-              <a:t> : idft</a:t>
-            </a:r>
-            <a:r>
-              <a:rPr lang="es-ES" sz="2400" baseline="-25000" dirty="0" smtClean="0"/>
-              <a:t> </a:t>
-            </a:r>
-            <a:r>
-              <a:rPr lang="es-ES" sz="2400" dirty="0" smtClean="0"/>
-              <a:t>se cambia, en este caso, por </a:t>
-            </a:r>
-            <a:r>
-              <a:rPr lang="es-ES" sz="2400" i="1" dirty="0" smtClean="0"/>
-              <a:t>icf</a:t>
-            </a:r>
-            <a:r>
-              <a:rPr lang="es-ES" sz="2400" i="1" baseline="-25000" dirty="0" smtClean="0"/>
-              <a:t>t </a:t>
-            </a:r>
-            <a:r>
-              <a:rPr lang="es-ES" sz="2400" baseline="-25000" dirty="0" smtClean="0"/>
-              <a:t> </a:t>
-            </a:r>
-            <a:r>
-              <a:rPr lang="es-ES" sz="2400" dirty="0" smtClean="0"/>
-              <a:t>la </a:t>
-            </a:r>
-            <a:r>
-              <a:rPr lang="es-ES" sz="2400" i="1" dirty="0" smtClean="0"/>
-              <a:t>frecuencia inversa de la categoría </a:t>
-            </a:r>
-            <a:r>
-              <a:rPr lang="es-ES" sz="2400" dirty="0" smtClean="0"/>
-              <a:t>(veces que aparece el término en la clase)</a:t>
-            </a:r>
-            <a:endParaRPr lang="es-ES" sz="2400" dirty="0"/>
-          </a:p>
-        </p:txBody>
-      </p:sp>
-      <p:pic>
-        <p:nvPicPr>
-          <p:cNvPr id="15" name="Imagen 14"/>
-          <p:cNvPicPr>
-            <a:picLocks noChangeAspect="1"/>
-          </p:cNvPicPr>
-          <p:nvPr/>
-        </p:nvPicPr>
-        <p:blipFill>
-          <a:blip r:embed="rId2"/>
-          <a:stretch>
-            <a:fillRect/>
-          </a:stretch>
-        </p:blipFill>
-        <p:spPr>
-          <a:xfrm>
-            <a:off x="1655798" y="4987742"/>
-            <a:ext cx="5173988" cy="1116844"/>
-          </a:xfrm>
-          <a:prstGeom prst="rect">
-            <a:avLst/>
-          </a:prstGeom>
-        </p:spPr>
-      </p:pic>
-    </p:spTree>
-    <p:extLst>
-      <p:ext uri="{BB962C8B-B14F-4D97-AF65-F5344CB8AC3E}">
-        <p14:creationId xmlns:p14="http://schemas.microsoft.com/office/powerpoint/2010/main" val="1283717536"/>
+        <p14:creationId xmlns:p14="http://schemas.microsoft.com/office/powerpoint/2010/main" xmlns="" val="1119685933"/>
       </p:ext>
     </p:extLst>
   </p:cSld>
@@ -15562,7 +15526,7 @@
         </p:nvSpPr>
         <p:spPr>
           <a:xfrm>
-            <a:off x="457200" y="1052736"/>
+            <a:off x="457200" y="1181052"/>
             <a:ext cx="8229600" cy="5073427"/>
           </a:xfrm>
         </p:spPr>
@@ -15575,9 +15539,8 @@
             </a:pPr>
             <a:r>
               <a:rPr lang="es-ES" b="1" dirty="0" smtClean="0"/>
-              <a:t>Aprendizaje supervisado</a:t>
-            </a:r>
-            <a:endParaRPr lang="es-ES" b="1" i="1" dirty="0" smtClean="0"/>
+              <a:t>Ponderaciones tf-icf</a:t>
+            </a:r>
           </a:p>
         </p:txBody>
       </p:sp>
@@ -15604,7 +15567,7 @@
               <a:pPr>
                 <a:defRPr/>
               </a:pPr>
-              <a:t>10/05/2017</a:t>
+              <a:t>12/05/2017</a:t>
             </a:fld>
             <a:endParaRPr lang="es-ES" dirty="0"/>
           </a:p>
@@ -15660,6 +15623,328 @@
                 <a:defRPr/>
               </a:pPr>
               <a:t>37</a:t>
+            </a:fld>
+            <a:endParaRPr lang="es-ES" dirty="0"/>
+          </a:p>
+        </p:txBody>
+      </p:sp>
+      <p:sp>
+        <p:nvSpPr>
+          <p:cNvPr id="6" name="CuadroTexto 5"/>
+          <p:cNvSpPr txBox="1"/>
+          <p:nvPr/>
+        </p:nvSpPr>
+        <p:spPr>
+          <a:xfrm>
+            <a:off x="457200" y="1655448"/>
+            <a:ext cx="7571184" cy="3416320"/>
+          </a:xfrm>
+          <a:prstGeom prst="rect">
+            <a:avLst/>
+          </a:prstGeom>
+          <a:noFill/>
+        </p:spPr>
+        <p:txBody>
+          <a:bodyPr wrap="square" rtlCol="0">
+            <a:spAutoFit/>
+          </a:bodyPr>
+          <a:lstStyle/>
+          <a:p>
+            <a:r>
+              <a:rPr lang="es-ES" sz="2400" dirty="0" smtClean="0"/>
+              <a:t>En algunos casos, para etiquetar el conjunto de entrenamiento, se usan en lugar de documentos, las </a:t>
+            </a:r>
+            <a:r>
+              <a:rPr lang="es-ES" sz="2400" i="1" dirty="0" smtClean="0"/>
+              <a:t>clases</a:t>
+            </a:r>
+            <a:r>
+              <a:rPr lang="es-ES" sz="2400" dirty="0" smtClean="0"/>
+              <a:t> </a:t>
+            </a:r>
+            <a:r>
+              <a:rPr lang="es-ES" sz="2400" i="1" dirty="0" smtClean="0"/>
+              <a:t>de documentos</a:t>
+            </a:r>
+            <a:r>
+              <a:rPr lang="es-ES" sz="2400" dirty="0" smtClean="0"/>
+              <a:t>. Puede por tanto hablarse de </a:t>
+            </a:r>
+            <a:r>
+              <a:rPr lang="es-ES" sz="2400" i="1" dirty="0" smtClean="0"/>
+              <a:t>tf-icf</a:t>
+            </a:r>
+            <a:r>
+              <a:rPr lang="es-ES" sz="2400" dirty="0" smtClean="0"/>
+              <a:t>:</a:t>
+            </a:r>
+          </a:p>
+          <a:p>
+            <a:pPr marL="342900" indent="-342900">
+              <a:buFont typeface="Arial" panose="020B0604020202020204" pitchFamily="34" charset="0"/>
+              <a:buChar char="•"/>
+            </a:pPr>
+            <a:r>
+              <a:rPr lang="es-ES" sz="2400" i="1" dirty="0" smtClean="0"/>
+              <a:t>tf</a:t>
+            </a:r>
+            <a:r>
+              <a:rPr lang="es-ES" sz="2400" i="1" baseline="-25000" dirty="0" smtClean="0"/>
+              <a:t>t,c</a:t>
+            </a:r>
+            <a:r>
+              <a:rPr lang="es-ES" sz="2400" dirty="0" smtClean="0"/>
+              <a:t> es ahora la frecuencia de un término </a:t>
+            </a:r>
+            <a:r>
+              <a:rPr lang="es-ES" sz="2400" i="1" dirty="0" smtClean="0"/>
+              <a:t>t</a:t>
+            </a:r>
+            <a:r>
+              <a:rPr lang="es-ES" sz="2400" dirty="0" smtClean="0"/>
+              <a:t> en la </a:t>
+            </a:r>
+            <a:r>
+              <a:rPr lang="es-ES" sz="2400" i="1" dirty="0" smtClean="0"/>
+              <a:t>clase</a:t>
+            </a:r>
+            <a:r>
+              <a:rPr lang="es-ES" sz="2400" dirty="0" smtClean="0"/>
+              <a:t> </a:t>
+            </a:r>
+            <a:r>
+              <a:rPr lang="es-ES" sz="2400" i="1" dirty="0" smtClean="0"/>
+              <a:t>c</a:t>
+            </a:r>
+            <a:r>
+              <a:rPr lang="es-ES" sz="2400" dirty="0" smtClean="0"/>
+              <a:t>.</a:t>
+            </a:r>
+          </a:p>
+          <a:p>
+            <a:pPr marL="342900" indent="-342900">
+              <a:buFont typeface="Arial" panose="020B0604020202020204" pitchFamily="34" charset="0"/>
+              <a:buChar char="•"/>
+            </a:pPr>
+            <a:r>
+              <a:rPr lang="es-ES" sz="2400" i="1" dirty="0"/>
+              <a:t>icf</a:t>
+            </a:r>
+            <a:r>
+              <a:rPr lang="es-ES" sz="2400" i="1" baseline="-25000" dirty="0"/>
+              <a:t>t</a:t>
+            </a:r>
+            <a:r>
+              <a:rPr lang="es-ES" sz="2400" dirty="0" smtClean="0"/>
+              <a:t> : idft</a:t>
+            </a:r>
+            <a:r>
+              <a:rPr lang="es-ES" sz="2400" baseline="-25000" dirty="0" smtClean="0"/>
+              <a:t> </a:t>
+            </a:r>
+            <a:r>
+              <a:rPr lang="es-ES" sz="2400" dirty="0" smtClean="0"/>
+              <a:t>se cambia, en este caso, por </a:t>
+            </a:r>
+            <a:r>
+              <a:rPr lang="es-ES" sz="2400" i="1" dirty="0" smtClean="0"/>
+              <a:t>icf</a:t>
+            </a:r>
+            <a:r>
+              <a:rPr lang="es-ES" sz="2400" i="1" baseline="-25000" dirty="0" smtClean="0"/>
+              <a:t>t </a:t>
+            </a:r>
+            <a:r>
+              <a:rPr lang="es-ES" sz="2400" baseline="-25000" dirty="0" smtClean="0"/>
+              <a:t> </a:t>
+            </a:r>
+            <a:r>
+              <a:rPr lang="es-ES" sz="2400" dirty="0" smtClean="0"/>
+              <a:t>la </a:t>
+            </a:r>
+            <a:r>
+              <a:rPr lang="es-ES" sz="2400" i="1" dirty="0" smtClean="0"/>
+              <a:t>frecuencia inversa de la categoría </a:t>
+            </a:r>
+            <a:r>
+              <a:rPr lang="es-ES" sz="2400" dirty="0" smtClean="0"/>
+              <a:t>(veces que aparece el término en la clase)</a:t>
+            </a:r>
+            <a:endParaRPr lang="es-ES" sz="2400" dirty="0"/>
+          </a:p>
+        </p:txBody>
+      </p:sp>
+      <p:pic>
+        <p:nvPicPr>
+          <p:cNvPr id="15" name="Imagen 14"/>
+          <p:cNvPicPr>
+            <a:picLocks noChangeAspect="1"/>
+          </p:cNvPicPr>
+          <p:nvPr/>
+        </p:nvPicPr>
+        <p:blipFill>
+          <a:blip r:embed="rId2"/>
+          <a:stretch>
+            <a:fillRect/>
+          </a:stretch>
+        </p:blipFill>
+        <p:spPr>
+          <a:xfrm>
+            <a:off x="1655798" y="4987742"/>
+            <a:ext cx="5173988" cy="1116844"/>
+          </a:xfrm>
+          <a:prstGeom prst="rect">
+            <a:avLst/>
+          </a:prstGeom>
+        </p:spPr>
+      </p:pic>
+    </p:spTree>
+    <p:extLst>
+      <p:ext uri="{BB962C8B-B14F-4D97-AF65-F5344CB8AC3E}">
+        <p14:creationId xmlns:p14="http://schemas.microsoft.com/office/powerpoint/2010/main" xmlns="" val="1283717536"/>
+      </p:ext>
+    </p:extLst>
+  </p:cSld>
+  <p:clrMapOvr>
+    <a:masterClrMapping/>
+  </p:clrMapOvr>
+  <p:timing>
+    <p:tnLst>
+      <p:par>
+        <p:cTn id="1" dur="indefinite" restart="never" nodeType="tmRoot"/>
+      </p:par>
+    </p:tnLst>
+  </p:timing>
+</p:sld>
+</file>
+
+<file path=ppt/slides/slide38.xml><?xml version="1.0" encoding="utf-8"?>
+<p:sld xmlns:a="http://schemas.openxmlformats.org/drawingml/2006/main" xmlns:r="http://schemas.openxmlformats.org/officeDocument/2006/relationships" xmlns:p="http://schemas.openxmlformats.org/presentationml/2006/main">
+  <p:cSld>
+    <p:spTree>
+      <p:nvGrpSpPr>
+        <p:cNvPr id="1" name=""/>
+        <p:cNvGrpSpPr/>
+        <p:nvPr/>
+      </p:nvGrpSpPr>
+      <p:grpSpPr>
+        <a:xfrm>
+          <a:off x="0" y="0"/>
+          <a:ext cx="0" cy="0"/>
+          <a:chOff x="0" y="0"/>
+          <a:chExt cx="0" cy="0"/>
+        </a:xfrm>
+      </p:grpSpPr>
+      <p:sp>
+        <p:nvSpPr>
+          <p:cNvPr id="2" name="Marcador de contenido 1"/>
+          <p:cNvSpPr>
+            <a:spLocks noGrp="1"/>
+          </p:cNvSpPr>
+          <p:nvPr>
+            <p:ph idx="1"/>
+          </p:nvPr>
+        </p:nvSpPr>
+        <p:spPr>
+          <a:xfrm>
+            <a:off x="457200" y="1052736"/>
+            <a:ext cx="8229600" cy="5073427"/>
+          </a:xfrm>
+        </p:spPr>
+        <p:txBody>
+          <a:bodyPr/>
+          <a:lstStyle/>
+          <a:p>
+            <a:pPr marL="0" indent="0" algn="ctr">
+              <a:buNone/>
+            </a:pPr>
+            <a:r>
+              <a:rPr lang="es-ES" b="1" dirty="0" smtClean="0"/>
+              <a:t>Aprendizaje supervisado</a:t>
+            </a:r>
+            <a:endParaRPr lang="es-ES" b="1" i="1" dirty="0" smtClean="0"/>
+          </a:p>
+        </p:txBody>
+      </p:sp>
+      <p:sp>
+        <p:nvSpPr>
+          <p:cNvPr id="3" name="Marcador de fecha 2"/>
+          <p:cNvSpPr>
+            <a:spLocks noGrp="1"/>
+          </p:cNvSpPr>
+          <p:nvPr>
+            <p:ph type="dt" sz="half" idx="10"/>
+          </p:nvPr>
+        </p:nvSpPr>
+        <p:spPr/>
+        <p:txBody>
+          <a:bodyPr/>
+          <a:lstStyle/>
+          <a:p>
+            <a:pPr>
+              <a:defRPr/>
+            </a:pPr>
+            <a:fld id="{882F50FD-F3D2-4536-8E00-A7860B730F6A}" type="datetime1">
+              <a:rPr lang="es-ES" smtClean="0"/>
+              <a:pPr>
+                <a:defRPr/>
+              </a:pPr>
+              <a:t>12/05/2017</a:t>
+            </a:fld>
+            <a:endParaRPr lang="es-ES" dirty="0"/>
+          </a:p>
+        </p:txBody>
+      </p:sp>
+      <p:sp>
+        <p:nvSpPr>
+          <p:cNvPr id="4" name="Marcador de pie de página 3"/>
+          <p:cNvSpPr>
+            <a:spLocks noGrp="1"/>
+          </p:cNvSpPr>
+          <p:nvPr>
+            <p:ph type="ftr" sz="quarter" idx="11"/>
+          </p:nvPr>
+        </p:nvSpPr>
+        <p:spPr/>
+        <p:txBody>
+          <a:bodyPr/>
+          <a:lstStyle/>
+          <a:p>
+            <a:pPr>
+              <a:defRPr/>
+            </a:pPr>
+            <a:r>
+              <a:rPr lang="es-ES" dirty="0" smtClean="0"/>
+              <a:t>Clasificación de Tuits y PNL</a:t>
+            </a:r>
+            <a:endParaRPr lang="es-ES" dirty="0"/>
+          </a:p>
+        </p:txBody>
+      </p:sp>
+      <p:sp>
+        <p:nvSpPr>
+          <p:cNvPr id="5" name="Marcador de número de diapositiva 4"/>
+          <p:cNvSpPr>
+            <a:spLocks noGrp="1"/>
+          </p:cNvSpPr>
+          <p:nvPr>
+            <p:ph type="sldNum" sz="quarter" idx="12"/>
+          </p:nvPr>
+        </p:nvSpPr>
+        <p:spPr/>
+        <p:txBody>
+          <a:bodyPr/>
+          <a:lstStyle/>
+          <a:p>
+            <a:pPr>
+              <a:defRPr/>
+            </a:pPr>
+            <a:fld id="{07ABBCD0-34FF-4EE4-BE2E-55B98D8D62A6}" type="slidenum">
+              <a:rPr lang="es-ES" smtClean="0"/>
+              <a:pPr>
+                <a:defRPr/>
+              </a:pPr>
+              <a:t>38</a:t>
             </a:fld>
             <a:endParaRPr lang="es-ES" dirty="0"/>
           </a:p>
@@ -15827,8 +16112,8 @@
           </a:p>
         </p:txBody>
       </p:sp>
-      <mc:AlternateContent xmlns:mc="http://schemas.openxmlformats.org/markup-compatibility/2006" xmlns:a14="http://schemas.microsoft.com/office/drawing/2010/main">
-        <mc:Choice Requires="a14">
+      <mc:AlternateContent xmlns:mc="http://schemas.openxmlformats.org/markup-compatibility/2006">
+        <mc:Choice xmlns:a14="http://schemas.microsoft.com/office/drawing/2010/main" xmlns="" Requires="a14">
           <p:sp>
             <p:nvSpPr>
               <p:cNvPr id="6" name="CuadroTexto 5"/>
@@ -15884,7 +16169,7 @@
             </p:txBody>
           </p:sp>
         </mc:Choice>
-        <mc:Fallback xmlns="">
+        <mc:Fallback>
           <p:sp>
             <p:nvSpPr>
               <p:cNvPr id="6" name="CuadroTexto 5"/>
@@ -15923,8 +16208,8 @@
           </p:sp>
         </mc:Fallback>
       </mc:AlternateContent>
-      <mc:AlternateContent xmlns:mc="http://schemas.openxmlformats.org/markup-compatibility/2006" xmlns:a14="http://schemas.microsoft.com/office/drawing/2010/main">
-        <mc:Choice Requires="a14">
+      <mc:AlternateContent xmlns:mc="http://schemas.openxmlformats.org/markup-compatibility/2006">
+        <mc:Choice xmlns:a14="http://schemas.microsoft.com/office/drawing/2010/main" xmlns="" Requires="a14">
           <p:sp>
             <p:nvSpPr>
               <p:cNvPr id="9" name="CuadroTexto 8"/>
@@ -15980,7 +16265,7 @@
             </p:txBody>
           </p:sp>
         </mc:Choice>
-        <mc:Fallback xmlns="">
+        <mc:Fallback>
           <p:sp>
             <p:nvSpPr>
               <p:cNvPr id="9" name="CuadroTexto 8"/>
@@ -16022,267 +16307,7 @@
     </p:spTree>
     <p:extLst>
       <p:ext uri="{BB962C8B-B14F-4D97-AF65-F5344CB8AC3E}">
-        <p14:creationId xmlns:p14="http://schemas.microsoft.com/office/powerpoint/2010/main" val="4096907539"/>
-      </p:ext>
-    </p:extLst>
-  </p:cSld>
-  <p:clrMapOvr>
-    <a:masterClrMapping/>
-  </p:clrMapOvr>
-  <p:timing>
-    <p:tnLst>
-      <p:par>
-        <p:cTn id="1" dur="indefinite" restart="never" nodeType="tmRoot"/>
-      </p:par>
-    </p:tnLst>
-  </p:timing>
-</p:sld>
-</file>
-
-<file path=ppt/slides/slide38.xml><?xml version="1.0" encoding="utf-8"?>
-<p:sld xmlns:a="http://schemas.openxmlformats.org/drawingml/2006/main" xmlns:r="http://schemas.openxmlformats.org/officeDocument/2006/relationships" xmlns:p="http://schemas.openxmlformats.org/presentationml/2006/main">
-  <p:cSld>
-    <p:spTree>
-      <p:nvGrpSpPr>
-        <p:cNvPr id="1" name=""/>
-        <p:cNvGrpSpPr/>
-        <p:nvPr/>
-      </p:nvGrpSpPr>
-      <p:grpSpPr>
-        <a:xfrm>
-          <a:off x="0" y="0"/>
-          <a:ext cx="0" cy="0"/>
-          <a:chOff x="0" y="0"/>
-          <a:chExt cx="0" cy="0"/>
-        </a:xfrm>
-      </p:grpSpPr>
-      <p:sp>
-        <p:nvSpPr>
-          <p:cNvPr id="2" name="Marcador de contenido 1"/>
-          <p:cNvSpPr>
-            <a:spLocks noGrp="1"/>
-          </p:cNvSpPr>
-          <p:nvPr>
-            <p:ph idx="1"/>
-          </p:nvPr>
-        </p:nvSpPr>
-        <p:spPr>
-          <a:xfrm>
-            <a:off x="428180" y="1340768"/>
-            <a:ext cx="8229600" cy="4525963"/>
-          </a:xfrm>
-        </p:spPr>
-        <p:txBody>
-          <a:bodyPr/>
-          <a:lstStyle/>
-          <a:p>
-            <a:pPr marL="0" indent="0" algn="ctr">
-              <a:buNone/>
-            </a:pPr>
-            <a:r>
-              <a:rPr lang="es-ES" b="1" dirty="0" smtClean="0"/>
-              <a:t>Selección de características</a:t>
-            </a:r>
-            <a:endParaRPr lang="es-ES" dirty="0" smtClean="0">
-              <a:latin typeface="Times New Roman" panose="02020603050405020304" pitchFamily="18" charset="0"/>
-              <a:cs typeface="Times New Roman" panose="02020603050405020304" pitchFamily="18" charset="0"/>
-            </a:endParaRPr>
-          </a:p>
-          <a:p>
-            <a:r>
-              <a:rPr lang="es-ES" sz="2400" dirty="0" smtClean="0"/>
-              <a:t>La </a:t>
-            </a:r>
-            <a:r>
-              <a:rPr lang="es-ES" sz="2400" b="1" dirty="0" smtClean="0"/>
-              <a:t>selección de atributos </a:t>
-            </a:r>
-            <a:r>
-              <a:rPr lang="es-ES" sz="2400" dirty="0" smtClean="0"/>
-              <a:t>Consiste en extraer un subconjunto de características relevantes para construir modelos de modo que se simplifiquen los modelos, se reduzcan los tiempos de entrenamiento y se reduzca la dimensión del problema.</a:t>
-            </a:r>
-          </a:p>
-          <a:p>
-            <a:r>
-              <a:rPr lang="es-ES" sz="2400" dirty="0" smtClean="0"/>
-              <a:t>Algunos métodos:</a:t>
-            </a:r>
-          </a:p>
-          <a:p>
-            <a:pPr lvl="1"/>
-            <a:r>
-              <a:rPr lang="es-ES" sz="2000" i="1" dirty="0" smtClean="0"/>
-              <a:t>Umbral de Frecuencia de Documento </a:t>
-            </a:r>
-            <a:r>
-              <a:rPr lang="es-ES" sz="2000" dirty="0" smtClean="0"/>
-              <a:t>(DF): es la técnica más simple. Usa </a:t>
-            </a:r>
-            <a:r>
-              <a:rPr lang="es-ES" sz="2000" b="1" dirty="0" smtClean="0"/>
-              <a:t>df</a:t>
-            </a:r>
-            <a:r>
-              <a:rPr lang="es-ES" sz="2000" b="1" baseline="-25000" dirty="0" smtClean="0"/>
-              <a:t>t </a:t>
-            </a:r>
-            <a:r>
-              <a:rPr lang="es-ES" sz="2000" dirty="0" smtClean="0"/>
-              <a:t>y se eliminan aquellos atributos en que </a:t>
-            </a:r>
-            <a:r>
-              <a:rPr lang="es-ES" sz="2000" b="1" dirty="0"/>
-              <a:t>df</a:t>
-            </a:r>
-            <a:r>
-              <a:rPr lang="es-ES" sz="2000" b="1" baseline="-25000" dirty="0"/>
-              <a:t>t </a:t>
-            </a:r>
-            <a:r>
-              <a:rPr lang="es-ES" sz="2000" dirty="0" smtClean="0"/>
-              <a:t>es menor que un cierto umbral.</a:t>
-            </a:r>
-          </a:p>
-          <a:p>
-            <a:pPr lvl="1"/>
-            <a:r>
-              <a:rPr lang="es-ES" sz="2000" i="1" dirty="0" smtClean="0"/>
-              <a:t>Ganancia de Información: </a:t>
-            </a:r>
-            <a:r>
-              <a:rPr lang="es-ES" sz="2000" dirty="0" smtClean="0"/>
-              <a:t>se basan en medir   la información  que se pierde al eliminar un atributo.</a:t>
-            </a:r>
-          </a:p>
-          <a:p>
-            <a:pPr lvl="1"/>
-            <a:r>
-              <a:rPr lang="es-ES" sz="2000" i="1" dirty="0" smtClean="0"/>
-              <a:t>Información Mutua: </a:t>
-            </a:r>
-            <a:r>
-              <a:rPr lang="es-ES" sz="2000" dirty="0" smtClean="0"/>
-              <a:t>es similar al </a:t>
-            </a:r>
-            <a:r>
-              <a:rPr lang="el-GR" sz="2000" b="1" dirty="0">
-                <a:latin typeface="Times New Roman" panose="02020603050405020304" pitchFamily="18" charset="0"/>
-                <a:cs typeface="Times New Roman" panose="02020603050405020304" pitchFamily="18" charset="0"/>
-              </a:rPr>
-              <a:t>χ</a:t>
-            </a:r>
-            <a:r>
-              <a:rPr lang="es-ES" sz="2000" b="1" baseline="30000" dirty="0" smtClean="0">
-                <a:latin typeface="Times New Roman" panose="02020603050405020304" pitchFamily="18" charset="0"/>
-                <a:cs typeface="Times New Roman" panose="02020603050405020304" pitchFamily="18" charset="0"/>
-              </a:rPr>
-              <a:t>2  </a:t>
-            </a:r>
-            <a:r>
-              <a:rPr lang="es-ES" sz="2000" dirty="0" smtClean="0"/>
-              <a:t>ya que utiliza tablas de contingencia para medir el grado de asociación entre atributo y clase. </a:t>
-            </a:r>
-          </a:p>
-          <a:p>
-            <a:pPr lvl="1"/>
-            <a:endParaRPr lang="es-ES" sz="2000" dirty="0" smtClean="0"/>
-          </a:p>
-          <a:p>
-            <a:endParaRPr lang="es-ES" sz="2400" dirty="0" smtClean="0"/>
-          </a:p>
-          <a:p>
-            <a:endParaRPr lang="es-ES" sz="2400" dirty="0"/>
-          </a:p>
-        </p:txBody>
-      </p:sp>
-      <p:sp>
-        <p:nvSpPr>
-          <p:cNvPr id="3" name="Marcador de fecha 2"/>
-          <p:cNvSpPr>
-            <a:spLocks noGrp="1"/>
-          </p:cNvSpPr>
-          <p:nvPr>
-            <p:ph type="dt" sz="half" idx="10"/>
-          </p:nvPr>
-        </p:nvSpPr>
-        <p:spPr/>
-        <p:txBody>
-          <a:bodyPr/>
-          <a:lstStyle/>
-          <a:p>
-            <a:pPr>
-              <a:defRPr/>
-            </a:pPr>
-            <a:fld id="{882F50FD-F3D2-4536-8E00-A7860B730F6A}" type="datetime1">
-              <a:rPr lang="es-ES" smtClean="0"/>
-              <a:pPr>
-                <a:defRPr/>
-              </a:pPr>
-              <a:t>10/05/2017</a:t>
-            </a:fld>
-            <a:endParaRPr lang="es-ES" dirty="0"/>
-          </a:p>
-        </p:txBody>
-      </p:sp>
-      <p:sp>
-        <p:nvSpPr>
-          <p:cNvPr id="4" name="Marcador de pie de página 3"/>
-          <p:cNvSpPr>
-            <a:spLocks noGrp="1"/>
-          </p:cNvSpPr>
-          <p:nvPr>
-            <p:ph type="ftr" sz="quarter" idx="11"/>
-          </p:nvPr>
-        </p:nvSpPr>
-        <p:spPr/>
-        <p:txBody>
-          <a:bodyPr/>
-          <a:lstStyle/>
-          <a:p>
-            <a:pPr>
-              <a:defRPr/>
-            </a:pPr>
-            <a:r>
-              <a:rPr lang="es-ES" dirty="0" smtClean="0"/>
-              <a:t>Clasificación de Tuits y PNL</a:t>
-            </a:r>
-            <a:endParaRPr lang="es-ES" dirty="0"/>
-          </a:p>
-        </p:txBody>
-      </p:sp>
-      <p:sp>
-        <p:nvSpPr>
-          <p:cNvPr id="5" name="Marcador de número de diapositiva 4"/>
-          <p:cNvSpPr>
-            <a:spLocks noGrp="1"/>
-          </p:cNvSpPr>
-          <p:nvPr>
-            <p:ph type="sldNum" sz="quarter" idx="12"/>
-          </p:nvPr>
-        </p:nvSpPr>
-        <p:spPr/>
-        <p:txBody>
-          <a:bodyPr/>
-          <a:lstStyle/>
-          <a:p>
-            <a:pPr>
-              <a:defRPr/>
-            </a:pPr>
-            <a:fld id="{07ABBCD0-34FF-4EE4-BE2E-55B98D8D62A6}" type="slidenum">
-              <a:rPr lang="es-ES" smtClean="0"/>
-              <a:pPr>
-                <a:defRPr/>
-              </a:pPr>
-              <a:t>38</a:t>
-            </a:fld>
-            <a:endParaRPr lang="es-ES" dirty="0"/>
-          </a:p>
-        </p:txBody>
-      </p:sp>
-    </p:spTree>
-    <p:extLst>
-      <p:ext uri="{BB962C8B-B14F-4D97-AF65-F5344CB8AC3E}">
-        <p14:creationId xmlns:p14="http://schemas.microsoft.com/office/powerpoint/2010/main" val="2845502465"/>
+        <p14:creationId xmlns:p14="http://schemas.microsoft.com/office/powerpoint/2010/main" xmlns="" val="4096907539"/>
       </p:ext>
     </p:extLst>
   </p:cSld>
@@ -16316,8 +16341,602 @@
           <a:chExt cx="0" cy="0"/>
         </a:xfrm>
       </p:grpSpPr>
-      <mc:AlternateContent xmlns:mc="http://schemas.openxmlformats.org/markup-compatibility/2006" xmlns:a14="http://schemas.microsoft.com/office/drawing/2010/main">
-        <mc:Choice Requires="a14">
+      <p:sp>
+        <p:nvSpPr>
+          <p:cNvPr id="2" name="Marcador de contenido 1"/>
+          <p:cNvSpPr>
+            <a:spLocks noGrp="1"/>
+          </p:cNvSpPr>
+          <p:nvPr>
+            <p:ph idx="1"/>
+          </p:nvPr>
+        </p:nvSpPr>
+        <p:spPr>
+          <a:xfrm>
+            <a:off x="428180" y="1340768"/>
+            <a:ext cx="8229600" cy="4525963"/>
+          </a:xfrm>
+        </p:spPr>
+        <p:txBody>
+          <a:bodyPr/>
+          <a:lstStyle/>
+          <a:p>
+            <a:pPr marL="0" indent="0" algn="ctr">
+              <a:buNone/>
+            </a:pPr>
+            <a:r>
+              <a:rPr lang="es-ES" b="1" dirty="0" smtClean="0"/>
+              <a:t>Selección de características</a:t>
+            </a:r>
+            <a:endParaRPr lang="es-ES" dirty="0" smtClean="0">
+              <a:latin typeface="Times New Roman" panose="02020603050405020304" pitchFamily="18" charset="0"/>
+              <a:cs typeface="Times New Roman" panose="02020603050405020304" pitchFamily="18" charset="0"/>
+            </a:endParaRPr>
+          </a:p>
+          <a:p>
+            <a:r>
+              <a:rPr lang="es-ES" sz="2400" dirty="0" smtClean="0"/>
+              <a:t>La </a:t>
+            </a:r>
+            <a:r>
+              <a:rPr lang="es-ES" sz="2400" b="1" dirty="0" smtClean="0"/>
+              <a:t>selección de atributos </a:t>
+            </a:r>
+            <a:r>
+              <a:rPr lang="es-ES" sz="2400" dirty="0" smtClean="0"/>
+              <a:t>Consiste en extraer un subconjunto de características relevantes para construir modelos de modo que se simplifiquen los modelos, se reduzcan los tiempos de entrenamiento y se reduzca la dimensión del problema.</a:t>
+            </a:r>
+          </a:p>
+          <a:p>
+            <a:r>
+              <a:rPr lang="es-ES" sz="2400" dirty="0" smtClean="0"/>
+              <a:t>Algunos métodos:</a:t>
+            </a:r>
+          </a:p>
+          <a:p>
+            <a:pPr lvl="1"/>
+            <a:r>
+              <a:rPr lang="es-ES" sz="2000" i="1" dirty="0" smtClean="0"/>
+              <a:t>Umbral de Frecuencia de Documento </a:t>
+            </a:r>
+            <a:r>
+              <a:rPr lang="es-ES" sz="2000" dirty="0" smtClean="0"/>
+              <a:t>(DF): es la técnica más simple. Usa </a:t>
+            </a:r>
+            <a:r>
+              <a:rPr lang="es-ES" sz="2000" b="1" dirty="0" smtClean="0"/>
+              <a:t>df</a:t>
+            </a:r>
+            <a:r>
+              <a:rPr lang="es-ES" sz="2000" b="1" baseline="-25000" dirty="0" smtClean="0"/>
+              <a:t>t </a:t>
+            </a:r>
+            <a:r>
+              <a:rPr lang="es-ES" sz="2000" dirty="0" smtClean="0"/>
+              <a:t>y se eliminan aquellos atributos en que </a:t>
+            </a:r>
+            <a:r>
+              <a:rPr lang="es-ES" sz="2000" b="1" dirty="0"/>
+              <a:t>df</a:t>
+            </a:r>
+            <a:r>
+              <a:rPr lang="es-ES" sz="2000" b="1" baseline="-25000" dirty="0"/>
+              <a:t>t </a:t>
+            </a:r>
+            <a:r>
+              <a:rPr lang="es-ES" sz="2000" dirty="0" smtClean="0"/>
+              <a:t>es menor que un cierto umbral.</a:t>
+            </a:r>
+          </a:p>
+          <a:p>
+            <a:pPr lvl="1"/>
+            <a:r>
+              <a:rPr lang="es-ES" sz="2000" i="1" dirty="0" smtClean="0"/>
+              <a:t>Ganancia de Información: </a:t>
+            </a:r>
+            <a:r>
+              <a:rPr lang="es-ES" sz="2000" dirty="0" smtClean="0"/>
+              <a:t>se basan en medir   la información  que se pierde al eliminar un atributo.</a:t>
+            </a:r>
+          </a:p>
+          <a:p>
+            <a:pPr lvl="1"/>
+            <a:r>
+              <a:rPr lang="es-ES" sz="2000" i="1" dirty="0" smtClean="0"/>
+              <a:t>Información Mutua: </a:t>
+            </a:r>
+            <a:r>
+              <a:rPr lang="es-ES" sz="2000" dirty="0" smtClean="0"/>
+              <a:t>es similar al </a:t>
+            </a:r>
+            <a:r>
+              <a:rPr lang="el-GR" sz="2000" b="1" dirty="0">
+                <a:latin typeface="Times New Roman" panose="02020603050405020304" pitchFamily="18" charset="0"/>
+                <a:cs typeface="Times New Roman" panose="02020603050405020304" pitchFamily="18" charset="0"/>
+              </a:rPr>
+              <a:t>χ</a:t>
+            </a:r>
+            <a:r>
+              <a:rPr lang="es-ES" sz="2000" b="1" baseline="30000" dirty="0" smtClean="0">
+                <a:latin typeface="Times New Roman" panose="02020603050405020304" pitchFamily="18" charset="0"/>
+                <a:cs typeface="Times New Roman" panose="02020603050405020304" pitchFamily="18" charset="0"/>
+              </a:rPr>
+              <a:t>2  </a:t>
+            </a:r>
+            <a:r>
+              <a:rPr lang="es-ES" sz="2000" dirty="0" smtClean="0"/>
+              <a:t>ya que utiliza tablas de contingencia para medir el grado de asociación entre atributo y clase. </a:t>
+            </a:r>
+          </a:p>
+          <a:p>
+            <a:pPr lvl="1"/>
+            <a:endParaRPr lang="es-ES" sz="2000" dirty="0" smtClean="0"/>
+          </a:p>
+          <a:p>
+            <a:endParaRPr lang="es-ES" sz="2400" dirty="0" smtClean="0"/>
+          </a:p>
+          <a:p>
+            <a:endParaRPr lang="es-ES" sz="2400" dirty="0"/>
+          </a:p>
+        </p:txBody>
+      </p:sp>
+      <p:sp>
+        <p:nvSpPr>
+          <p:cNvPr id="3" name="Marcador de fecha 2"/>
+          <p:cNvSpPr>
+            <a:spLocks noGrp="1"/>
+          </p:cNvSpPr>
+          <p:nvPr>
+            <p:ph type="dt" sz="half" idx="10"/>
+          </p:nvPr>
+        </p:nvSpPr>
+        <p:spPr/>
+        <p:txBody>
+          <a:bodyPr/>
+          <a:lstStyle/>
+          <a:p>
+            <a:pPr>
+              <a:defRPr/>
+            </a:pPr>
+            <a:fld id="{882F50FD-F3D2-4536-8E00-A7860B730F6A}" type="datetime1">
+              <a:rPr lang="es-ES" smtClean="0"/>
+              <a:pPr>
+                <a:defRPr/>
+              </a:pPr>
+              <a:t>12/05/2017</a:t>
+            </a:fld>
+            <a:endParaRPr lang="es-ES" dirty="0"/>
+          </a:p>
+        </p:txBody>
+      </p:sp>
+      <p:sp>
+        <p:nvSpPr>
+          <p:cNvPr id="4" name="Marcador de pie de página 3"/>
+          <p:cNvSpPr>
+            <a:spLocks noGrp="1"/>
+          </p:cNvSpPr>
+          <p:nvPr>
+            <p:ph type="ftr" sz="quarter" idx="11"/>
+          </p:nvPr>
+        </p:nvSpPr>
+        <p:spPr/>
+        <p:txBody>
+          <a:bodyPr/>
+          <a:lstStyle/>
+          <a:p>
+            <a:pPr>
+              <a:defRPr/>
+            </a:pPr>
+            <a:r>
+              <a:rPr lang="es-ES" dirty="0" smtClean="0"/>
+              <a:t>Clasificación de Tuits y PNL</a:t>
+            </a:r>
+            <a:endParaRPr lang="es-ES" dirty="0"/>
+          </a:p>
+        </p:txBody>
+      </p:sp>
+      <p:sp>
+        <p:nvSpPr>
+          <p:cNvPr id="5" name="Marcador de número de diapositiva 4"/>
+          <p:cNvSpPr>
+            <a:spLocks noGrp="1"/>
+          </p:cNvSpPr>
+          <p:nvPr>
+            <p:ph type="sldNum" sz="quarter" idx="12"/>
+          </p:nvPr>
+        </p:nvSpPr>
+        <p:spPr/>
+        <p:txBody>
+          <a:bodyPr/>
+          <a:lstStyle/>
+          <a:p>
+            <a:pPr>
+              <a:defRPr/>
+            </a:pPr>
+            <a:fld id="{07ABBCD0-34FF-4EE4-BE2E-55B98D8D62A6}" type="slidenum">
+              <a:rPr lang="es-ES" smtClean="0"/>
+              <a:pPr>
+                <a:defRPr/>
+              </a:pPr>
+              <a:t>39</a:t>
+            </a:fld>
+            <a:endParaRPr lang="es-ES" dirty="0"/>
+          </a:p>
+        </p:txBody>
+      </p:sp>
+    </p:spTree>
+    <p:extLst>
+      <p:ext uri="{BB962C8B-B14F-4D97-AF65-F5344CB8AC3E}">
+        <p14:creationId xmlns:p14="http://schemas.microsoft.com/office/powerpoint/2010/main" xmlns="" val="2845502465"/>
+      </p:ext>
+    </p:extLst>
+  </p:cSld>
+  <p:clrMapOvr>
+    <a:masterClrMapping/>
+  </p:clrMapOvr>
+  <p:timing>
+    <p:tnLst>
+      <p:par>
+        <p:cTn id="1" dur="indefinite" restart="never" nodeType="tmRoot"/>
+      </p:par>
+    </p:tnLst>
+  </p:timing>
+</p:sld>
+</file>
+
+<file path=ppt/slides/slide4.xml><?xml version="1.0" encoding="utf-8"?>
+<p:sld xmlns:a="http://schemas.openxmlformats.org/drawingml/2006/main" xmlns:r="http://schemas.openxmlformats.org/officeDocument/2006/relationships" xmlns:p="http://schemas.openxmlformats.org/presentationml/2006/main">
+  <p:cSld>
+    <p:spTree>
+      <p:nvGrpSpPr>
+        <p:cNvPr id="1" name=""/>
+        <p:cNvGrpSpPr/>
+        <p:nvPr/>
+      </p:nvGrpSpPr>
+      <p:grpSpPr>
+        <a:xfrm>
+          <a:off x="0" y="0"/>
+          <a:ext cx="0" cy="0"/>
+          <a:chOff x="0" y="0"/>
+          <a:chExt cx="0" cy="0"/>
+        </a:xfrm>
+      </p:grpSpPr>
+      <p:sp>
+        <p:nvSpPr>
+          <p:cNvPr id="2" name="1 Título"/>
+          <p:cNvSpPr>
+            <a:spLocks noGrp="1"/>
+          </p:cNvSpPr>
+          <p:nvPr>
+            <p:ph type="title" idx="4294967295"/>
+          </p:nvPr>
+        </p:nvSpPr>
+        <p:spPr>
+          <a:xfrm>
+            <a:off x="285720" y="1142984"/>
+            <a:ext cx="8229600" cy="1082675"/>
+          </a:xfrm>
+          <a:prstGeom prst="rect">
+            <a:avLst/>
+          </a:prstGeom>
+        </p:spPr>
+        <p:txBody>
+          <a:bodyPr rtlCol="0">
+            <a:normAutofit fontScale="90000"/>
+          </a:bodyPr>
+          <a:lstStyle/>
+          <a:p>
+            <a:pPr fontAlgn="auto">
+              <a:spcAft>
+                <a:spcPts val="0"/>
+              </a:spcAft>
+              <a:defRPr/>
+            </a:pPr>
+            <a:r>
+              <a:rPr lang="es-MX" sz="3600" b="1" dirty="0" smtClean="0">
+                <a:latin typeface="Arial" charset="0"/>
+              </a:rPr>
+              <a:t>Categorización de Tuits</a:t>
+            </a:r>
+            <a:r>
+              <a:rPr lang="es-MX" b="1" dirty="0" smtClean="0">
+                <a:latin typeface="Arial" charset="0"/>
+              </a:rPr>
+              <a:t/>
+            </a:r>
+            <a:br>
+              <a:rPr lang="es-MX" b="1" dirty="0" smtClean="0">
+                <a:latin typeface="Arial" charset="0"/>
+              </a:rPr>
+            </a:br>
+            <a:endParaRPr lang="es-ES" dirty="0"/>
+          </a:p>
+        </p:txBody>
+      </p:sp>
+      <p:sp>
+        <p:nvSpPr>
+          <p:cNvPr id="3" name="2 Marcador de contenido"/>
+          <p:cNvSpPr>
+            <a:spLocks noGrp="1"/>
+          </p:cNvSpPr>
+          <p:nvPr>
+            <p:ph idx="1"/>
+          </p:nvPr>
+        </p:nvSpPr>
+        <p:spPr>
+          <a:xfrm>
+            <a:off x="500034" y="1412776"/>
+            <a:ext cx="8229600" cy="4168787"/>
+          </a:xfrm>
+        </p:spPr>
+        <p:txBody>
+          <a:bodyPr rtlCol="0">
+            <a:normAutofit lnSpcReduction="10000"/>
+          </a:bodyPr>
+          <a:lstStyle/>
+          <a:p>
+            <a:pPr algn="ctr" fontAlgn="auto">
+              <a:spcAft>
+                <a:spcPts val="0"/>
+              </a:spcAft>
+              <a:buFont typeface="Arial" pitchFamily="34" charset="0"/>
+              <a:buChar char="•"/>
+              <a:defRPr/>
+            </a:pPr>
+            <a:endParaRPr lang="es-MX" sz="3600" dirty="0" smtClean="0">
+              <a:latin typeface="Arial" charset="0"/>
+            </a:endParaRPr>
+          </a:p>
+          <a:p>
+            <a:pPr fontAlgn="auto">
+              <a:spcAft>
+                <a:spcPts val="0"/>
+              </a:spcAft>
+              <a:buFont typeface="Arial" pitchFamily="34" charset="0"/>
+              <a:buChar char="•"/>
+              <a:defRPr/>
+            </a:pPr>
+            <a:r>
+              <a:rPr lang="es-MX" sz="2800" dirty="0" smtClean="0">
+                <a:latin typeface="Arial" charset="0"/>
+              </a:rPr>
+              <a:t>Las técnicas de </a:t>
+            </a:r>
+            <a:r>
+              <a:rPr lang="es-MX" sz="2800" b="1" dirty="0" smtClean="0">
+                <a:latin typeface="Arial" charset="0"/>
+              </a:rPr>
+              <a:t>Minería de Textos </a:t>
+            </a:r>
+            <a:r>
+              <a:rPr lang="es-MX" sz="2800" dirty="0" smtClean="0">
+                <a:latin typeface="Arial" charset="0"/>
+              </a:rPr>
+              <a:t>han tenido éxito en una actividad  relacionada con nuestro proyecto: la </a:t>
+            </a:r>
+            <a:r>
+              <a:rPr lang="es-MX" sz="2800" b="1" i="1" dirty="0" smtClean="0">
+                <a:latin typeface="Arial" charset="0"/>
+              </a:rPr>
+              <a:t>clasificación de textos</a:t>
+            </a:r>
+            <a:r>
+              <a:rPr lang="es-MX" sz="2800" b="1" dirty="0" smtClean="0">
+                <a:latin typeface="Arial" charset="0"/>
+              </a:rPr>
+              <a:t> </a:t>
+            </a:r>
+            <a:r>
+              <a:rPr lang="es-MX" sz="2800" dirty="0" smtClean="0">
+                <a:latin typeface="Arial" charset="0"/>
+              </a:rPr>
+              <a:t>de acuerdo con determinadas categorías.</a:t>
+            </a:r>
+          </a:p>
+          <a:p>
+            <a:pPr fontAlgn="auto">
+              <a:spcAft>
+                <a:spcPts val="0"/>
+              </a:spcAft>
+              <a:buFont typeface="Arial" pitchFamily="34" charset="0"/>
+              <a:buChar char="•"/>
+              <a:defRPr/>
+            </a:pPr>
+            <a:r>
+              <a:rPr lang="es-MX" sz="2800" dirty="0" smtClean="0">
+                <a:latin typeface="Arial" charset="0"/>
+              </a:rPr>
+              <a:t>Los </a:t>
+            </a:r>
+            <a:r>
+              <a:rPr lang="es-MX" sz="2800" b="1" i="1" dirty="0" smtClean="0">
+                <a:latin typeface="Arial" charset="0"/>
+              </a:rPr>
+              <a:t>tuits</a:t>
+            </a:r>
+            <a:r>
+              <a:rPr lang="es-MX" sz="2800" dirty="0" smtClean="0">
+                <a:latin typeface="Arial" charset="0"/>
+              </a:rPr>
+              <a:t> son nuestros documentos y pretendemos clasificarlos en una de dos clases:</a:t>
+            </a:r>
+          </a:p>
+          <a:p>
+            <a:pPr lvl="1" fontAlgn="auto">
+              <a:spcAft>
+                <a:spcPts val="0"/>
+              </a:spcAft>
+              <a:buFont typeface="Arial" pitchFamily="34" charset="0"/>
+              <a:buChar char="–"/>
+              <a:defRPr/>
+            </a:pPr>
+            <a:r>
+              <a:rPr lang="es-MX" sz="2400" dirty="0" smtClean="0">
+                <a:latin typeface="Arial" charset="0"/>
+              </a:rPr>
+              <a:t>Mensajes de odio</a:t>
+            </a:r>
+          </a:p>
+          <a:p>
+            <a:pPr lvl="1" fontAlgn="auto">
+              <a:spcAft>
+                <a:spcPts val="0"/>
+              </a:spcAft>
+              <a:buFont typeface="Arial" pitchFamily="34" charset="0"/>
+              <a:buChar char="–"/>
+              <a:defRPr/>
+            </a:pPr>
+            <a:r>
+              <a:rPr lang="es-MX" sz="2400" dirty="0" smtClean="0">
+                <a:latin typeface="Arial" charset="0"/>
+              </a:rPr>
+              <a:t>Mensajes neutros.</a:t>
+            </a:r>
+          </a:p>
+          <a:p>
+            <a:pPr lvl="1" fontAlgn="auto">
+              <a:spcAft>
+                <a:spcPts val="0"/>
+              </a:spcAft>
+              <a:buFont typeface="Arial" pitchFamily="34" charset="0"/>
+              <a:buChar char="–"/>
+              <a:defRPr/>
+            </a:pPr>
+            <a:endParaRPr lang="es-ES" dirty="0" smtClean="0">
+              <a:latin typeface="Arial" charset="0"/>
+            </a:endParaRPr>
+          </a:p>
+          <a:p>
+            <a:pPr fontAlgn="auto">
+              <a:spcAft>
+                <a:spcPts val="0"/>
+              </a:spcAft>
+              <a:buFont typeface="Arial" pitchFamily="34" charset="0"/>
+              <a:buChar char="•"/>
+              <a:defRPr/>
+            </a:pPr>
+            <a:endParaRPr lang="es-ES" dirty="0"/>
+          </a:p>
+        </p:txBody>
+      </p:sp>
+      <p:sp>
+        <p:nvSpPr>
+          <p:cNvPr id="4" name="3 Marcador de fecha"/>
+          <p:cNvSpPr>
+            <a:spLocks noGrp="1"/>
+          </p:cNvSpPr>
+          <p:nvPr>
+            <p:ph type="dt" sz="half" idx="10"/>
+          </p:nvPr>
+        </p:nvSpPr>
+        <p:spPr/>
+        <p:txBody>
+          <a:bodyPr/>
+          <a:lstStyle/>
+          <a:p>
+            <a:pPr>
+              <a:defRPr/>
+            </a:pPr>
+            <a:fld id="{7E69781C-4455-4EB7-A4B6-65DDF09E43A7}" type="datetime1">
+              <a:rPr lang="es-ES" smtClean="0"/>
+              <a:pPr>
+                <a:defRPr/>
+              </a:pPr>
+              <a:t>12/05/2017</a:t>
+            </a:fld>
+            <a:endParaRPr lang="es-ES" dirty="0"/>
+          </a:p>
+        </p:txBody>
+      </p:sp>
+      <p:sp>
+        <p:nvSpPr>
+          <p:cNvPr id="6" name="5 Marcador de pie de página"/>
+          <p:cNvSpPr>
+            <a:spLocks noGrp="1"/>
+          </p:cNvSpPr>
+          <p:nvPr>
+            <p:ph type="ftr" sz="quarter" idx="11"/>
+          </p:nvPr>
+        </p:nvSpPr>
+        <p:spPr/>
+        <p:txBody>
+          <a:bodyPr/>
+          <a:lstStyle/>
+          <a:p>
+            <a:pPr>
+              <a:defRPr/>
+            </a:pPr>
+            <a:r>
+              <a:rPr lang="es-ES" dirty="0" smtClean="0"/>
+              <a:t>Clasificación de Tuits y PNL</a:t>
+            </a:r>
+            <a:endParaRPr lang="es-ES" dirty="0"/>
+          </a:p>
+        </p:txBody>
+      </p:sp>
+      <p:sp>
+        <p:nvSpPr>
+          <p:cNvPr id="7" name="6 Marcador de número de diapositiva"/>
+          <p:cNvSpPr>
+            <a:spLocks noGrp="1"/>
+          </p:cNvSpPr>
+          <p:nvPr>
+            <p:ph type="sldNum" sz="quarter" idx="12"/>
+          </p:nvPr>
+        </p:nvSpPr>
+        <p:spPr/>
+        <p:txBody>
+          <a:bodyPr/>
+          <a:lstStyle/>
+          <a:p>
+            <a:pPr>
+              <a:defRPr/>
+            </a:pPr>
+            <a:fld id="{07ABBCD0-34FF-4EE4-BE2E-55B98D8D62A6}" type="slidenum">
+              <a:rPr lang="es-ES" smtClean="0"/>
+              <a:pPr>
+                <a:defRPr/>
+              </a:pPr>
+              <a:t>4</a:t>
+            </a:fld>
+            <a:endParaRPr lang="es-ES" dirty="0"/>
+          </a:p>
+        </p:txBody>
+      </p:sp>
+    </p:spTree>
+  </p:cSld>
+  <p:clrMapOvr>
+    <a:masterClrMapping/>
+  </p:clrMapOvr>
+  <p:timing>
+    <p:tnLst>
+      <p:par>
+        <p:cTn id="1" dur="indefinite" restart="never" nodeType="tmRoot"/>
+      </p:par>
+    </p:tnLst>
+  </p:timing>
+</p:sld>
+</file>
+
+<file path=ppt/slides/slide40.xml><?xml version="1.0" encoding="utf-8"?>
+<p:sld xmlns:a="http://schemas.openxmlformats.org/drawingml/2006/main" xmlns:r="http://schemas.openxmlformats.org/officeDocument/2006/relationships" xmlns:p="http://schemas.openxmlformats.org/presentationml/2006/main">
+  <p:cSld>
+    <p:spTree>
+      <p:nvGrpSpPr>
+        <p:cNvPr id="1" name=""/>
+        <p:cNvGrpSpPr/>
+        <p:nvPr/>
+      </p:nvGrpSpPr>
+      <p:grpSpPr>
+        <a:xfrm>
+          <a:off x="0" y="0"/>
+          <a:ext cx="0" cy="0"/>
+          <a:chOff x="0" y="0"/>
+          <a:chExt cx="0" cy="0"/>
+        </a:xfrm>
+      </p:grpSpPr>
+      <mc:AlternateContent xmlns:mc="http://schemas.openxmlformats.org/markup-compatibility/2006">
+        <mc:Choice xmlns:a14="http://schemas.microsoft.com/office/drawing/2010/main" xmlns="" Requires="a14">
           <p:sp>
             <p:nvSpPr>
               <p:cNvPr id="2" name="Marcador de contenido 1"/>
@@ -16364,7 +16983,7 @@
                     <a:latin typeface="Times New Roman" panose="02020603050405020304" pitchFamily="18" charset="0"/>
                     <a:cs typeface="Times New Roman" panose="02020603050405020304" pitchFamily="18" charset="0"/>
                   </a:rPr>
-                  <a:t> </a:t>
+                  <a:t/>
                 </a:r>
                 <a:endParaRPr lang="es-ES" b="1" dirty="0" smtClean="0">
                   <a:latin typeface="Times New Roman" panose="02020603050405020304" pitchFamily="18" charset="0"/>
@@ -16378,7 +16997,7 @@
                 </a:r>
                 <a:r>
                   <a:rPr lang="es-ES" sz="2400" dirty="0"/>
-                  <a:t> </a:t>
+                  <a:t/>
                 </a:r>
                 <a:r>
                   <a:rPr lang="es-ES" sz="2400" dirty="0" smtClean="0"/>
@@ -16432,7 +17051,7 @@
                 </a:pPr>
                 <a:r>
                   <a:rPr lang="es-ES" sz="1600" dirty="0" smtClean="0"/>
-                  <a:t> </a:t>
+                  <a:t/>
                 </a:r>
                 <a14:m>
                   <m:oMath xmlns:m="http://schemas.openxmlformats.org/officeDocument/2006/math">
@@ -16660,7 +17279,7 @@
                 </a:pPr>
                 <a:r>
                   <a:rPr lang="es-ES" sz="2000" dirty="0" smtClean="0"/>
-                  <a:t>  </a:t>
+                  <a:t/>
                 </a:r>
                 <a14:m>
                   <m:oMath xmlns:m="http://schemas.openxmlformats.org/officeDocument/2006/math">
@@ -16814,7 +17433,7 @@
                 <a:pPr lvl="1"/>
                 <a:r>
                   <a:rPr lang="es-ES" sz="2000" dirty="0" smtClean="0"/>
-                  <a:t>                                                     </a:t>
+                  <a:t/>
                 </a:r>
               </a:p>
               <a:p>
@@ -16826,7 +17445,7 @@
             </p:txBody>
           </p:sp>
         </mc:Choice>
-        <mc:Fallback xmlns="">
+        <mc:Fallback>
           <p:sp>
             <p:nvSpPr>
               <p:cNvPr id="2" name="Marcador de contenido 1"/>
@@ -16887,7 +17506,7 @@
               <a:pPr>
                 <a:defRPr/>
               </a:pPr>
-              <a:t>10/05/2017</a:t>
+              <a:t>12/05/2017</a:t>
             </a:fld>
             <a:endParaRPr lang="es-ES" dirty="0"/>
           </a:p>
@@ -16942,7 +17561,7 @@
               <a:pPr>
                 <a:defRPr/>
               </a:pPr>
-              <a:t>39</a:t>
+              <a:t>40</a:t>
             </a:fld>
             <a:endParaRPr lang="es-ES" dirty="0"/>
           </a:p>
@@ -16999,7 +17618,7 @@
     </p:spTree>
     <p:extLst>
       <p:ext uri="{BB962C8B-B14F-4D97-AF65-F5344CB8AC3E}">
-        <p14:creationId xmlns:p14="http://schemas.microsoft.com/office/powerpoint/2010/main" val="2183830485"/>
+        <p14:creationId xmlns:p14="http://schemas.microsoft.com/office/powerpoint/2010/main" xmlns="" val="2183830485"/>
       </p:ext>
     </p:extLst>
   </p:cSld>
@@ -17016,341 +17635,7 @@
 </p:sld>
 </file>
 
-<file path=ppt/slides/slide4.xml><?xml version="1.0" encoding="utf-8"?>
-<p:sld xmlns:a="http://schemas.openxmlformats.org/drawingml/2006/main" xmlns:r="http://schemas.openxmlformats.org/officeDocument/2006/relationships" xmlns:p="http://schemas.openxmlformats.org/presentationml/2006/main">
-  <p:cSld>
-    <p:spTree>
-      <p:nvGrpSpPr>
-        <p:cNvPr id="1" name=""/>
-        <p:cNvGrpSpPr/>
-        <p:nvPr/>
-      </p:nvGrpSpPr>
-      <p:grpSpPr>
-        <a:xfrm>
-          <a:off x="0" y="0"/>
-          <a:ext cx="0" cy="0"/>
-          <a:chOff x="0" y="0"/>
-          <a:chExt cx="0" cy="0"/>
-        </a:xfrm>
-      </p:grpSpPr>
-      <p:sp>
-        <p:nvSpPr>
-          <p:cNvPr id="2" name="1 Título"/>
-          <p:cNvSpPr>
-            <a:spLocks noGrp="1"/>
-          </p:cNvSpPr>
-          <p:nvPr>
-            <p:ph type="title" idx="4294967295"/>
-          </p:nvPr>
-        </p:nvSpPr>
-        <p:spPr>
-          <a:xfrm>
-            <a:off x="285720" y="1142984"/>
-            <a:ext cx="8229600" cy="1082675"/>
-          </a:xfrm>
-          <a:prstGeom prst="rect">
-            <a:avLst/>
-          </a:prstGeom>
-        </p:spPr>
-        <p:txBody>
-          <a:bodyPr rtlCol="0">
-            <a:normAutofit fontScale="90000"/>
-          </a:bodyPr>
-          <a:lstStyle/>
-          <a:p>
-            <a:pPr fontAlgn="auto">
-              <a:spcAft>
-                <a:spcPts val="0"/>
-              </a:spcAft>
-              <a:defRPr/>
-            </a:pPr>
-            <a:r>
-              <a:rPr lang="es-MX" sz="3600" b="1" dirty="0" smtClean="0">
-                <a:latin typeface="Arial" charset="0"/>
-              </a:rPr>
-              <a:t>Categorización de Tuits</a:t>
-            </a:r>
-            <a:r>
-              <a:rPr lang="es-MX" b="1" dirty="0" smtClean="0">
-                <a:latin typeface="Arial" charset="0"/>
-              </a:rPr>
-              <a:t/>
-            </a:r>
-            <a:br>
-              <a:rPr lang="es-MX" b="1" dirty="0" smtClean="0">
-                <a:latin typeface="Arial" charset="0"/>
-              </a:rPr>
-            </a:br>
-            <a:endParaRPr lang="es-ES" dirty="0"/>
-          </a:p>
-        </p:txBody>
-      </p:sp>
-      <p:sp>
-        <p:nvSpPr>
-          <p:cNvPr id="3" name="2 Marcador de contenido"/>
-          <p:cNvSpPr>
-            <a:spLocks noGrp="1"/>
-          </p:cNvSpPr>
-          <p:nvPr>
-            <p:ph idx="1"/>
-          </p:nvPr>
-        </p:nvSpPr>
-        <p:spPr>
-          <a:xfrm>
-            <a:off x="500034" y="1412776"/>
-            <a:ext cx="8229600" cy="4168787"/>
-          </a:xfrm>
-        </p:spPr>
-        <p:txBody>
-          <a:bodyPr rtlCol="0">
-            <a:normAutofit lnSpcReduction="10000"/>
-          </a:bodyPr>
-          <a:lstStyle/>
-          <a:p>
-            <a:pPr algn="ctr" fontAlgn="auto">
-              <a:spcAft>
-                <a:spcPts val="0"/>
-              </a:spcAft>
-              <a:buFont typeface="Arial" pitchFamily="34" charset="0"/>
-              <a:buChar char="•"/>
-              <a:defRPr/>
-            </a:pPr>
-            <a:endParaRPr lang="es-MX" sz="3600" dirty="0" smtClean="0">
-              <a:latin typeface="Arial" charset="0"/>
-            </a:endParaRPr>
-          </a:p>
-          <a:p>
-            <a:pPr fontAlgn="auto">
-              <a:spcAft>
-                <a:spcPts val="0"/>
-              </a:spcAft>
-              <a:buFont typeface="Arial" pitchFamily="34" charset="0"/>
-              <a:buChar char="•"/>
-              <a:defRPr/>
-            </a:pPr>
-            <a:r>
-              <a:rPr lang="es-MX" sz="2800" dirty="0" smtClean="0">
-                <a:latin typeface="Arial" charset="0"/>
-              </a:rPr>
-              <a:t>Las técnicas de </a:t>
-            </a:r>
-            <a:r>
-              <a:rPr lang="es-MX" sz="2800" b="1" dirty="0" smtClean="0">
-                <a:latin typeface="Arial" charset="0"/>
-              </a:rPr>
-              <a:t>Minería de Textos </a:t>
-            </a:r>
-            <a:r>
-              <a:rPr lang="es-MX" sz="2800" dirty="0" smtClean="0">
-                <a:latin typeface="Arial" charset="0"/>
-              </a:rPr>
-              <a:t>han tenido éxito en una actividad  relacionada con nuestro proyecto: la </a:t>
-            </a:r>
-            <a:r>
-              <a:rPr lang="es-MX" sz="2800" b="1" i="1" dirty="0" smtClean="0">
-                <a:latin typeface="Arial" charset="0"/>
-              </a:rPr>
-              <a:t>clasificación de textos</a:t>
-            </a:r>
-            <a:r>
-              <a:rPr lang="es-MX" sz="2800" b="1" dirty="0" smtClean="0">
-                <a:latin typeface="Arial" charset="0"/>
-              </a:rPr>
-              <a:t> </a:t>
-            </a:r>
-            <a:r>
-              <a:rPr lang="es-MX" sz="2800" dirty="0" smtClean="0">
-                <a:latin typeface="Arial" charset="0"/>
-              </a:rPr>
-              <a:t>de acuerdo con determinadas categorías.</a:t>
-            </a:r>
-          </a:p>
-          <a:p>
-            <a:pPr fontAlgn="auto">
-              <a:spcAft>
-                <a:spcPts val="0"/>
-              </a:spcAft>
-              <a:buFont typeface="Arial" pitchFamily="34" charset="0"/>
-              <a:buChar char="•"/>
-              <a:defRPr/>
-            </a:pPr>
-            <a:r>
-              <a:rPr lang="es-MX" sz="2800" dirty="0" smtClean="0">
-                <a:latin typeface="Arial" charset="0"/>
-              </a:rPr>
-              <a:t>Los </a:t>
-            </a:r>
-            <a:r>
-              <a:rPr lang="es-MX" sz="2800" b="1" i="1" dirty="0" smtClean="0">
-                <a:latin typeface="Arial" charset="0"/>
-              </a:rPr>
-              <a:t>tuits</a:t>
-            </a:r>
-            <a:r>
-              <a:rPr lang="es-MX" sz="2800" dirty="0" smtClean="0">
-                <a:latin typeface="Arial" charset="0"/>
-              </a:rPr>
-              <a:t> son nuestros documentos y pretendemos clasificarlos en una de dos clases:</a:t>
-            </a:r>
-          </a:p>
-          <a:p>
-            <a:pPr lvl="1" fontAlgn="auto">
-              <a:spcAft>
-                <a:spcPts val="0"/>
-              </a:spcAft>
-              <a:buFont typeface="Arial" pitchFamily="34" charset="0"/>
-              <a:buChar char="–"/>
-              <a:defRPr/>
-            </a:pPr>
-            <a:r>
-              <a:rPr lang="es-MX" sz="2400" dirty="0" smtClean="0">
-                <a:latin typeface="Arial" charset="0"/>
-              </a:rPr>
-              <a:t>Mensajes de odio</a:t>
-            </a:r>
-          </a:p>
-          <a:p>
-            <a:pPr lvl="1" fontAlgn="auto">
-              <a:spcAft>
-                <a:spcPts val="0"/>
-              </a:spcAft>
-              <a:buFont typeface="Arial" pitchFamily="34" charset="0"/>
-              <a:buChar char="–"/>
-              <a:defRPr/>
-            </a:pPr>
-            <a:r>
-              <a:rPr lang="es-MX" sz="2400" dirty="0" smtClean="0">
-                <a:latin typeface="Arial" charset="0"/>
-              </a:rPr>
-              <a:t>Mensajes neutros.</a:t>
-            </a:r>
-          </a:p>
-          <a:p>
-            <a:pPr lvl="1" fontAlgn="auto">
-              <a:spcAft>
-                <a:spcPts val="0"/>
-              </a:spcAft>
-              <a:buFont typeface="Arial" pitchFamily="34" charset="0"/>
-              <a:buChar char="–"/>
-              <a:defRPr/>
-            </a:pPr>
-            <a:endParaRPr lang="es-ES" dirty="0" smtClean="0">
-              <a:latin typeface="Arial" charset="0"/>
-            </a:endParaRPr>
-          </a:p>
-          <a:p>
-            <a:pPr fontAlgn="auto">
-              <a:spcAft>
-                <a:spcPts val="0"/>
-              </a:spcAft>
-              <a:buFont typeface="Arial" pitchFamily="34" charset="0"/>
-              <a:buChar char="•"/>
-              <a:defRPr/>
-            </a:pPr>
-            <a:endParaRPr lang="es-ES" dirty="0"/>
-          </a:p>
-        </p:txBody>
-      </p:sp>
-      <p:sp>
-        <p:nvSpPr>
-          <p:cNvPr id="4" name="3 Marcador de fecha"/>
-          <p:cNvSpPr>
-            <a:spLocks noGrp="1"/>
-          </p:cNvSpPr>
-          <p:nvPr>
-            <p:ph type="dt" sz="half" idx="10"/>
-          </p:nvPr>
-        </p:nvSpPr>
-        <p:spPr/>
-        <p:txBody>
-          <a:bodyPr/>
-          <a:lstStyle/>
-          <a:p>
-            <a:pPr>
-              <a:defRPr/>
-            </a:pPr>
-            <a:fld id="{7E69781C-4455-4EB7-A4B6-65DDF09E43A7}" type="datetime1">
-              <a:rPr lang="es-ES" smtClean="0"/>
-              <a:pPr>
-                <a:defRPr/>
-              </a:pPr>
-              <a:t>10/05/2017</a:t>
-            </a:fld>
-            <a:endParaRPr lang="es-ES" dirty="0"/>
-          </a:p>
-        </p:txBody>
-      </p:sp>
-      <p:sp>
-        <p:nvSpPr>
-          <p:cNvPr id="6" name="5 Marcador de pie de página"/>
-          <p:cNvSpPr>
-            <a:spLocks noGrp="1"/>
-          </p:cNvSpPr>
-          <p:nvPr>
-            <p:ph type="ftr" sz="quarter" idx="11"/>
-          </p:nvPr>
-        </p:nvSpPr>
-        <p:spPr/>
-        <p:txBody>
-          <a:bodyPr/>
-          <a:lstStyle/>
-          <a:p>
-            <a:pPr>
-              <a:defRPr/>
-            </a:pPr>
-            <a:r>
-              <a:rPr lang="es-ES" dirty="0" smtClean="0"/>
-              <a:t>Clasificación de Tuits y PNL</a:t>
-            </a:r>
-            <a:endParaRPr lang="es-ES" dirty="0"/>
-          </a:p>
-        </p:txBody>
-      </p:sp>
-      <p:sp>
-        <p:nvSpPr>
-          <p:cNvPr id="7" name="6 Marcador de número de diapositiva"/>
-          <p:cNvSpPr>
-            <a:spLocks noGrp="1"/>
-          </p:cNvSpPr>
-          <p:nvPr>
-            <p:ph type="sldNum" sz="quarter" idx="12"/>
-          </p:nvPr>
-        </p:nvSpPr>
-        <p:spPr/>
-        <p:txBody>
-          <a:bodyPr/>
-          <a:lstStyle/>
-          <a:p>
-            <a:pPr>
-              <a:defRPr/>
-            </a:pPr>
-            <a:fld id="{07ABBCD0-34FF-4EE4-BE2E-55B98D8D62A6}" type="slidenum">
-              <a:rPr lang="es-ES" smtClean="0"/>
-              <a:pPr>
-                <a:defRPr/>
-              </a:pPr>
-              <a:t>4</a:t>
-            </a:fld>
-            <a:endParaRPr lang="es-ES" dirty="0"/>
-          </a:p>
-        </p:txBody>
-      </p:sp>
-    </p:spTree>
-  </p:cSld>
-  <p:clrMapOvr>
-    <a:masterClrMapping/>
-  </p:clrMapOvr>
-  <p:timing>
-    <p:tnLst>
-      <p:par>
-        <p:cTn id="1" dur="indefinite" restart="never" nodeType="tmRoot"/>
-      </p:par>
-    </p:tnLst>
-  </p:timing>
-</p:sld>
-</file>
-
-<file path=ppt/slides/slide40.xml><?xml version="1.0" encoding="utf-8"?>
+<file path=ppt/slides/slide41.xml><?xml version="1.0" encoding="utf-8"?>
 <p:sld xmlns:a="http://schemas.openxmlformats.org/drawingml/2006/main" xmlns:r="http://schemas.openxmlformats.org/officeDocument/2006/relationships" xmlns:p="http://schemas.openxmlformats.org/presentationml/2006/main">
   <p:cSld>
     <p:spTree>
@@ -17368,7 +17653,7 @@
         </a:xfrm>
       </p:grpSpPr>
       <mc:AlternateContent xmlns:mc="http://schemas.openxmlformats.org/markup-compatibility/2006">
-        <mc:Choice xmlns:a14="http://schemas.microsoft.com/office/drawing/2010/main" Requires="a14">
+        <mc:Choice xmlns:a14="http://schemas.microsoft.com/office/drawing/2010/main" xmlns="" Requires="a14">
           <p:sp>
             <p:nvSpPr>
               <p:cNvPr id="2" name="Marcador de contenido 1"/>
@@ -17845,7 +18130,7 @@
                     <a:latin typeface="Times New Roman" panose="02020603050405020304" pitchFamily="18" charset="0"/>
                     <a:cs typeface="Times New Roman" panose="02020603050405020304" pitchFamily="18" charset="0"/>
                   </a:rPr>
-                  <a:t> </a:t>
+                  <a:t/>
                 </a:r>
                 <a:r>
                   <a:rPr lang="es-ES" dirty="0">
@@ -18413,7 +18698,7 @@
                     <a:latin typeface="Times New Roman" panose="02020603050405020304" pitchFamily="18" charset="0"/>
                     <a:cs typeface="Times New Roman" panose="02020603050405020304" pitchFamily="18" charset="0"/>
                   </a:rPr>
-                  <a:t> </a:t>
+                  <a:t/>
                 </a:r>
                 <a:r>
                   <a:rPr lang="es-ES" dirty="0">
@@ -18898,7 +19183,7 @@
               <a:pPr>
                 <a:defRPr/>
               </a:pPr>
-              <a:t>10/05/2017</a:t>
+              <a:t>12/05/2017</a:t>
             </a:fld>
             <a:endParaRPr lang="es-ES" dirty="0"/>
           </a:p>
@@ -18953,7 +19238,7 @@
               <a:pPr>
                 <a:defRPr/>
               </a:pPr>
-              <a:t>40</a:t>
+              <a:t>41</a:t>
             </a:fld>
             <a:endParaRPr lang="es-ES" dirty="0"/>
           </a:p>
@@ -18962,7 +19247,7 @@
     </p:spTree>
     <p:extLst>
       <p:ext uri="{BB962C8B-B14F-4D97-AF65-F5344CB8AC3E}">
-        <p14:creationId xmlns:p14="http://schemas.microsoft.com/office/powerpoint/2010/main" val="2193847820"/>
+        <p14:creationId xmlns:p14="http://schemas.microsoft.com/office/powerpoint/2010/main" xmlns="" val="2193847820"/>
       </p:ext>
     </p:extLst>
   </p:cSld>
@@ -18979,7 +19264,7 @@
 </p:sld>
 </file>
 
-<file path=ppt/slides/slide41.xml><?xml version="1.0" encoding="utf-8"?>
+<file path=ppt/slides/slide42.xml><?xml version="1.0" encoding="utf-8"?>
 <p:sld xmlns:a="http://schemas.openxmlformats.org/drawingml/2006/main" xmlns:r="http://schemas.openxmlformats.org/officeDocument/2006/relationships" xmlns:p="http://schemas.openxmlformats.org/presentationml/2006/main">
   <p:cSld>
     <p:spTree>
@@ -19165,7 +19450,7 @@
               <a:pPr>
                 <a:defRPr/>
               </a:pPr>
-              <a:t>10/05/2017</a:t>
+              <a:t>12/05/2017</a:t>
             </a:fld>
             <a:endParaRPr lang="es-ES" dirty="0"/>
           </a:p>
@@ -19220,7 +19505,7 @@
               <a:pPr>
                 <a:defRPr/>
               </a:pPr>
-              <a:t>41</a:t>
+              <a:t>42</a:t>
             </a:fld>
             <a:endParaRPr lang="es-ES" dirty="0"/>
           </a:p>
@@ -19315,302 +19600,7 @@
     </p:spTree>
     <p:extLst>
       <p:ext uri="{BB962C8B-B14F-4D97-AF65-F5344CB8AC3E}">
-        <p14:creationId xmlns:p14="http://schemas.microsoft.com/office/powerpoint/2010/main" val="4091068582"/>
-      </p:ext>
-    </p:extLst>
-  </p:cSld>
-  <p:clrMapOvr>
-    <a:masterClrMapping/>
-  </p:clrMapOvr>
-  <p:timing>
-    <p:tnLst>
-      <p:par>
-        <p:cTn id="1" dur="indefinite" restart="never" nodeType="tmRoot"/>
-      </p:par>
-    </p:tnLst>
-  </p:timing>
-</p:sld>
-</file>
-
-<file path=ppt/slides/slide42.xml><?xml version="1.0" encoding="utf-8"?>
-<p:sld xmlns:a="http://schemas.openxmlformats.org/drawingml/2006/main" xmlns:r="http://schemas.openxmlformats.org/officeDocument/2006/relationships" xmlns:p="http://schemas.openxmlformats.org/presentationml/2006/main">
-  <p:cSld>
-    <p:spTree>
-      <p:nvGrpSpPr>
-        <p:cNvPr id="1" name=""/>
-        <p:cNvGrpSpPr/>
-        <p:nvPr/>
-      </p:nvGrpSpPr>
-      <p:grpSpPr>
-        <a:xfrm>
-          <a:off x="0" y="0"/>
-          <a:ext cx="0" cy="0"/>
-          <a:chOff x="0" y="0"/>
-          <a:chExt cx="0" cy="0"/>
-        </a:xfrm>
-      </p:grpSpPr>
-      <p:sp>
-        <p:nvSpPr>
-          <p:cNvPr id="2" name="Marcador de contenido 1"/>
-          <p:cNvSpPr>
-            <a:spLocks noGrp="1"/>
-          </p:cNvSpPr>
-          <p:nvPr>
-            <p:ph idx="1"/>
-          </p:nvPr>
-        </p:nvSpPr>
-        <p:spPr>
-          <a:xfrm>
-            <a:off x="395536" y="980728"/>
-            <a:ext cx="8229600" cy="4525963"/>
-          </a:xfrm>
-        </p:spPr>
-        <p:txBody>
-          <a:bodyPr/>
-          <a:lstStyle/>
-          <a:p>
-            <a:pPr marL="0" indent="0" algn="ctr">
-              <a:buNone/>
-            </a:pPr>
-            <a:r>
-              <a:rPr lang="es-ES" b="1" dirty="0" smtClean="0"/>
-              <a:t>Algunos modelos de clasificadores </a:t>
-            </a:r>
-            <a:r>
-              <a:rPr lang="es-ES" dirty="0" smtClean="0"/>
-              <a:t>(3)</a:t>
-            </a:r>
-          </a:p>
-          <a:p>
-            <a:pPr marL="0" indent="0" algn="ctr">
-              <a:buNone/>
-            </a:pPr>
-            <a:r>
-              <a:rPr lang="es-ES" b="1" dirty="0" smtClean="0">
-                <a:solidFill>
-                  <a:srgbClr val="002060"/>
-                </a:solidFill>
-                <a:latin typeface="Times New Roman" panose="02020603050405020304" pitchFamily="18" charset="0"/>
-                <a:cs typeface="Times New Roman" panose="02020603050405020304" pitchFamily="18" charset="0"/>
-              </a:rPr>
-              <a:t>Árboles de decisión</a:t>
-            </a:r>
-            <a:r>
-              <a:rPr lang="es-ES" b="1" dirty="0" smtClean="0">
-                <a:latin typeface="Times New Roman" panose="02020603050405020304" pitchFamily="18" charset="0"/>
-                <a:cs typeface="Times New Roman" panose="02020603050405020304" pitchFamily="18" charset="0"/>
-              </a:rPr>
-              <a:t>:</a:t>
-            </a:r>
-          </a:p>
-          <a:p>
-            <a:pPr marL="457200" lvl="1" indent="0">
-              <a:buNone/>
-            </a:pPr>
-            <a:r>
-              <a:rPr lang="es-ES" dirty="0" smtClean="0">
-                <a:latin typeface="Times New Roman" panose="02020603050405020304" pitchFamily="18" charset="0"/>
-                <a:cs typeface="Times New Roman" panose="02020603050405020304" pitchFamily="18" charset="0"/>
-              </a:rPr>
-              <a:t>Árbol que representa un diagrama de flujo.</a:t>
-            </a:r>
-          </a:p>
-          <a:p>
-            <a:pPr lvl="2"/>
-            <a:r>
-              <a:rPr lang="es-ES" dirty="0" smtClean="0">
-                <a:latin typeface="Times New Roman" panose="02020603050405020304" pitchFamily="18" charset="0"/>
-                <a:cs typeface="Times New Roman" panose="02020603050405020304" pitchFamily="18" charset="0"/>
-              </a:rPr>
-              <a:t>Nodo -&gt;test</a:t>
-            </a:r>
-          </a:p>
-          <a:p>
-            <a:pPr lvl="2"/>
-            <a:r>
-              <a:rPr lang="es-ES" dirty="0" smtClean="0">
-                <a:latin typeface="Times New Roman" panose="02020603050405020304" pitchFamily="18" charset="0"/>
-                <a:cs typeface="Times New Roman" panose="02020603050405020304" pitchFamily="18" charset="0"/>
-              </a:rPr>
-              <a:t>Rama -&gt;resultado del test</a:t>
-            </a:r>
-          </a:p>
-          <a:p>
-            <a:pPr lvl="2"/>
-            <a:r>
-              <a:rPr lang="es-ES" dirty="0" smtClean="0">
-                <a:latin typeface="Times New Roman" panose="02020603050405020304" pitchFamily="18" charset="0"/>
-                <a:cs typeface="Times New Roman" panose="02020603050405020304" pitchFamily="18" charset="0"/>
-              </a:rPr>
-              <a:t>Nodos hojas -&gt;etiquetas de clase</a:t>
-            </a:r>
-          </a:p>
-          <a:p>
-            <a:pPr lvl="2"/>
-            <a:r>
-              <a:rPr lang="es-ES" dirty="0" smtClean="0">
-                <a:latin typeface="Times New Roman" panose="02020603050405020304" pitchFamily="18" charset="0"/>
-                <a:cs typeface="Times New Roman" panose="02020603050405020304" pitchFamily="18" charset="0"/>
-              </a:rPr>
-              <a:t>Medida de atributos -&gt; entropía</a:t>
-            </a:r>
-          </a:p>
-          <a:p>
-            <a:pPr marL="857250" lvl="1" indent="-457200"/>
-            <a:endParaRPr lang="es-ES" dirty="0" smtClean="0">
-              <a:latin typeface="Times New Roman" panose="02020603050405020304" pitchFamily="18" charset="0"/>
-              <a:cs typeface="Times New Roman" panose="02020603050405020304" pitchFamily="18" charset="0"/>
-            </a:endParaRPr>
-          </a:p>
-          <a:p>
-            <a:pPr marL="0" indent="0">
-              <a:buNone/>
-            </a:pPr>
-            <a:endParaRPr lang="es-ES" sz="2000" b="1" dirty="0">
-              <a:latin typeface="Times New Roman" panose="02020603050405020304" pitchFamily="18" charset="0"/>
-              <a:cs typeface="Times New Roman" panose="02020603050405020304" pitchFamily="18" charset="0"/>
-            </a:endParaRPr>
-          </a:p>
-          <a:p>
-            <a:pPr lvl="1"/>
-            <a:endParaRPr lang="es-ES" dirty="0">
-              <a:latin typeface="Times New Roman" panose="02020603050405020304" pitchFamily="18" charset="0"/>
-              <a:cs typeface="Times New Roman" panose="02020603050405020304" pitchFamily="18" charset="0"/>
-            </a:endParaRPr>
-          </a:p>
-          <a:p>
-            <a:pPr lvl="1"/>
-            <a:endParaRPr lang="es-ES" b="1" dirty="0" smtClean="0">
-              <a:latin typeface="Times New Roman" panose="02020603050405020304" pitchFamily="18" charset="0"/>
-              <a:cs typeface="Times New Roman" panose="02020603050405020304" pitchFamily="18" charset="0"/>
-            </a:endParaRPr>
-          </a:p>
-          <a:p>
-            <a:endParaRPr lang="es-ES" sz="2400" dirty="0" smtClean="0"/>
-          </a:p>
-          <a:p>
-            <a:pPr marL="0" indent="0">
-              <a:buNone/>
-            </a:pPr>
-            <a:endParaRPr lang="es-ES" sz="2400" dirty="0" smtClean="0"/>
-          </a:p>
-          <a:p>
-            <a:endParaRPr lang="es-ES" sz="2400" dirty="0"/>
-          </a:p>
-        </p:txBody>
-      </p:sp>
-      <p:sp>
-        <p:nvSpPr>
-          <p:cNvPr id="3" name="Marcador de fecha 2"/>
-          <p:cNvSpPr>
-            <a:spLocks noGrp="1"/>
-          </p:cNvSpPr>
-          <p:nvPr>
-            <p:ph type="dt" sz="half" idx="10"/>
-          </p:nvPr>
-        </p:nvSpPr>
-        <p:spPr/>
-        <p:txBody>
-          <a:bodyPr/>
-          <a:lstStyle/>
-          <a:p>
-            <a:pPr>
-              <a:defRPr/>
-            </a:pPr>
-            <a:fld id="{882F50FD-F3D2-4536-8E00-A7860B730F6A}" type="datetime1">
-              <a:rPr lang="es-ES" smtClean="0"/>
-              <a:pPr>
-                <a:defRPr/>
-              </a:pPr>
-              <a:t>10/05/2017</a:t>
-            </a:fld>
-            <a:endParaRPr lang="es-ES" dirty="0"/>
-          </a:p>
-        </p:txBody>
-      </p:sp>
-      <p:sp>
-        <p:nvSpPr>
-          <p:cNvPr id="4" name="Marcador de pie de página 3"/>
-          <p:cNvSpPr>
-            <a:spLocks noGrp="1"/>
-          </p:cNvSpPr>
-          <p:nvPr>
-            <p:ph type="ftr" sz="quarter" idx="11"/>
-          </p:nvPr>
-        </p:nvSpPr>
-        <p:spPr/>
-        <p:txBody>
-          <a:bodyPr/>
-          <a:lstStyle/>
-          <a:p>
-            <a:pPr>
-              <a:defRPr/>
-            </a:pPr>
-            <a:r>
-              <a:rPr lang="es-ES" dirty="0" smtClean="0"/>
-              <a:t>Clasificación de Tuits y PNL</a:t>
-            </a:r>
-            <a:endParaRPr lang="es-ES" dirty="0"/>
-          </a:p>
-        </p:txBody>
-      </p:sp>
-      <p:sp>
-        <p:nvSpPr>
-          <p:cNvPr id="5" name="Marcador de número de diapositiva 4"/>
-          <p:cNvSpPr>
-            <a:spLocks noGrp="1"/>
-          </p:cNvSpPr>
-          <p:nvPr>
-            <p:ph type="sldNum" sz="quarter" idx="12"/>
-          </p:nvPr>
-        </p:nvSpPr>
-        <p:spPr/>
-        <p:txBody>
-          <a:bodyPr/>
-          <a:lstStyle/>
-          <a:p>
-            <a:pPr>
-              <a:defRPr/>
-            </a:pPr>
-            <a:fld id="{07ABBCD0-34FF-4EE4-BE2E-55B98D8D62A6}" type="slidenum">
-              <a:rPr lang="es-ES" smtClean="0"/>
-              <a:pPr>
-                <a:defRPr/>
-              </a:pPr>
-              <a:t>42</a:t>
-            </a:fld>
-            <a:endParaRPr lang="es-ES" dirty="0"/>
-          </a:p>
-        </p:txBody>
-      </p:sp>
-      <p:pic>
-        <p:nvPicPr>
-          <p:cNvPr id="9" name="Imagen 8"/>
-          <p:cNvPicPr>
-            <a:picLocks noChangeAspect="1"/>
-          </p:cNvPicPr>
-          <p:nvPr/>
-        </p:nvPicPr>
-        <p:blipFill>
-          <a:blip r:embed="rId2"/>
-          <a:stretch>
-            <a:fillRect/>
-          </a:stretch>
-        </p:blipFill>
-        <p:spPr>
-          <a:xfrm>
-            <a:off x="1885950" y="4392289"/>
-            <a:ext cx="4667250" cy="1981200"/>
-          </a:xfrm>
-          <a:prstGeom prst="rect">
-            <a:avLst/>
-          </a:prstGeom>
-        </p:spPr>
-      </p:pic>
-    </p:spTree>
-    <p:extLst>
-      <p:ext uri="{BB962C8B-B14F-4D97-AF65-F5344CB8AC3E}">
-        <p14:creationId xmlns:p14="http://schemas.microsoft.com/office/powerpoint/2010/main" val="2180936773"/>
+        <p14:creationId xmlns:p14="http://schemas.microsoft.com/office/powerpoint/2010/main" xmlns="" val="4091068582"/>
       </p:ext>
     </p:extLst>
   </p:cSld>
@@ -19656,6 +19646,301 @@
         </p:nvSpPr>
         <p:spPr>
           <a:xfrm>
+            <a:off x="395536" y="980728"/>
+            <a:ext cx="8229600" cy="4525963"/>
+          </a:xfrm>
+        </p:spPr>
+        <p:txBody>
+          <a:bodyPr/>
+          <a:lstStyle/>
+          <a:p>
+            <a:pPr marL="0" indent="0" algn="ctr">
+              <a:buNone/>
+            </a:pPr>
+            <a:r>
+              <a:rPr lang="es-ES" b="1" dirty="0" smtClean="0"/>
+              <a:t>Algunos modelos de clasificadores </a:t>
+            </a:r>
+            <a:r>
+              <a:rPr lang="es-ES" dirty="0" smtClean="0"/>
+              <a:t>(3)</a:t>
+            </a:r>
+          </a:p>
+          <a:p>
+            <a:pPr marL="0" indent="0" algn="ctr">
+              <a:buNone/>
+            </a:pPr>
+            <a:r>
+              <a:rPr lang="es-ES" b="1" dirty="0" smtClean="0">
+                <a:solidFill>
+                  <a:srgbClr val="002060"/>
+                </a:solidFill>
+                <a:latin typeface="Times New Roman" panose="02020603050405020304" pitchFamily="18" charset="0"/>
+                <a:cs typeface="Times New Roman" panose="02020603050405020304" pitchFamily="18" charset="0"/>
+              </a:rPr>
+              <a:t>Árboles de decisión</a:t>
+            </a:r>
+            <a:r>
+              <a:rPr lang="es-ES" b="1" dirty="0" smtClean="0">
+                <a:latin typeface="Times New Roman" panose="02020603050405020304" pitchFamily="18" charset="0"/>
+                <a:cs typeface="Times New Roman" panose="02020603050405020304" pitchFamily="18" charset="0"/>
+              </a:rPr>
+              <a:t>:</a:t>
+            </a:r>
+          </a:p>
+          <a:p>
+            <a:pPr marL="457200" lvl="1" indent="0">
+              <a:buNone/>
+            </a:pPr>
+            <a:r>
+              <a:rPr lang="es-ES" dirty="0" smtClean="0">
+                <a:latin typeface="Times New Roman" panose="02020603050405020304" pitchFamily="18" charset="0"/>
+                <a:cs typeface="Times New Roman" panose="02020603050405020304" pitchFamily="18" charset="0"/>
+              </a:rPr>
+              <a:t>Árbol que representa un diagrama de flujo.</a:t>
+            </a:r>
+          </a:p>
+          <a:p>
+            <a:pPr lvl="2"/>
+            <a:r>
+              <a:rPr lang="es-ES" dirty="0" smtClean="0">
+                <a:latin typeface="Times New Roman" panose="02020603050405020304" pitchFamily="18" charset="0"/>
+                <a:cs typeface="Times New Roman" panose="02020603050405020304" pitchFamily="18" charset="0"/>
+              </a:rPr>
+              <a:t>Nodo -&gt;test</a:t>
+            </a:r>
+          </a:p>
+          <a:p>
+            <a:pPr lvl="2"/>
+            <a:r>
+              <a:rPr lang="es-ES" dirty="0" smtClean="0">
+                <a:latin typeface="Times New Roman" panose="02020603050405020304" pitchFamily="18" charset="0"/>
+                <a:cs typeface="Times New Roman" panose="02020603050405020304" pitchFamily="18" charset="0"/>
+              </a:rPr>
+              <a:t>Rama -&gt;resultado del test</a:t>
+            </a:r>
+          </a:p>
+          <a:p>
+            <a:pPr lvl="2"/>
+            <a:r>
+              <a:rPr lang="es-ES" dirty="0" smtClean="0">
+                <a:latin typeface="Times New Roman" panose="02020603050405020304" pitchFamily="18" charset="0"/>
+                <a:cs typeface="Times New Roman" panose="02020603050405020304" pitchFamily="18" charset="0"/>
+              </a:rPr>
+              <a:t>Nodos hojas -&gt;etiquetas de clase</a:t>
+            </a:r>
+          </a:p>
+          <a:p>
+            <a:pPr lvl="2"/>
+            <a:r>
+              <a:rPr lang="es-ES" dirty="0" smtClean="0">
+                <a:latin typeface="Times New Roman" panose="02020603050405020304" pitchFamily="18" charset="0"/>
+                <a:cs typeface="Times New Roman" panose="02020603050405020304" pitchFamily="18" charset="0"/>
+              </a:rPr>
+              <a:t>Medida de atributos -&gt; entropía</a:t>
+            </a:r>
+          </a:p>
+          <a:p>
+            <a:pPr marL="857250" lvl="1" indent="-457200"/>
+            <a:endParaRPr lang="es-ES" dirty="0" smtClean="0">
+              <a:latin typeface="Times New Roman" panose="02020603050405020304" pitchFamily="18" charset="0"/>
+              <a:cs typeface="Times New Roman" panose="02020603050405020304" pitchFamily="18" charset="0"/>
+            </a:endParaRPr>
+          </a:p>
+          <a:p>
+            <a:pPr marL="0" indent="0">
+              <a:buNone/>
+            </a:pPr>
+            <a:endParaRPr lang="es-ES" sz="2000" b="1" dirty="0">
+              <a:latin typeface="Times New Roman" panose="02020603050405020304" pitchFamily="18" charset="0"/>
+              <a:cs typeface="Times New Roman" panose="02020603050405020304" pitchFamily="18" charset="0"/>
+            </a:endParaRPr>
+          </a:p>
+          <a:p>
+            <a:pPr lvl="1"/>
+            <a:endParaRPr lang="es-ES" dirty="0">
+              <a:latin typeface="Times New Roman" panose="02020603050405020304" pitchFamily="18" charset="0"/>
+              <a:cs typeface="Times New Roman" panose="02020603050405020304" pitchFamily="18" charset="0"/>
+            </a:endParaRPr>
+          </a:p>
+          <a:p>
+            <a:pPr lvl="1"/>
+            <a:endParaRPr lang="es-ES" b="1" dirty="0" smtClean="0">
+              <a:latin typeface="Times New Roman" panose="02020603050405020304" pitchFamily="18" charset="0"/>
+              <a:cs typeface="Times New Roman" panose="02020603050405020304" pitchFamily="18" charset="0"/>
+            </a:endParaRPr>
+          </a:p>
+          <a:p>
+            <a:endParaRPr lang="es-ES" sz="2400" dirty="0" smtClean="0"/>
+          </a:p>
+          <a:p>
+            <a:pPr marL="0" indent="0">
+              <a:buNone/>
+            </a:pPr>
+            <a:endParaRPr lang="es-ES" sz="2400" dirty="0" smtClean="0"/>
+          </a:p>
+          <a:p>
+            <a:endParaRPr lang="es-ES" sz="2400" dirty="0"/>
+          </a:p>
+        </p:txBody>
+      </p:sp>
+      <p:sp>
+        <p:nvSpPr>
+          <p:cNvPr id="3" name="Marcador de fecha 2"/>
+          <p:cNvSpPr>
+            <a:spLocks noGrp="1"/>
+          </p:cNvSpPr>
+          <p:nvPr>
+            <p:ph type="dt" sz="half" idx="10"/>
+          </p:nvPr>
+        </p:nvSpPr>
+        <p:spPr/>
+        <p:txBody>
+          <a:bodyPr/>
+          <a:lstStyle/>
+          <a:p>
+            <a:pPr>
+              <a:defRPr/>
+            </a:pPr>
+            <a:fld id="{882F50FD-F3D2-4536-8E00-A7860B730F6A}" type="datetime1">
+              <a:rPr lang="es-ES" smtClean="0"/>
+              <a:pPr>
+                <a:defRPr/>
+              </a:pPr>
+              <a:t>12/05/2017</a:t>
+            </a:fld>
+            <a:endParaRPr lang="es-ES" dirty="0"/>
+          </a:p>
+        </p:txBody>
+      </p:sp>
+      <p:sp>
+        <p:nvSpPr>
+          <p:cNvPr id="4" name="Marcador de pie de página 3"/>
+          <p:cNvSpPr>
+            <a:spLocks noGrp="1"/>
+          </p:cNvSpPr>
+          <p:nvPr>
+            <p:ph type="ftr" sz="quarter" idx="11"/>
+          </p:nvPr>
+        </p:nvSpPr>
+        <p:spPr/>
+        <p:txBody>
+          <a:bodyPr/>
+          <a:lstStyle/>
+          <a:p>
+            <a:pPr>
+              <a:defRPr/>
+            </a:pPr>
+            <a:r>
+              <a:rPr lang="es-ES" dirty="0" smtClean="0"/>
+              <a:t>Clasificación de Tuits y PNL</a:t>
+            </a:r>
+            <a:endParaRPr lang="es-ES" dirty="0"/>
+          </a:p>
+        </p:txBody>
+      </p:sp>
+      <p:sp>
+        <p:nvSpPr>
+          <p:cNvPr id="5" name="Marcador de número de diapositiva 4"/>
+          <p:cNvSpPr>
+            <a:spLocks noGrp="1"/>
+          </p:cNvSpPr>
+          <p:nvPr>
+            <p:ph type="sldNum" sz="quarter" idx="12"/>
+          </p:nvPr>
+        </p:nvSpPr>
+        <p:spPr/>
+        <p:txBody>
+          <a:bodyPr/>
+          <a:lstStyle/>
+          <a:p>
+            <a:pPr>
+              <a:defRPr/>
+            </a:pPr>
+            <a:fld id="{07ABBCD0-34FF-4EE4-BE2E-55B98D8D62A6}" type="slidenum">
+              <a:rPr lang="es-ES" smtClean="0"/>
+              <a:pPr>
+                <a:defRPr/>
+              </a:pPr>
+              <a:t>43</a:t>
+            </a:fld>
+            <a:endParaRPr lang="es-ES" dirty="0"/>
+          </a:p>
+        </p:txBody>
+      </p:sp>
+      <p:pic>
+        <p:nvPicPr>
+          <p:cNvPr id="9" name="Imagen 8"/>
+          <p:cNvPicPr>
+            <a:picLocks noChangeAspect="1"/>
+          </p:cNvPicPr>
+          <p:nvPr/>
+        </p:nvPicPr>
+        <p:blipFill>
+          <a:blip r:embed="rId2"/>
+          <a:stretch>
+            <a:fillRect/>
+          </a:stretch>
+        </p:blipFill>
+        <p:spPr>
+          <a:xfrm>
+            <a:off x="1885950" y="4392289"/>
+            <a:ext cx="4667250" cy="1981200"/>
+          </a:xfrm>
+          <a:prstGeom prst="rect">
+            <a:avLst/>
+          </a:prstGeom>
+        </p:spPr>
+      </p:pic>
+    </p:spTree>
+    <p:extLst>
+      <p:ext uri="{BB962C8B-B14F-4D97-AF65-F5344CB8AC3E}">
+        <p14:creationId xmlns:p14="http://schemas.microsoft.com/office/powerpoint/2010/main" xmlns="" val="2180936773"/>
+      </p:ext>
+    </p:extLst>
+  </p:cSld>
+  <p:clrMapOvr>
+    <a:masterClrMapping/>
+  </p:clrMapOvr>
+  <p:timing>
+    <p:tnLst>
+      <p:par>
+        <p:cTn id="1" dur="indefinite" restart="never" nodeType="tmRoot"/>
+      </p:par>
+    </p:tnLst>
+  </p:timing>
+</p:sld>
+</file>
+
+<file path=ppt/slides/slide44.xml><?xml version="1.0" encoding="utf-8"?>
+<p:sld xmlns:a="http://schemas.openxmlformats.org/drawingml/2006/main" xmlns:r="http://schemas.openxmlformats.org/officeDocument/2006/relationships" xmlns:p="http://schemas.openxmlformats.org/presentationml/2006/main">
+  <p:cSld>
+    <p:spTree>
+      <p:nvGrpSpPr>
+        <p:cNvPr id="1" name=""/>
+        <p:cNvGrpSpPr/>
+        <p:nvPr/>
+      </p:nvGrpSpPr>
+      <p:grpSpPr>
+        <a:xfrm>
+          <a:off x="0" y="0"/>
+          <a:ext cx="0" cy="0"/>
+          <a:chOff x="0" y="0"/>
+          <a:chExt cx="0" cy="0"/>
+        </a:xfrm>
+      </p:grpSpPr>
+      <p:sp>
+        <p:nvSpPr>
+          <p:cNvPr id="2" name="Marcador de contenido 1"/>
+          <p:cNvSpPr>
+            <a:spLocks noGrp="1"/>
+          </p:cNvSpPr>
+          <p:nvPr>
+            <p:ph idx="1"/>
+          </p:nvPr>
+        </p:nvSpPr>
+        <p:spPr>
+          <a:xfrm>
             <a:off x="424340" y="977783"/>
             <a:ext cx="8229600" cy="4525963"/>
           </a:xfrm>
@@ -19737,7 +20022,7 @@
               <a:pPr>
                 <a:defRPr/>
               </a:pPr>
-              <a:t>10/05/2017</a:t>
+              <a:t>12/05/2017</a:t>
             </a:fld>
             <a:endParaRPr lang="es-ES" dirty="0"/>
           </a:p>
@@ -19792,7 +20077,7 @@
               <a:pPr>
                 <a:defRPr/>
               </a:pPr>
-              <a:t>43</a:t>
+              <a:t>44</a:t>
             </a:fld>
             <a:endParaRPr lang="es-ES" dirty="0"/>
           </a:p>
@@ -19846,8 +20131,8 @@
           </a:prstGeom>
         </p:spPr>
       </p:pic>
-      <mc:AlternateContent xmlns:mc="http://schemas.openxmlformats.org/markup-compatibility/2006" xmlns:a14="http://schemas.microsoft.com/office/drawing/2010/main">
-        <mc:Choice Requires="a14">
+      <mc:AlternateContent xmlns:mc="http://schemas.openxmlformats.org/markup-compatibility/2006">
+        <mc:Choice xmlns:a14="http://schemas.microsoft.com/office/drawing/2010/main" xmlns="" Requires="a14">
           <p:sp>
             <p:nvSpPr>
               <p:cNvPr id="11" name="Rectángulo 10"/>
@@ -19925,7 +20210,7 @@
             </p:txBody>
           </p:sp>
         </mc:Choice>
-        <mc:Fallback xmlns="">
+        <mc:Fallback>
           <p:sp>
             <p:nvSpPr>
               <p:cNvPr id="11" name="Rectángulo 10"/>
@@ -20050,7 +20335,7 @@
           <a:blip r:embed="rId5">
             <a:extLst>
               <a:ext uri="{28A0092B-C50C-407E-A947-70E740481C1C}">
-                <a14:useLocalDpi xmlns:a14="http://schemas.microsoft.com/office/drawing/2010/main" val="0"/>
+                <a14:useLocalDpi xmlns:a14="http://schemas.microsoft.com/office/drawing/2010/main" xmlns="" val="0"/>
               </a:ext>
             </a:extLst>
           </a:blip>
@@ -20076,7 +20361,7 @@
     </p:spTree>
     <p:extLst>
       <p:ext uri="{BB962C8B-B14F-4D97-AF65-F5344CB8AC3E}">
-        <p14:creationId xmlns:p14="http://schemas.microsoft.com/office/powerpoint/2010/main" val="2141273275"/>
+        <p14:creationId xmlns:p14="http://schemas.microsoft.com/office/powerpoint/2010/main" xmlns="" val="2141273275"/>
       </p:ext>
     </p:extLst>
   </p:cSld>
@@ -20199,7 +20484,7 @@
               <a:pPr>
                 <a:defRPr/>
               </a:pPr>
-              <a:t>10/05/2017</a:t>
+              <a:t>12/05/2017</a:t>
             </a:fld>
             <a:endParaRPr lang="es-ES" dirty="0"/>
           </a:p>
@@ -20424,7 +20709,7 @@
               <a:pPr>
                 <a:defRPr/>
               </a:pPr>
-              <a:t>10/05/2017</a:t>
+              <a:t>12/05/2017</a:t>
             </a:fld>
             <a:endParaRPr lang="es-ES" dirty="0"/>
           </a:p>
@@ -20548,11 +20833,7 @@
             </a:pPr>
             <a:r>
               <a:rPr lang="es-ES" b="1" dirty="0" smtClean="0"/>
-              <a:t>Niveles de representación de </a:t>
-            </a:r>
-            <a:r>
-              <a:rPr lang="es-ES" b="1" dirty="0" smtClean="0"/>
-              <a:t>textos</a:t>
+              <a:t>Niveles de representación de textos</a:t>
             </a:r>
             <a:endParaRPr lang="es-ES" dirty="0" smtClean="0"/>
           </a:p>
@@ -20752,7 +21033,7 @@
               <a:pPr>
                 <a:defRPr/>
               </a:pPr>
-              <a:t>10/05/2017</a:t>
+              <a:t>12/05/2017</a:t>
             </a:fld>
             <a:endParaRPr lang="es-ES" dirty="0"/>
           </a:p>
@@ -21165,7 +21446,7 @@
               <a:pPr>
                 <a:defRPr/>
               </a:pPr>
-              <a:t>10/05/2017</a:t>
+              <a:t>12/05/2017</a:t>
             </a:fld>
             <a:endParaRPr lang="es-ES" dirty="0"/>
           </a:p>
@@ -21574,7 +21855,7 @@
               <a:pPr>
                 <a:defRPr/>
               </a:pPr>
-              <a:t>10/05/2017</a:t>
+              <a:t>12/05/2017</a:t>
             </a:fld>
             <a:endParaRPr lang="es-ES" dirty="0"/>
           </a:p>
